--- a/Slides/Lecture03 - Lambdas and LINQ.pptx
+++ b/Slides/Lecture03 - Lambdas and LINQ.pptx
@@ -5,20 +5,22 @@
     <p:sldMasterId id="2147484082" r:id="rId4"/>
   </p:sldMasterIdLst>
   <p:notesMasterIdLst>
-    <p:notesMasterId r:id="rId13"/>
+    <p:notesMasterId r:id="rId15"/>
   </p:notesMasterIdLst>
   <p:handoutMasterIdLst>
-    <p:handoutMasterId r:id="rId14"/>
+    <p:handoutMasterId r:id="rId16"/>
   </p:handoutMasterIdLst>
   <p:sldIdLst>
     <p:sldId id="880" r:id="rId5"/>
     <p:sldId id="1074" r:id="rId6"/>
-    <p:sldId id="1075" r:id="rId7"/>
-    <p:sldId id="1076" r:id="rId8"/>
-    <p:sldId id="1077" r:id="rId9"/>
-    <p:sldId id="1078" r:id="rId10"/>
-    <p:sldId id="1079" r:id="rId11"/>
-    <p:sldId id="1080" r:id="rId12"/>
+    <p:sldId id="1081" r:id="rId7"/>
+    <p:sldId id="1082" r:id="rId8"/>
+    <p:sldId id="1075" r:id="rId9"/>
+    <p:sldId id="1076" r:id="rId10"/>
+    <p:sldId id="1077" r:id="rId11"/>
+    <p:sldId id="1078" r:id="rId12"/>
+    <p:sldId id="1079" r:id="rId13"/>
+    <p:sldId id="1080" r:id="rId14"/>
   </p:sldIdLst>
   <p:sldSz cx="9326563" cy="6994525"/>
   <p:notesSz cx="6858000" cy="9144000"/>
@@ -124,6 +126,8 @@
           <p14:sldIdLst>
             <p14:sldId id="880"/>
             <p14:sldId id="1074"/>
+            <p14:sldId id="1081"/>
+            <p14:sldId id="1082"/>
             <p14:sldId id="1075"/>
             <p14:sldId id="1076"/>
             <p14:sldId id="1077"/>
@@ -344,7 +348,7 @@
               <a:rPr lang="en-US" smtClean="0">
                 <a:latin typeface="Segoe UI" pitchFamily="34" charset="0"/>
               </a:rPr>
-              <a:t>9/2/2018</a:t>
+              <a:t>9/13/2018</a:t>
             </a:fld>
             <a:endParaRPr lang="en-US" dirty="0">
               <a:latin typeface="Segoe UI" pitchFamily="34" charset="0"/>
@@ -667,7 +671,7 @@
             <a:fld id="{D51B1278-D92B-4AF3-A9C1-71DD298190CE}" type="datetimeFigureOut">
               <a:rPr lang="en-US" smtClean="0"/>
               <a:pPr/>
-              <a:t>9/2/2018</a:t>
+              <a:t>9/13/2018</a:t>
             </a:fld>
             <a:endParaRPr lang="en-US" dirty="0"/>
           </a:p>
@@ -4647,6 +4651,118 @@
 </p:sld>
 </file>
 
+<file path=ppt/slides/slide10.xml><?xml version="1.0" encoding="utf-8"?>
+<p:sld xmlns:a="http://schemas.openxmlformats.org/drawingml/2006/main" xmlns:r="http://schemas.openxmlformats.org/officeDocument/2006/relationships" xmlns:p="http://schemas.openxmlformats.org/presentationml/2006/main">
+  <p:cSld>
+    <p:bg>
+      <p:bgPr>
+        <a:solidFill>
+          <a:srgbClr val="00188F"/>
+        </a:solidFill>
+        <a:effectLst/>
+      </p:bgPr>
+    </p:bg>
+    <p:spTree>
+      <p:nvGrpSpPr>
+        <p:cNvPr id="1" name=""/>
+        <p:cNvGrpSpPr/>
+        <p:nvPr/>
+      </p:nvGrpSpPr>
+      <p:grpSpPr>
+        <a:xfrm>
+          <a:off x="0" y="0"/>
+          <a:ext cx="0" cy="0"/>
+          <a:chOff x="0" y="0"/>
+          <a:chExt cx="0" cy="0"/>
+        </a:xfrm>
+      </p:grpSpPr>
+      <p:sp>
+        <p:nvSpPr>
+          <p:cNvPr id="2" name="Title 1">
+            <a:extLst>
+              <a:ext uri="{FF2B5EF4-FFF2-40B4-BE49-F238E27FC236}">
+                <a16:creationId xmlns:a16="http://schemas.microsoft.com/office/drawing/2014/main" id="{DACBDE14-6E24-4435-99D0-DCA6EBAA14E8}"/>
+              </a:ext>
+            </a:extLst>
+          </p:cNvPr>
+          <p:cNvSpPr>
+            <a:spLocks noGrp="1"/>
+          </p:cNvSpPr>
+          <p:nvPr>
+            <p:ph type="title"/>
+          </p:nvPr>
+        </p:nvSpPr>
+        <p:spPr/>
+        <p:txBody>
+          <a:bodyPr/>
+          <a:lstStyle/>
+          <a:p>
+            <a:r>
+              <a:rPr lang="da-DK" dirty="0">
+                <a:solidFill>
+                  <a:schemeClr val="bg1"/>
+                </a:solidFill>
+              </a:rPr>
+              <a:t>Linq</a:t>
+            </a:r>
+            <a:endParaRPr lang="en-DK" dirty="0">
+              <a:solidFill>
+                <a:schemeClr val="bg1"/>
+              </a:solidFill>
+            </a:endParaRPr>
+          </a:p>
+        </p:txBody>
+      </p:sp>
+      <p:sp>
+        <p:nvSpPr>
+          <p:cNvPr id="3" name="Text Placeholder 2">
+            <a:extLst>
+              <a:ext uri="{FF2B5EF4-FFF2-40B4-BE49-F238E27FC236}">
+                <a16:creationId xmlns:a16="http://schemas.microsoft.com/office/drawing/2014/main" id="{9F0CF441-10E2-4402-8E81-4B2DA9307069}"/>
+              </a:ext>
+            </a:extLst>
+          </p:cNvPr>
+          <p:cNvSpPr>
+            <a:spLocks noGrp="1"/>
+          </p:cNvSpPr>
+          <p:nvPr>
+            <p:ph type="body" sz="quarter" idx="10"/>
+          </p:nvPr>
+        </p:nvSpPr>
+        <p:spPr>
+          <a:xfrm>
+            <a:off x="274209" y="1212850"/>
+            <a:ext cx="8778240" cy="683264"/>
+          </a:xfrm>
+        </p:spPr>
+        <p:txBody>
+          <a:bodyPr/>
+          <a:lstStyle/>
+          <a:p>
+            <a:endParaRPr lang="en-DK">
+              <a:solidFill>
+                <a:schemeClr val="bg1"/>
+              </a:solidFill>
+            </a:endParaRPr>
+          </a:p>
+        </p:txBody>
+      </p:sp>
+    </p:spTree>
+    <p:extLst>
+      <p:ext uri="{BB962C8B-B14F-4D97-AF65-F5344CB8AC3E}">
+        <p14:creationId xmlns:p14="http://schemas.microsoft.com/office/powerpoint/2010/main" val="1654522918"/>
+      </p:ext>
+    </p:extLst>
+  </p:cSld>
+  <p:clrMapOvr>
+    <a:masterClrMapping/>
+  </p:clrMapOvr>
+  <p:transition>
+    <p:fade/>
+  </p:transition>
+</p:sld>
+</file>
+
 <file path=ppt/slides/slide2.xml><?xml version="1.0" encoding="utf-8"?>
 <p:sld xmlns:a="http://schemas.openxmlformats.org/drawingml/2006/main" xmlns:r="http://schemas.openxmlformats.org/officeDocument/2006/relationships" xmlns:p="http://schemas.openxmlformats.org/presentationml/2006/main">
   <p:cSld>
@@ -4845,7 +4961,7 @@
               </a:spcAft>
             </a:pPr>
             <a:r>
-              <a:rPr lang="da-DK" sz="4400" dirty="0" err="1">
+              <a:rPr lang="da-DK" sz="4400" dirty="0">
                 <a:gradFill>
                   <a:gsLst>
                     <a:gs pos="0">
@@ -4860,23 +4976,8 @@
                 <a:ea typeface="Segoe UI" pitchFamily="34" charset="0"/>
                 <a:cs typeface="Segoe UI" pitchFamily="34" charset="0"/>
               </a:rPr>
-              <a:t>Polymorphism</a:t>
-            </a:r>
-            <a:endParaRPr lang="da-DK" sz="4400" dirty="0">
-              <a:gradFill>
-                <a:gsLst>
-                  <a:gs pos="0">
-                    <a:srgbClr val="FFFFFF"/>
-                  </a:gs>
-                  <a:gs pos="100000">
-                    <a:srgbClr val="FFFFFF"/>
-                  </a:gs>
-                </a:gsLst>
-                <a:lin ang="5400000" scaled="0"/>
-              </a:gradFill>
-              <a:ea typeface="Segoe UI" pitchFamily="34" charset="0"/>
-              <a:cs typeface="Segoe UI" pitchFamily="34" charset="0"/>
-            </a:endParaRPr>
+              <a:t>Enumerations</a:t>
+            </a:r>
           </a:p>
         </p:txBody>
       </p:sp>
@@ -4906,6 +5007,645 @@
 </file>
 
 <file path=ppt/slides/slide3.xml><?xml version="1.0" encoding="utf-8"?>
+<p:sld xmlns:a="http://schemas.openxmlformats.org/drawingml/2006/main" xmlns:r="http://schemas.openxmlformats.org/officeDocument/2006/relationships" xmlns:p="http://schemas.openxmlformats.org/presentationml/2006/main">
+  <p:cSld>
+    <p:bg>
+      <p:bgPr>
+        <a:solidFill>
+          <a:schemeClr val="bg1"/>
+        </a:solidFill>
+        <a:effectLst/>
+      </p:bgPr>
+    </p:bg>
+    <p:spTree>
+      <p:nvGrpSpPr>
+        <p:cNvPr id="1" name=""/>
+        <p:cNvGrpSpPr/>
+        <p:nvPr/>
+      </p:nvGrpSpPr>
+      <p:grpSpPr>
+        <a:xfrm>
+          <a:off x="0" y="0"/>
+          <a:ext cx="0" cy="0"/>
+          <a:chOff x="0" y="0"/>
+          <a:chExt cx="0" cy="0"/>
+        </a:xfrm>
+      </p:grpSpPr>
+      <p:sp>
+        <p:nvSpPr>
+          <p:cNvPr id="2" name="Title 1">
+            <a:extLst>
+              <a:ext uri="{FF2B5EF4-FFF2-40B4-BE49-F238E27FC236}">
+                <a16:creationId xmlns:a16="http://schemas.microsoft.com/office/drawing/2014/main" id="{EF9F1B07-DC1C-428C-AAB6-7A27C12BC159}"/>
+              </a:ext>
+            </a:extLst>
+          </p:cNvPr>
+          <p:cNvSpPr>
+            <a:spLocks noGrp="1"/>
+          </p:cNvSpPr>
+          <p:nvPr>
+            <p:ph type="title"/>
+          </p:nvPr>
+        </p:nvSpPr>
+        <p:spPr/>
+        <p:txBody>
+          <a:bodyPr/>
+          <a:lstStyle/>
+          <a:p>
+            <a:r>
+              <a:rPr lang="en-US" dirty="0">
+                <a:solidFill>
+                  <a:schemeClr val="tx1"/>
+                </a:solidFill>
+              </a:rPr>
+              <a:t>Enumerations 1/2</a:t>
+            </a:r>
+            <a:endParaRPr lang="en-DK" dirty="0">
+              <a:solidFill>
+                <a:schemeClr val="tx1"/>
+              </a:solidFill>
+            </a:endParaRPr>
+          </a:p>
+        </p:txBody>
+      </p:sp>
+      <p:sp>
+        <p:nvSpPr>
+          <p:cNvPr id="6" name="Rectangle 5">
+            <a:extLst>
+              <a:ext uri="{FF2B5EF4-FFF2-40B4-BE49-F238E27FC236}">
+                <a16:creationId xmlns:a16="http://schemas.microsoft.com/office/drawing/2014/main" id="{335D5E5F-551C-40DA-ADD9-14D038665356}"/>
+              </a:ext>
+            </a:extLst>
+          </p:cNvPr>
+          <p:cNvSpPr/>
+          <p:nvPr/>
+        </p:nvSpPr>
+        <p:spPr>
+          <a:xfrm>
+            <a:off x="822843" y="2125677"/>
+            <a:ext cx="7679290" cy="3046988"/>
+          </a:xfrm>
+          <a:prstGeom prst="rect">
+            <a:avLst/>
+          </a:prstGeom>
+        </p:spPr>
+        <p:txBody>
+          <a:bodyPr wrap="square">
+            <a:spAutoFit/>
+          </a:bodyPr>
+          <a:lstStyle/>
+          <a:p>
+            <a:r>
+              <a:rPr lang="da-DK" sz="3200" dirty="0">
+                <a:solidFill>
+                  <a:srgbClr val="000000"/>
+                </a:solidFill>
+                <a:latin typeface="Consolas" panose="020B0609020204030204" pitchFamily="49" charset="0"/>
+              </a:rPr>
+              <a:t> </a:t>
+            </a:r>
+            <a:r>
+              <a:rPr lang="da-DK" sz="3200" dirty="0">
+                <a:solidFill>
+                  <a:srgbClr val="0000FF"/>
+                </a:solidFill>
+                <a:latin typeface="Consolas" panose="020B0609020204030204" pitchFamily="49" charset="0"/>
+              </a:rPr>
+              <a:t>public</a:t>
+            </a:r>
+            <a:r>
+              <a:rPr lang="da-DK" sz="3200" dirty="0">
+                <a:solidFill>
+                  <a:srgbClr val="000000"/>
+                </a:solidFill>
+                <a:latin typeface="Consolas" panose="020B0609020204030204" pitchFamily="49" charset="0"/>
+              </a:rPr>
+              <a:t> </a:t>
+            </a:r>
+            <a:r>
+              <a:rPr lang="da-DK" sz="3200" dirty="0">
+                <a:solidFill>
+                  <a:srgbClr val="0000FF"/>
+                </a:solidFill>
+                <a:latin typeface="Consolas" panose="020B0609020204030204" pitchFamily="49" charset="0"/>
+              </a:rPr>
+              <a:t>enum</a:t>
+            </a:r>
+            <a:r>
+              <a:rPr lang="da-DK" sz="3200" dirty="0">
+                <a:solidFill>
+                  <a:srgbClr val="000000"/>
+                </a:solidFill>
+                <a:latin typeface="Consolas" panose="020B0609020204030204" pitchFamily="49" charset="0"/>
+              </a:rPr>
+              <a:t> </a:t>
+            </a:r>
+            <a:r>
+              <a:rPr lang="da-DK" sz="3200" dirty="0">
+                <a:solidFill>
+                  <a:srgbClr val="2B91AF"/>
+                </a:solidFill>
+                <a:latin typeface="Consolas" panose="020B0609020204030204" pitchFamily="49" charset="0"/>
+              </a:rPr>
+              <a:t>TrafficLightColor</a:t>
+            </a:r>
+            <a:endParaRPr lang="da-DK" sz="3200" dirty="0">
+              <a:solidFill>
+                <a:srgbClr val="000000"/>
+              </a:solidFill>
+              <a:latin typeface="Consolas" panose="020B0609020204030204" pitchFamily="49" charset="0"/>
+            </a:endParaRPr>
+          </a:p>
+          <a:p>
+            <a:r>
+              <a:rPr lang="en-DK" sz="3200" dirty="0">
+                <a:solidFill>
+                  <a:srgbClr val="000000"/>
+                </a:solidFill>
+                <a:latin typeface="Consolas" panose="020B0609020204030204" pitchFamily="49" charset="0"/>
+              </a:rPr>
+              <a:t> {</a:t>
+            </a:r>
+          </a:p>
+          <a:p>
+            <a:r>
+              <a:rPr lang="da-DK" sz="3200" dirty="0">
+                <a:solidFill>
+                  <a:srgbClr val="000000"/>
+                </a:solidFill>
+                <a:latin typeface="Consolas" panose="020B0609020204030204" pitchFamily="49" charset="0"/>
+              </a:rPr>
+              <a:t>    Green,</a:t>
+            </a:r>
+          </a:p>
+          <a:p>
+            <a:r>
+              <a:rPr lang="da-DK" sz="3200" dirty="0">
+                <a:solidFill>
+                  <a:srgbClr val="000000"/>
+                </a:solidFill>
+                <a:latin typeface="Consolas" panose="020B0609020204030204" pitchFamily="49" charset="0"/>
+              </a:rPr>
+              <a:t>    Red,</a:t>
+            </a:r>
+          </a:p>
+          <a:p>
+            <a:r>
+              <a:rPr lang="da-DK" sz="3200" dirty="0">
+                <a:solidFill>
+                  <a:srgbClr val="000000"/>
+                </a:solidFill>
+                <a:latin typeface="Consolas" panose="020B0609020204030204" pitchFamily="49" charset="0"/>
+              </a:rPr>
+              <a:t>    Yellow</a:t>
+            </a:r>
+          </a:p>
+          <a:p>
+            <a:r>
+              <a:rPr lang="en-DK" sz="3200" dirty="0">
+                <a:solidFill>
+                  <a:srgbClr val="000000"/>
+                </a:solidFill>
+                <a:latin typeface="Consolas" panose="020B0609020204030204" pitchFamily="49" charset="0"/>
+              </a:rPr>
+              <a:t> }</a:t>
+            </a:r>
+            <a:endParaRPr lang="en-DK" sz="3200" dirty="0"/>
+          </a:p>
+        </p:txBody>
+      </p:sp>
+    </p:spTree>
+    <p:extLst>
+      <p:ext uri="{BB962C8B-B14F-4D97-AF65-F5344CB8AC3E}">
+        <p14:creationId xmlns:p14="http://schemas.microsoft.com/office/powerpoint/2010/main" val="1460813641"/>
+      </p:ext>
+    </p:extLst>
+  </p:cSld>
+  <p:clrMapOvr>
+    <a:masterClrMapping/>
+  </p:clrMapOvr>
+  <p:transition>
+    <p:fade/>
+  </p:transition>
+</p:sld>
+</file>
+
+<file path=ppt/slides/slide4.xml><?xml version="1.0" encoding="utf-8"?>
+<p:sld xmlns:a="http://schemas.openxmlformats.org/drawingml/2006/main" xmlns:r="http://schemas.openxmlformats.org/officeDocument/2006/relationships" xmlns:p="http://schemas.openxmlformats.org/presentationml/2006/main">
+  <p:cSld>
+    <p:spTree>
+      <p:nvGrpSpPr>
+        <p:cNvPr id="1" name=""/>
+        <p:cNvGrpSpPr/>
+        <p:nvPr/>
+      </p:nvGrpSpPr>
+      <p:grpSpPr>
+        <a:xfrm>
+          <a:off x="0" y="0"/>
+          <a:ext cx="0" cy="0"/>
+          <a:chOff x="0" y="0"/>
+          <a:chExt cx="0" cy="0"/>
+        </a:xfrm>
+      </p:grpSpPr>
+      <p:sp>
+        <p:nvSpPr>
+          <p:cNvPr id="2" name="Title 1">
+            <a:extLst>
+              <a:ext uri="{FF2B5EF4-FFF2-40B4-BE49-F238E27FC236}">
+                <a16:creationId xmlns:a16="http://schemas.microsoft.com/office/drawing/2014/main" id="{C358F418-0566-459E-AD17-3B1A4801CFF1}"/>
+              </a:ext>
+            </a:extLst>
+          </p:cNvPr>
+          <p:cNvSpPr>
+            <a:spLocks noGrp="1"/>
+          </p:cNvSpPr>
+          <p:nvPr>
+            <p:ph type="title"/>
+          </p:nvPr>
+        </p:nvSpPr>
+        <p:spPr/>
+        <p:txBody>
+          <a:bodyPr/>
+          <a:lstStyle/>
+          <a:p>
+            <a:r>
+              <a:rPr lang="en-US" dirty="0">
+                <a:solidFill>
+                  <a:schemeClr val="tx1"/>
+                </a:solidFill>
+              </a:rPr>
+              <a:t>Enumerations 2/2</a:t>
+            </a:r>
+            <a:endParaRPr lang="en-DK" dirty="0"/>
+          </a:p>
+        </p:txBody>
+      </p:sp>
+      <p:sp>
+        <p:nvSpPr>
+          <p:cNvPr id="4" name="Rectangle 3">
+            <a:extLst>
+              <a:ext uri="{FF2B5EF4-FFF2-40B4-BE49-F238E27FC236}">
+                <a16:creationId xmlns:a16="http://schemas.microsoft.com/office/drawing/2014/main" id="{0918B562-3B8C-41C1-B3CF-22FEAD35C425}"/>
+              </a:ext>
+            </a:extLst>
+          </p:cNvPr>
+          <p:cNvSpPr/>
+          <p:nvPr/>
+        </p:nvSpPr>
+        <p:spPr>
+          <a:xfrm>
+            <a:off x="1645794" y="1650604"/>
+            <a:ext cx="6033388" cy="4893647"/>
+          </a:xfrm>
+          <a:prstGeom prst="rect">
+            <a:avLst/>
+          </a:prstGeom>
+        </p:spPr>
+        <p:txBody>
+          <a:bodyPr wrap="square">
+            <a:spAutoFit/>
+          </a:bodyPr>
+          <a:lstStyle/>
+          <a:p>
+            <a:r>
+              <a:rPr lang="da-DK" sz="2400" dirty="0">
+                <a:solidFill>
+                  <a:srgbClr val="000000"/>
+                </a:solidFill>
+                <a:latin typeface="Consolas" panose="020B0609020204030204" pitchFamily="49" charset="0"/>
+              </a:rPr>
+              <a:t>[Flags]</a:t>
+            </a:r>
+          </a:p>
+          <a:p>
+            <a:r>
+              <a:rPr lang="da-DK" sz="2400" dirty="0">
+                <a:solidFill>
+                  <a:srgbClr val="0000FF"/>
+                </a:solidFill>
+                <a:latin typeface="Consolas" panose="020B0609020204030204" pitchFamily="49" charset="0"/>
+              </a:rPr>
+              <a:t>public</a:t>
+            </a:r>
+            <a:r>
+              <a:rPr lang="da-DK" sz="2400" dirty="0">
+                <a:solidFill>
+                  <a:srgbClr val="000000"/>
+                </a:solidFill>
+                <a:latin typeface="Consolas" panose="020B0609020204030204" pitchFamily="49" charset="0"/>
+              </a:rPr>
+              <a:t> </a:t>
+            </a:r>
+            <a:r>
+              <a:rPr lang="da-DK" sz="2400" dirty="0">
+                <a:solidFill>
+                  <a:srgbClr val="0000FF"/>
+                </a:solidFill>
+                <a:latin typeface="Consolas" panose="020B0609020204030204" pitchFamily="49" charset="0"/>
+              </a:rPr>
+              <a:t>enum</a:t>
+            </a:r>
+            <a:r>
+              <a:rPr lang="da-DK" sz="2400" dirty="0">
+                <a:solidFill>
+                  <a:srgbClr val="000000"/>
+                </a:solidFill>
+                <a:latin typeface="Consolas" panose="020B0609020204030204" pitchFamily="49" charset="0"/>
+              </a:rPr>
+              <a:t> </a:t>
+            </a:r>
+            <a:r>
+              <a:rPr lang="da-DK" sz="2400" dirty="0">
+                <a:solidFill>
+                  <a:srgbClr val="2B91AF"/>
+                </a:solidFill>
+                <a:latin typeface="Consolas" panose="020B0609020204030204" pitchFamily="49" charset="0"/>
+              </a:rPr>
+              <a:t>EightBitSwitches</a:t>
+            </a:r>
+            <a:endParaRPr lang="da-DK" sz="2400" dirty="0">
+              <a:solidFill>
+                <a:srgbClr val="000000"/>
+              </a:solidFill>
+              <a:latin typeface="Consolas" panose="020B0609020204030204" pitchFamily="49" charset="0"/>
+            </a:endParaRPr>
+          </a:p>
+          <a:p>
+            <a:r>
+              <a:rPr lang="en-DK" sz="2400" dirty="0">
+                <a:solidFill>
+                  <a:srgbClr val="000000"/>
+                </a:solidFill>
+                <a:latin typeface="Consolas" panose="020B0609020204030204" pitchFamily="49" charset="0"/>
+              </a:rPr>
+              <a:t>{</a:t>
+            </a:r>
+          </a:p>
+          <a:p>
+            <a:r>
+              <a:rPr lang="da-DK" sz="2400" dirty="0">
+                <a:solidFill>
+                  <a:srgbClr val="000000"/>
+                </a:solidFill>
+                <a:latin typeface="Consolas" panose="020B0609020204030204" pitchFamily="49" charset="0"/>
+              </a:rPr>
+              <a:t>    None  = 0b00000000, </a:t>
+            </a:r>
+            <a:r>
+              <a:rPr lang="da-DK" sz="2400" dirty="0">
+                <a:solidFill>
+                  <a:srgbClr val="008000"/>
+                </a:solidFill>
+                <a:latin typeface="Consolas" panose="020B0609020204030204" pitchFamily="49" charset="0"/>
+              </a:rPr>
+              <a:t>// 0</a:t>
+            </a:r>
+            <a:endParaRPr lang="da-DK" sz="2400" dirty="0">
+              <a:solidFill>
+                <a:srgbClr val="000000"/>
+              </a:solidFill>
+              <a:latin typeface="Consolas" panose="020B0609020204030204" pitchFamily="49" charset="0"/>
+            </a:endParaRPr>
+          </a:p>
+          <a:p>
+            <a:r>
+              <a:rPr lang="da-DK" sz="2400" dirty="0">
+                <a:solidFill>
+                  <a:srgbClr val="000000"/>
+                </a:solidFill>
+                <a:latin typeface="Consolas" panose="020B0609020204030204" pitchFamily="49" charset="0"/>
+              </a:rPr>
+              <a:t>    One   = 0b00000001, </a:t>
+            </a:r>
+            <a:r>
+              <a:rPr lang="da-DK" sz="2400" dirty="0">
+                <a:solidFill>
+                  <a:srgbClr val="008000"/>
+                </a:solidFill>
+                <a:latin typeface="Consolas" panose="020B0609020204030204" pitchFamily="49" charset="0"/>
+              </a:rPr>
+              <a:t>// 1</a:t>
+            </a:r>
+            <a:endParaRPr lang="da-DK" sz="2400" dirty="0">
+              <a:solidFill>
+                <a:srgbClr val="000000"/>
+              </a:solidFill>
+              <a:latin typeface="Consolas" panose="020B0609020204030204" pitchFamily="49" charset="0"/>
+            </a:endParaRPr>
+          </a:p>
+          <a:p>
+            <a:r>
+              <a:rPr lang="da-DK" sz="2400" dirty="0">
+                <a:solidFill>
+                  <a:srgbClr val="000000"/>
+                </a:solidFill>
+                <a:latin typeface="Consolas" panose="020B0609020204030204" pitchFamily="49" charset="0"/>
+              </a:rPr>
+              <a:t>    Two   = 0b00000010, </a:t>
+            </a:r>
+            <a:r>
+              <a:rPr lang="da-DK" sz="2400" dirty="0">
+                <a:solidFill>
+                  <a:srgbClr val="008000"/>
+                </a:solidFill>
+                <a:latin typeface="Consolas" panose="020B0609020204030204" pitchFamily="49" charset="0"/>
+              </a:rPr>
+              <a:t>// 2</a:t>
+            </a:r>
+            <a:endParaRPr lang="da-DK" sz="2400" dirty="0">
+              <a:solidFill>
+                <a:srgbClr val="000000"/>
+              </a:solidFill>
+              <a:latin typeface="Consolas" panose="020B0609020204030204" pitchFamily="49" charset="0"/>
+            </a:endParaRPr>
+          </a:p>
+          <a:p>
+            <a:r>
+              <a:rPr lang="da-DK" sz="2400" dirty="0">
+                <a:solidFill>
+                  <a:srgbClr val="000000"/>
+                </a:solidFill>
+                <a:latin typeface="Consolas" panose="020B0609020204030204" pitchFamily="49" charset="0"/>
+              </a:rPr>
+              <a:t>    Three = 0b00000100, </a:t>
+            </a:r>
+            <a:r>
+              <a:rPr lang="da-DK" sz="2400" dirty="0">
+                <a:solidFill>
+                  <a:srgbClr val="008000"/>
+                </a:solidFill>
+                <a:latin typeface="Consolas" panose="020B0609020204030204" pitchFamily="49" charset="0"/>
+              </a:rPr>
+              <a:t>// 4</a:t>
+            </a:r>
+            <a:endParaRPr lang="da-DK" sz="2400" dirty="0">
+              <a:solidFill>
+                <a:srgbClr val="000000"/>
+              </a:solidFill>
+              <a:latin typeface="Consolas" panose="020B0609020204030204" pitchFamily="49" charset="0"/>
+            </a:endParaRPr>
+          </a:p>
+          <a:p>
+            <a:r>
+              <a:rPr lang="da-DK" sz="2400" dirty="0">
+                <a:solidFill>
+                  <a:srgbClr val="000000"/>
+                </a:solidFill>
+                <a:latin typeface="Consolas" panose="020B0609020204030204" pitchFamily="49" charset="0"/>
+              </a:rPr>
+              <a:t>    Four  = 0b00001000, </a:t>
+            </a:r>
+            <a:r>
+              <a:rPr lang="da-DK" sz="2400" dirty="0">
+                <a:solidFill>
+                  <a:srgbClr val="008000"/>
+                </a:solidFill>
+                <a:latin typeface="Consolas" panose="020B0609020204030204" pitchFamily="49" charset="0"/>
+              </a:rPr>
+              <a:t>// 8</a:t>
+            </a:r>
+            <a:endParaRPr lang="da-DK" sz="2400" dirty="0">
+              <a:solidFill>
+                <a:srgbClr val="000000"/>
+              </a:solidFill>
+              <a:latin typeface="Consolas" panose="020B0609020204030204" pitchFamily="49" charset="0"/>
+            </a:endParaRPr>
+          </a:p>
+          <a:p>
+            <a:r>
+              <a:rPr lang="da-DK" sz="2400" dirty="0">
+                <a:solidFill>
+                  <a:srgbClr val="000000"/>
+                </a:solidFill>
+                <a:latin typeface="Consolas" panose="020B0609020204030204" pitchFamily="49" charset="0"/>
+              </a:rPr>
+              <a:t>    Five  = 0b00010000, </a:t>
+            </a:r>
+            <a:r>
+              <a:rPr lang="da-DK" sz="2400" dirty="0">
+                <a:solidFill>
+                  <a:srgbClr val="008000"/>
+                </a:solidFill>
+                <a:latin typeface="Consolas" panose="020B0609020204030204" pitchFamily="49" charset="0"/>
+              </a:rPr>
+              <a:t>// 16</a:t>
+            </a:r>
+            <a:endParaRPr lang="da-DK" sz="2400" dirty="0">
+              <a:solidFill>
+                <a:srgbClr val="000000"/>
+              </a:solidFill>
+              <a:latin typeface="Consolas" panose="020B0609020204030204" pitchFamily="49" charset="0"/>
+            </a:endParaRPr>
+          </a:p>
+          <a:p>
+            <a:r>
+              <a:rPr lang="da-DK" sz="2400" dirty="0">
+                <a:solidFill>
+                  <a:srgbClr val="000000"/>
+                </a:solidFill>
+                <a:latin typeface="Consolas" panose="020B0609020204030204" pitchFamily="49" charset="0"/>
+              </a:rPr>
+              <a:t>    Six   = 0b00100000, </a:t>
+            </a:r>
+            <a:r>
+              <a:rPr lang="da-DK" sz="2400" dirty="0">
+                <a:solidFill>
+                  <a:srgbClr val="008000"/>
+                </a:solidFill>
+                <a:latin typeface="Consolas" panose="020B0609020204030204" pitchFamily="49" charset="0"/>
+              </a:rPr>
+              <a:t>// 32</a:t>
+            </a:r>
+            <a:endParaRPr lang="da-DK" sz="2400" dirty="0">
+              <a:solidFill>
+                <a:srgbClr val="000000"/>
+              </a:solidFill>
+              <a:latin typeface="Consolas" panose="020B0609020204030204" pitchFamily="49" charset="0"/>
+            </a:endParaRPr>
+          </a:p>
+          <a:p>
+            <a:r>
+              <a:rPr lang="da-DK" sz="2400" dirty="0">
+                <a:solidFill>
+                  <a:srgbClr val="000000"/>
+                </a:solidFill>
+                <a:latin typeface="Consolas" panose="020B0609020204030204" pitchFamily="49" charset="0"/>
+              </a:rPr>
+              <a:t>    Seven = 0b01000000, </a:t>
+            </a:r>
+            <a:r>
+              <a:rPr lang="da-DK" sz="2400" dirty="0">
+                <a:solidFill>
+                  <a:srgbClr val="008000"/>
+                </a:solidFill>
+                <a:latin typeface="Consolas" panose="020B0609020204030204" pitchFamily="49" charset="0"/>
+              </a:rPr>
+              <a:t>// 64</a:t>
+            </a:r>
+            <a:endParaRPr lang="da-DK" sz="2400" dirty="0">
+              <a:solidFill>
+                <a:srgbClr val="000000"/>
+              </a:solidFill>
+              <a:latin typeface="Consolas" panose="020B0609020204030204" pitchFamily="49" charset="0"/>
+            </a:endParaRPr>
+          </a:p>
+          <a:p>
+            <a:r>
+              <a:rPr lang="da-DK" sz="2400" dirty="0">
+                <a:solidFill>
+                  <a:srgbClr val="000000"/>
+                </a:solidFill>
+                <a:latin typeface="Consolas" panose="020B0609020204030204" pitchFamily="49" charset="0"/>
+              </a:rPr>
+              <a:t>    Eight = 0b10000000  </a:t>
+            </a:r>
+            <a:r>
+              <a:rPr lang="da-DK" sz="2400" dirty="0">
+                <a:solidFill>
+                  <a:srgbClr val="008000"/>
+                </a:solidFill>
+                <a:latin typeface="Consolas" panose="020B0609020204030204" pitchFamily="49" charset="0"/>
+              </a:rPr>
+              <a:t>// 128</a:t>
+            </a:r>
+            <a:endParaRPr lang="da-DK" sz="2400" dirty="0">
+              <a:solidFill>
+                <a:srgbClr val="000000"/>
+              </a:solidFill>
+              <a:latin typeface="Consolas" panose="020B0609020204030204" pitchFamily="49" charset="0"/>
+            </a:endParaRPr>
+          </a:p>
+          <a:p>
+            <a:r>
+              <a:rPr lang="en-DK" sz="2400" dirty="0">
+                <a:solidFill>
+                  <a:srgbClr val="000000"/>
+                </a:solidFill>
+                <a:latin typeface="Consolas" panose="020B0609020204030204" pitchFamily="49" charset="0"/>
+              </a:rPr>
+              <a:t>}</a:t>
+            </a:r>
+            <a:endParaRPr lang="en-DK" sz="2400" dirty="0"/>
+          </a:p>
+        </p:txBody>
+      </p:sp>
+    </p:spTree>
+    <p:extLst>
+      <p:ext uri="{BB962C8B-B14F-4D97-AF65-F5344CB8AC3E}">
+        <p14:creationId xmlns:p14="http://schemas.microsoft.com/office/powerpoint/2010/main" val="370779400"/>
+      </p:ext>
+    </p:extLst>
+  </p:cSld>
+  <p:clrMapOvr>
+    <a:masterClrMapping/>
+  </p:clrMapOvr>
+  <p:transition>
+    <p:fade/>
+  </p:transition>
+</p:sld>
+</file>
+
+<file path=ppt/slides/slide5.xml><?xml version="1.0" encoding="utf-8"?>
 <p:sld xmlns:a="http://schemas.openxmlformats.org/drawingml/2006/main" xmlns:r="http://schemas.openxmlformats.org/officeDocument/2006/relationships" xmlns:p="http://schemas.openxmlformats.org/presentationml/2006/main">
   <p:cSld>
     <p:bg>
@@ -5011,7 +5751,7 @@
 </p:sld>
 </file>
 
-<file path=ppt/slides/slide4.xml><?xml version="1.0" encoding="utf-8"?>
+<file path=ppt/slides/slide6.xml><?xml version="1.0" encoding="utf-8"?>
 <p:sld xmlns:a="http://schemas.openxmlformats.org/drawingml/2006/main" xmlns:r="http://schemas.openxmlformats.org/officeDocument/2006/relationships" xmlns:p="http://schemas.openxmlformats.org/presentationml/2006/main">
   <p:cSld>
     <p:bg>
@@ -5123,7 +5863,7 @@
 </p:sld>
 </file>
 
-<file path=ppt/slides/slide5.xml><?xml version="1.0" encoding="utf-8"?>
+<file path=ppt/slides/slide7.xml><?xml version="1.0" encoding="utf-8"?>
 <p:sld xmlns:a="http://schemas.openxmlformats.org/drawingml/2006/main" xmlns:r="http://schemas.openxmlformats.org/officeDocument/2006/relationships" xmlns:p="http://schemas.openxmlformats.org/presentationml/2006/main">
   <p:cSld>
     <p:bg>
@@ -5235,7 +5975,7 @@
 </p:sld>
 </file>
 
-<file path=ppt/slides/slide6.xml><?xml version="1.0" encoding="utf-8"?>
+<file path=ppt/slides/slide8.xml><?xml version="1.0" encoding="utf-8"?>
 <p:sld xmlns:a="http://schemas.openxmlformats.org/drawingml/2006/main" xmlns:r="http://schemas.openxmlformats.org/officeDocument/2006/relationships" xmlns:p="http://schemas.openxmlformats.org/presentationml/2006/main">
   <p:cSld>
     <p:bg>
@@ -5330,7 +6070,7 @@
 </p:sld>
 </file>
 
-<file path=ppt/slides/slide7.xml><?xml version="1.0" encoding="utf-8"?>
+<file path=ppt/slides/slide9.xml><?xml version="1.0" encoding="utf-8"?>
 <p:sld xmlns:a="http://schemas.openxmlformats.org/drawingml/2006/main" xmlns:r="http://schemas.openxmlformats.org/officeDocument/2006/relationships" xmlns:p="http://schemas.openxmlformats.org/presentationml/2006/main">
   <p:cSld>
     <p:bg>
@@ -5430,118 +6170,6 @@
     <p:extLst>
       <p:ext uri="{BB962C8B-B14F-4D97-AF65-F5344CB8AC3E}">
         <p14:creationId xmlns:p14="http://schemas.microsoft.com/office/powerpoint/2010/main" val="2599729435"/>
-      </p:ext>
-    </p:extLst>
-  </p:cSld>
-  <p:clrMapOvr>
-    <a:masterClrMapping/>
-  </p:clrMapOvr>
-  <p:transition>
-    <p:fade/>
-  </p:transition>
-</p:sld>
-</file>
-
-<file path=ppt/slides/slide8.xml><?xml version="1.0" encoding="utf-8"?>
-<p:sld xmlns:a="http://schemas.openxmlformats.org/drawingml/2006/main" xmlns:r="http://schemas.openxmlformats.org/officeDocument/2006/relationships" xmlns:p="http://schemas.openxmlformats.org/presentationml/2006/main">
-  <p:cSld>
-    <p:bg>
-      <p:bgPr>
-        <a:solidFill>
-          <a:srgbClr val="00188F"/>
-        </a:solidFill>
-        <a:effectLst/>
-      </p:bgPr>
-    </p:bg>
-    <p:spTree>
-      <p:nvGrpSpPr>
-        <p:cNvPr id="1" name=""/>
-        <p:cNvGrpSpPr/>
-        <p:nvPr/>
-      </p:nvGrpSpPr>
-      <p:grpSpPr>
-        <a:xfrm>
-          <a:off x="0" y="0"/>
-          <a:ext cx="0" cy="0"/>
-          <a:chOff x="0" y="0"/>
-          <a:chExt cx="0" cy="0"/>
-        </a:xfrm>
-      </p:grpSpPr>
-      <p:sp>
-        <p:nvSpPr>
-          <p:cNvPr id="2" name="Title 1">
-            <a:extLst>
-              <a:ext uri="{FF2B5EF4-FFF2-40B4-BE49-F238E27FC236}">
-                <a16:creationId xmlns:a16="http://schemas.microsoft.com/office/drawing/2014/main" id="{DACBDE14-6E24-4435-99D0-DCA6EBAA14E8}"/>
-              </a:ext>
-            </a:extLst>
-          </p:cNvPr>
-          <p:cNvSpPr>
-            <a:spLocks noGrp="1"/>
-          </p:cNvSpPr>
-          <p:nvPr>
-            <p:ph type="title"/>
-          </p:nvPr>
-        </p:nvSpPr>
-        <p:spPr/>
-        <p:txBody>
-          <a:bodyPr/>
-          <a:lstStyle/>
-          <a:p>
-            <a:r>
-              <a:rPr lang="da-DK" dirty="0">
-                <a:solidFill>
-                  <a:schemeClr val="bg1"/>
-                </a:solidFill>
-              </a:rPr>
-              <a:t>Linq</a:t>
-            </a:r>
-            <a:endParaRPr lang="en-DK" dirty="0">
-              <a:solidFill>
-                <a:schemeClr val="bg1"/>
-              </a:solidFill>
-            </a:endParaRPr>
-          </a:p>
-        </p:txBody>
-      </p:sp>
-      <p:sp>
-        <p:nvSpPr>
-          <p:cNvPr id="3" name="Text Placeholder 2">
-            <a:extLst>
-              <a:ext uri="{FF2B5EF4-FFF2-40B4-BE49-F238E27FC236}">
-                <a16:creationId xmlns:a16="http://schemas.microsoft.com/office/drawing/2014/main" id="{9F0CF441-10E2-4402-8E81-4B2DA9307069}"/>
-              </a:ext>
-            </a:extLst>
-          </p:cNvPr>
-          <p:cNvSpPr>
-            <a:spLocks noGrp="1"/>
-          </p:cNvSpPr>
-          <p:nvPr>
-            <p:ph type="body" sz="quarter" idx="10"/>
-          </p:nvPr>
-        </p:nvSpPr>
-        <p:spPr>
-          <a:xfrm>
-            <a:off x="274209" y="1212850"/>
-            <a:ext cx="8778240" cy="683264"/>
-          </a:xfrm>
-        </p:spPr>
-        <p:txBody>
-          <a:bodyPr/>
-          <a:lstStyle/>
-          <a:p>
-            <a:endParaRPr lang="en-DK">
-              <a:solidFill>
-                <a:schemeClr val="bg1"/>
-              </a:solidFill>
-            </a:endParaRPr>
-          </a:p>
-        </p:txBody>
-      </p:sp>
-    </p:spTree>
-    <p:extLst>
-      <p:ext uri="{BB962C8B-B14F-4D97-AF65-F5344CB8AC3E}">
-        <p14:creationId xmlns:p14="http://schemas.microsoft.com/office/powerpoint/2010/main" val="1654522918"/>
       </p:ext>
     </p:extLst>
   </p:cSld>
@@ -6415,70 +7043,6 @@
 </file>
 
 <file path=customXml/item1.xml><?xml version="1.0" encoding="utf-8"?>
-<p:properties xmlns:p="http://schemas.microsoft.com/office/2006/metadata/properties" xmlns:xsi="http://www.w3.org/2001/XMLSchema-instance" xmlns:pc="http://schemas.microsoft.com/office/infopath/2007/PartnerControls">
-  <documentManagement>
-    <TrackTaxHTField0 xmlns="2295e2e7-0eeb-498e-8716-217bb2ee6ee3">
-      <Terms xmlns="http://schemas.microsoft.com/office/infopath/2007/PartnerControls"/>
-    </TrackTaxHTField0>
-    <CampaignTaxHTField0 xmlns="2295e2e7-0eeb-498e-8716-217bb2ee6ee3">
-      <Terms xmlns="http://schemas.microsoft.com/office/infopath/2007/PartnerControls"/>
-    </CampaignTaxHTField0>
-    <Event_x0020_End_x0020_Date xmlns="2295e2e7-0eeb-498e-8716-217bb2ee6ee3" xsi:nil="true"/>
-    <Event_x0020_Start_x0020_Date xmlns="2295e2e7-0eeb-498e-8716-217bb2ee6ee3" xsi:nil="true"/>
-    <MS_x0020_Speaker xmlns="2295e2e7-0eeb-498e-8716-217bb2ee6ee3">
-      <UserInfo>
-        <DisplayName/>
-        <AccountId xsi:nil="true"/>
-        <AccountType/>
-      </UserInfo>
-    </MS_x0020_Speaker>
-    <External_x0020_Speaker xmlns="2295e2e7-0eeb-498e-8716-217bb2ee6ee3" xsi:nil="true"/>
-    <Session_x0020_Code xmlns="2295e2e7-0eeb-498e-8716-217bb2ee6ee3" xsi:nil="true"/>
-    <ProductTaxHTField0 xmlns="2295e2e7-0eeb-498e-8716-217bb2ee6ee3">
-      <Terms xmlns="http://schemas.microsoft.com/office/infopath/2007/PartnerControls"/>
-    </ProductTaxHTField0>
-    <Presentation_x0020_Date xmlns="2295e2e7-0eeb-498e-8716-217bb2ee6ee3" xsi:nil="true"/>
-    <Event_x0020_LocationTaxHTField0 xmlns="2295e2e7-0eeb-498e-8716-217bb2ee6ee3">
-      <Terms xmlns="http://schemas.microsoft.com/office/infopath/2007/PartnerControls"/>
-    </Event_x0020_LocationTaxHTField0>
-    <Event1TaxHTField0 xmlns="2295e2e7-0eeb-498e-8716-217bb2ee6ee3">
-      <Terms xmlns="http://schemas.microsoft.com/office/infopath/2007/PartnerControls">
-        <TermInfo xmlns="http://schemas.microsoft.com/office/infopath/2007/PartnerControls">
-          <TermName xmlns="http://schemas.microsoft.com/office/infopath/2007/PartnerControls">Unassigned</TermName>
-          <TermId xmlns="http://schemas.microsoft.com/office/infopath/2007/PartnerControls">e51362f4-782c-41a8-bb7b-e0cfc8669933</TermId>
-        </TermInfo>
-      </Terms>
-    </Event1TaxHTField0>
-    <AudienceTaxHTField0 xmlns="8b529f77-48ab-4581-b468-93f09345b8aa">
-      <Terms xmlns="http://schemas.microsoft.com/office/infopath/2007/PartnerControls"/>
-    </AudienceTaxHTField0>
-    <MS_x0020_Content_x0020_Owner xmlns="2295e2e7-0eeb-498e-8716-217bb2ee6ee3">
-      <UserInfo>
-        <DisplayName/>
-        <AccountId xsi:nil="true"/>
-        <AccountType/>
-      </UserInfo>
-    </MS_x0020_Content_x0020_Owner>
-    <TaxCatchAll xmlns="2295e2e7-0eeb-498e-8716-217bb2ee6ee3">
-      <Value>217</Value>
-    </TaxCatchAll>
-    <Event_x0020_VenueTaxHTField0 xmlns="2295e2e7-0eeb-498e-8716-217bb2ee6ee3">
-      <Terms xmlns="http://schemas.microsoft.com/office/infopath/2007/PartnerControls"/>
-    </Event_x0020_VenueTaxHTField0>
-  </documentManagement>
-</p:properties>
-</file>
-
-<file path=customXml/item2.xml><?xml version="1.0" encoding="utf-8"?>
-<?mso-contentType ?>
-<FormTemplates xmlns="http://schemas.microsoft.com/sharepoint/v3/contenttype/forms">
-  <Display>DocumentLibraryForm</Display>
-  <Edit>DocumentLibraryForm</Edit>
-  <New>DocumentLibraryForm</New>
-</FormTemplates>
-</file>
-
-<file path=customXml/item3.xml><?xml version="1.0" encoding="utf-8"?>
 <ct:contentTypeSchema xmlns:ct="http://schemas.microsoft.com/office/2006/metadata/contentType" xmlns:ma="http://schemas.microsoft.com/office/2006/metadata/properties/metaAttributes" ct:_="" ma:_="" ma:contentTypeName="PresentationsDoc" ma:contentTypeID="0x010100B88FC3ECA26D1C46B3C4C83281D2EB9C003BBE479AF4108146A616B6B5E7069DBC" ma:contentTypeVersion="61" ma:contentTypeDescription="" ma:contentTypeScope="" ma:versionID="72533711bacf991a4680f48ae6b725f9">
   <xsd:schema xmlns:xsd="http://www.w3.org/2001/XMLSchema" xmlns:xs="http://www.w3.org/2001/XMLSchema" xmlns:p="http://schemas.microsoft.com/office/2006/metadata/properties" xmlns:ns2="2295e2e7-0eeb-498e-8716-217bb2ee6ee3" xmlns:ns3="8b529f77-48ab-4581-b468-93f09345b8aa" targetNamespace="http://schemas.microsoft.com/office/2006/metadata/properties" ma:root="true" ma:fieldsID="dde17010d50e6e632f300eac8dfd378e" ns2:_="" ns3:_="">
     <xsd:import namespace="2295e2e7-0eeb-498e-8716-217bb2ee6ee3"/>
@@ -6757,32 +7321,71 @@
 </ct:contentTypeSchema>
 </file>
 
-<file path=customXml/itemProps1.xml><?xml version="1.0" encoding="utf-8"?>
-<ds:datastoreItem xmlns:ds="http://schemas.openxmlformats.org/officeDocument/2006/customXml" ds:itemID="{F990F116-B58F-4255-B05B-DA3808E0E5C6}">
-  <ds:schemaRefs>
-    <ds:schemaRef ds:uri="http://schemas.microsoft.com/office/2006/documentManagement/types"/>
-    <ds:schemaRef ds:uri="http://purl.org/dc/dcmitype/"/>
-    <ds:schemaRef ds:uri="http://schemas.openxmlformats.org/package/2006/metadata/core-properties"/>
-    <ds:schemaRef ds:uri="http://purl.org/dc/elements/1.1/"/>
-    <ds:schemaRef ds:uri="http://schemas.microsoft.com/office/2006/metadata/properties"/>
-    <ds:schemaRef ds:uri="http://schemas.microsoft.com/office/infopath/2007/PartnerControls"/>
-    <ds:schemaRef ds:uri="8b529f77-48ab-4581-b468-93f09345b8aa"/>
-    <ds:schemaRef ds:uri="2295e2e7-0eeb-498e-8716-217bb2ee6ee3"/>
-    <ds:schemaRef ds:uri="http://www.w3.org/XML/1998/namespace"/>
-    <ds:schemaRef ds:uri="http://purl.org/dc/terms/"/>
-  </ds:schemaRefs>
-</ds:datastoreItem>
+<file path=customXml/item2.xml><?xml version="1.0" encoding="utf-8"?>
+<?mso-contentType ?>
+<FormTemplates xmlns="http://schemas.microsoft.com/sharepoint/v3/contenttype/forms">
+  <Display>DocumentLibraryForm</Display>
+  <Edit>DocumentLibraryForm</Edit>
+  <New>DocumentLibraryForm</New>
+</FormTemplates>
 </file>
 
-<file path=customXml/itemProps2.xml><?xml version="1.0" encoding="utf-8"?>
-<ds:datastoreItem xmlns:ds="http://schemas.openxmlformats.org/officeDocument/2006/customXml" ds:itemID="{758FDAC0-319D-4A54-8D8E-1D42CB1F8004}">
-  <ds:schemaRefs>
-    <ds:schemaRef ds:uri="http://schemas.microsoft.com/sharepoint/v3/contenttype/forms"/>
-  </ds:schemaRefs>
-</ds:datastoreItem>
+<file path=customXml/item3.xml><?xml version="1.0" encoding="utf-8"?>
+<p:properties xmlns:p="http://schemas.microsoft.com/office/2006/metadata/properties" xmlns:xsi="http://www.w3.org/2001/XMLSchema-instance" xmlns:pc="http://schemas.microsoft.com/office/infopath/2007/PartnerControls">
+  <documentManagement>
+    <TrackTaxHTField0 xmlns="2295e2e7-0eeb-498e-8716-217bb2ee6ee3">
+      <Terms xmlns="http://schemas.microsoft.com/office/infopath/2007/PartnerControls"/>
+    </TrackTaxHTField0>
+    <CampaignTaxHTField0 xmlns="2295e2e7-0eeb-498e-8716-217bb2ee6ee3">
+      <Terms xmlns="http://schemas.microsoft.com/office/infopath/2007/PartnerControls"/>
+    </CampaignTaxHTField0>
+    <Event_x0020_End_x0020_Date xmlns="2295e2e7-0eeb-498e-8716-217bb2ee6ee3" xsi:nil="true"/>
+    <Event_x0020_Start_x0020_Date xmlns="2295e2e7-0eeb-498e-8716-217bb2ee6ee3" xsi:nil="true"/>
+    <MS_x0020_Speaker xmlns="2295e2e7-0eeb-498e-8716-217bb2ee6ee3">
+      <UserInfo>
+        <DisplayName/>
+        <AccountId xsi:nil="true"/>
+        <AccountType/>
+      </UserInfo>
+    </MS_x0020_Speaker>
+    <External_x0020_Speaker xmlns="2295e2e7-0eeb-498e-8716-217bb2ee6ee3" xsi:nil="true"/>
+    <Session_x0020_Code xmlns="2295e2e7-0eeb-498e-8716-217bb2ee6ee3" xsi:nil="true"/>
+    <ProductTaxHTField0 xmlns="2295e2e7-0eeb-498e-8716-217bb2ee6ee3">
+      <Terms xmlns="http://schemas.microsoft.com/office/infopath/2007/PartnerControls"/>
+    </ProductTaxHTField0>
+    <Presentation_x0020_Date xmlns="2295e2e7-0eeb-498e-8716-217bb2ee6ee3" xsi:nil="true"/>
+    <Event_x0020_LocationTaxHTField0 xmlns="2295e2e7-0eeb-498e-8716-217bb2ee6ee3">
+      <Terms xmlns="http://schemas.microsoft.com/office/infopath/2007/PartnerControls"/>
+    </Event_x0020_LocationTaxHTField0>
+    <Event1TaxHTField0 xmlns="2295e2e7-0eeb-498e-8716-217bb2ee6ee3">
+      <Terms xmlns="http://schemas.microsoft.com/office/infopath/2007/PartnerControls">
+        <TermInfo xmlns="http://schemas.microsoft.com/office/infopath/2007/PartnerControls">
+          <TermName xmlns="http://schemas.microsoft.com/office/infopath/2007/PartnerControls">Unassigned</TermName>
+          <TermId xmlns="http://schemas.microsoft.com/office/infopath/2007/PartnerControls">e51362f4-782c-41a8-bb7b-e0cfc8669933</TermId>
+        </TermInfo>
+      </Terms>
+    </Event1TaxHTField0>
+    <AudienceTaxHTField0 xmlns="8b529f77-48ab-4581-b468-93f09345b8aa">
+      <Terms xmlns="http://schemas.microsoft.com/office/infopath/2007/PartnerControls"/>
+    </AudienceTaxHTField0>
+    <MS_x0020_Content_x0020_Owner xmlns="2295e2e7-0eeb-498e-8716-217bb2ee6ee3">
+      <UserInfo>
+        <DisplayName/>
+        <AccountId xsi:nil="true"/>
+        <AccountType/>
+      </UserInfo>
+    </MS_x0020_Content_x0020_Owner>
+    <TaxCatchAll xmlns="2295e2e7-0eeb-498e-8716-217bb2ee6ee3">
+      <Value>217</Value>
+    </TaxCatchAll>
+    <Event_x0020_VenueTaxHTField0 xmlns="2295e2e7-0eeb-498e-8716-217bb2ee6ee3">
+      <Terms xmlns="http://schemas.microsoft.com/office/infopath/2007/PartnerControls"/>
+    </Event_x0020_VenueTaxHTField0>
+  </documentManagement>
+</p:properties>
 </file>
 
-<file path=customXml/itemProps3.xml><?xml version="1.0" encoding="utf-8"?>
+<file path=customXml/itemProps1.xml><?xml version="1.0" encoding="utf-8"?>
 <ds:datastoreItem xmlns:ds="http://schemas.openxmlformats.org/officeDocument/2006/customXml" ds:itemID="{A4A71FB1-3FB8-468F-9C64-2246CB74C7D9}">
   <ds:schemaRefs>
     <ds:schemaRef ds:uri="http://schemas.microsoft.com/office/2006/metadata/contentType"/>
@@ -6799,4 +7402,29 @@
     <ds:schemaRef ds:uri="http://schemas.microsoft.com/internal/obd"/>
   </ds:schemaRefs>
 </ds:datastoreItem>
+</file>
+
+<file path=customXml/itemProps2.xml><?xml version="1.0" encoding="utf-8"?>
+<ds:datastoreItem xmlns:ds="http://schemas.openxmlformats.org/officeDocument/2006/customXml" ds:itemID="{758FDAC0-319D-4A54-8D8E-1D42CB1F8004}">
+  <ds:schemaRefs>
+    <ds:schemaRef ds:uri="http://schemas.microsoft.com/sharepoint/v3/contenttype/forms"/>
+  </ds:schemaRefs>
+</ds:datastoreItem>
+</file>
+
+<file path=customXml/itemProps3.xml><?xml version="1.0" encoding="utf-8"?>
+<ds:datastoreItem xmlns:ds="http://schemas.openxmlformats.org/officeDocument/2006/customXml" ds:itemID="{F990F116-B58F-4255-B05B-DA3808E0E5C6}">
+  <ds:schemaRefs>
+    <ds:schemaRef ds:uri="http://schemas.microsoft.com/office/2006/documentManagement/types"/>
+    <ds:schemaRef ds:uri="http://purl.org/dc/dcmitype/"/>
+    <ds:schemaRef ds:uri="http://schemas.openxmlformats.org/package/2006/metadata/core-properties"/>
+    <ds:schemaRef ds:uri="http://purl.org/dc/elements/1.1/"/>
+    <ds:schemaRef ds:uri="http://schemas.microsoft.com/office/2006/metadata/properties"/>
+    <ds:schemaRef ds:uri="http://schemas.microsoft.com/office/infopath/2007/PartnerControls"/>
+    <ds:schemaRef ds:uri="8b529f77-48ab-4581-b468-93f09345b8aa"/>
+    <ds:schemaRef ds:uri="2295e2e7-0eeb-498e-8716-217bb2ee6ee3"/>
+    <ds:schemaRef ds:uri="http://www.w3.org/XML/1998/namespace"/>
+    <ds:schemaRef ds:uri="http://purl.org/dc/terms/"/>
+  </ds:schemaRefs>
+</ds:datastoreItem>
 </file>
--- a/Slides/Lecture03 - Lambdas and LINQ.pptx
+++ b/Slides/Lecture03 - Lambdas and LINQ.pptx
@@ -5,22 +5,31 @@
     <p:sldMasterId id="2147484082" r:id="rId4"/>
   </p:sldMasterIdLst>
   <p:notesMasterIdLst>
-    <p:notesMasterId r:id="rId15"/>
+    <p:notesMasterId r:id="rId24"/>
   </p:notesMasterIdLst>
   <p:handoutMasterIdLst>
-    <p:handoutMasterId r:id="rId16"/>
+    <p:handoutMasterId r:id="rId25"/>
   </p:handoutMasterIdLst>
   <p:sldIdLst>
     <p:sldId id="880" r:id="rId5"/>
-    <p:sldId id="1074" r:id="rId6"/>
-    <p:sldId id="1081" r:id="rId7"/>
-    <p:sldId id="1082" r:id="rId8"/>
-    <p:sldId id="1075" r:id="rId9"/>
-    <p:sldId id="1076" r:id="rId10"/>
-    <p:sldId id="1077" r:id="rId11"/>
-    <p:sldId id="1078" r:id="rId12"/>
-    <p:sldId id="1079" r:id="rId13"/>
-    <p:sldId id="1080" r:id="rId14"/>
+    <p:sldId id="1114" r:id="rId6"/>
+    <p:sldId id="1074" r:id="rId7"/>
+    <p:sldId id="1083" r:id="rId8"/>
+    <p:sldId id="1084" r:id="rId9"/>
+    <p:sldId id="1085" r:id="rId10"/>
+    <p:sldId id="1081" r:id="rId11"/>
+    <p:sldId id="1082" r:id="rId12"/>
+    <p:sldId id="1075" r:id="rId13"/>
+    <p:sldId id="1087" r:id="rId14"/>
+    <p:sldId id="1089" r:id="rId15"/>
+    <p:sldId id="1077" r:id="rId16"/>
+    <p:sldId id="1086" r:id="rId17"/>
+    <p:sldId id="1076" r:id="rId18"/>
+    <p:sldId id="1115" r:id="rId19"/>
+    <p:sldId id="1088" r:id="rId20"/>
+    <p:sldId id="1079" r:id="rId21"/>
+    <p:sldId id="1080" r:id="rId22"/>
+    <p:sldId id="1090" r:id="rId23"/>
   </p:sldIdLst>
   <p:sldSz cx="9326563" cy="6994525"/>
   <p:notesSz cx="6858000" cy="9144000"/>
@@ -125,15 +134,24 @@
         <p14:section name="Introduction" id="{E115B30C-257A-493A-917D-0D3AE027FF58}">
           <p14:sldIdLst>
             <p14:sldId id="880"/>
+            <p14:sldId id="1114"/>
             <p14:sldId id="1074"/>
+            <p14:sldId id="1083"/>
+            <p14:sldId id="1084"/>
+            <p14:sldId id="1085"/>
             <p14:sldId id="1081"/>
             <p14:sldId id="1082"/>
             <p14:sldId id="1075"/>
+            <p14:sldId id="1087"/>
+            <p14:sldId id="1089"/>
+            <p14:sldId id="1077"/>
+            <p14:sldId id="1086"/>
             <p14:sldId id="1076"/>
-            <p14:sldId id="1077"/>
-            <p14:sldId id="1078"/>
+            <p14:sldId id="1115"/>
+            <p14:sldId id="1088"/>
             <p14:sldId id="1079"/>
             <p14:sldId id="1080"/>
+            <p14:sldId id="1090"/>
           </p14:sldIdLst>
         </p14:section>
       </p14:sectionLst>
@@ -348,7 +366,7 @@
               <a:rPr lang="en-US" smtClean="0">
                 <a:latin typeface="Segoe UI" pitchFamily="34" charset="0"/>
               </a:rPr>
-              <a:t>9/13/2018</a:t>
+              <a:t>9/14/2018</a:t>
             </a:fld>
             <a:endParaRPr lang="en-US" dirty="0">
               <a:latin typeface="Segoe UI" pitchFamily="34" charset="0"/>
@@ -671,7 +689,7 @@
             <a:fld id="{D51B1278-D92B-4AF3-A9C1-71DD298190CE}" type="datetimeFigureOut">
               <a:rPr lang="en-US" smtClean="0"/>
               <a:pPr/>
-              <a:t>9/13/2018</a:t>
+              <a:t>9/14/2018</a:t>
             </a:fld>
             <a:endParaRPr lang="en-US" dirty="0"/>
           </a:p>
@@ -4654,14 +4672,2774 @@
 <file path=ppt/slides/slide10.xml><?xml version="1.0" encoding="utf-8"?>
 <p:sld xmlns:a="http://schemas.openxmlformats.org/drawingml/2006/main" xmlns:r="http://schemas.openxmlformats.org/officeDocument/2006/relationships" xmlns:p="http://schemas.openxmlformats.org/presentationml/2006/main">
   <p:cSld>
+    <p:spTree>
+      <p:nvGrpSpPr>
+        <p:cNvPr id="1" name=""/>
+        <p:cNvGrpSpPr/>
+        <p:nvPr/>
+      </p:nvGrpSpPr>
+      <p:grpSpPr>
+        <a:xfrm>
+          <a:off x="0" y="0"/>
+          <a:ext cx="0" cy="0"/>
+          <a:chOff x="0" y="0"/>
+          <a:chExt cx="0" cy="0"/>
+        </a:xfrm>
+      </p:grpSpPr>
+      <p:sp>
+        <p:nvSpPr>
+          <p:cNvPr id="4" name="Title 1">
+            <a:extLst>
+              <a:ext uri="{FF2B5EF4-FFF2-40B4-BE49-F238E27FC236}">
+                <a16:creationId xmlns:a16="http://schemas.microsoft.com/office/drawing/2014/main" id="{89166141-A6DF-495F-91FB-484706192513}"/>
+              </a:ext>
+            </a:extLst>
+          </p:cNvPr>
+          <p:cNvSpPr>
+            <a:spLocks noGrp="1"/>
+          </p:cNvSpPr>
+          <p:nvPr>
+            <p:ph type="title"/>
+          </p:nvPr>
+        </p:nvSpPr>
+        <p:spPr>
+          <a:xfrm>
+            <a:off x="273050" y="295275"/>
+            <a:ext cx="8778875" cy="917575"/>
+          </a:xfrm>
+        </p:spPr>
+        <p:txBody>
+          <a:bodyPr/>
+          <a:lstStyle/>
+          <a:p>
+            <a:r>
+              <a:rPr lang="da-DK" dirty="0">
+                <a:solidFill>
+                  <a:schemeClr val="tx1"/>
+                </a:solidFill>
+              </a:rPr>
+              <a:t>Delegates</a:t>
+            </a:r>
+            <a:endParaRPr lang="en-DK" dirty="0">
+              <a:solidFill>
+                <a:schemeClr val="tx1"/>
+              </a:solidFill>
+            </a:endParaRPr>
+          </a:p>
+        </p:txBody>
+      </p:sp>
+      <p:sp>
+        <p:nvSpPr>
+          <p:cNvPr id="6" name="Rectangle 5">
+            <a:extLst>
+              <a:ext uri="{FF2B5EF4-FFF2-40B4-BE49-F238E27FC236}">
+                <a16:creationId xmlns:a16="http://schemas.microsoft.com/office/drawing/2014/main" id="{1CB9438D-B5A4-401E-A605-6ABC86937C87}"/>
+              </a:ext>
+            </a:extLst>
+          </p:cNvPr>
+          <p:cNvSpPr/>
+          <p:nvPr/>
+        </p:nvSpPr>
+        <p:spPr>
+          <a:xfrm>
+            <a:off x="548526" y="1789103"/>
+            <a:ext cx="8227924" cy="3477875"/>
+          </a:xfrm>
+          <a:prstGeom prst="rect">
+            <a:avLst/>
+          </a:prstGeom>
+        </p:spPr>
+        <p:txBody>
+          <a:bodyPr wrap="square">
+            <a:spAutoFit/>
+          </a:bodyPr>
+          <a:lstStyle/>
+          <a:p>
+            <a:r>
+              <a:rPr lang="da-DK" sz="2000" dirty="0">
+                <a:solidFill>
+                  <a:srgbClr val="0000FF"/>
+                </a:solidFill>
+                <a:latin typeface="Consolas" panose="020B0609020204030204" pitchFamily="49" charset="0"/>
+              </a:rPr>
+              <a:t>public</a:t>
+            </a:r>
+            <a:r>
+              <a:rPr lang="da-DK" sz="2000" dirty="0">
+                <a:solidFill>
+                  <a:srgbClr val="000000"/>
+                </a:solidFill>
+                <a:latin typeface="Consolas" panose="020B0609020204030204" pitchFamily="49" charset="0"/>
+              </a:rPr>
+              <a:t> </a:t>
+            </a:r>
+            <a:r>
+              <a:rPr lang="da-DK" sz="2000" dirty="0">
+                <a:solidFill>
+                  <a:srgbClr val="0000FF"/>
+                </a:solidFill>
+                <a:latin typeface="Consolas" panose="020B0609020204030204" pitchFamily="49" charset="0"/>
+              </a:rPr>
+              <a:t>delegate</a:t>
+            </a:r>
+            <a:r>
+              <a:rPr lang="da-DK" sz="2000" dirty="0">
+                <a:solidFill>
+                  <a:srgbClr val="000000"/>
+                </a:solidFill>
+                <a:latin typeface="Consolas" panose="020B0609020204030204" pitchFamily="49" charset="0"/>
+              </a:rPr>
+              <a:t> </a:t>
+            </a:r>
+            <a:r>
+              <a:rPr lang="da-DK" sz="2000" dirty="0">
+                <a:solidFill>
+                  <a:srgbClr val="0000FF"/>
+                </a:solidFill>
+                <a:latin typeface="Consolas" panose="020B0609020204030204" pitchFamily="49" charset="0"/>
+              </a:rPr>
+              <a:t>int</a:t>
+            </a:r>
+            <a:r>
+              <a:rPr lang="da-DK" sz="2000" dirty="0">
+                <a:solidFill>
+                  <a:srgbClr val="000000"/>
+                </a:solidFill>
+                <a:latin typeface="Consolas" panose="020B0609020204030204" pitchFamily="49" charset="0"/>
+              </a:rPr>
+              <a:t> </a:t>
+            </a:r>
+            <a:r>
+              <a:rPr lang="da-DK" sz="2000" dirty="0">
+                <a:solidFill>
+                  <a:srgbClr val="2B91AF"/>
+                </a:solidFill>
+                <a:latin typeface="Consolas" panose="020B0609020204030204" pitchFamily="49" charset="0"/>
+              </a:rPr>
+              <a:t>BinaryOperation</a:t>
+            </a:r>
+            <a:r>
+              <a:rPr lang="da-DK" sz="2000" dirty="0">
+                <a:solidFill>
+                  <a:srgbClr val="000000"/>
+                </a:solidFill>
+                <a:latin typeface="Consolas" panose="020B0609020204030204" pitchFamily="49" charset="0"/>
+              </a:rPr>
+              <a:t>(</a:t>
+            </a:r>
+            <a:r>
+              <a:rPr lang="da-DK" sz="2000" dirty="0">
+                <a:solidFill>
+                  <a:srgbClr val="0000FF"/>
+                </a:solidFill>
+                <a:latin typeface="Consolas" panose="020B0609020204030204" pitchFamily="49" charset="0"/>
+              </a:rPr>
+              <a:t>int</a:t>
+            </a:r>
+            <a:r>
+              <a:rPr lang="da-DK" sz="2000" dirty="0">
+                <a:solidFill>
+                  <a:srgbClr val="000000"/>
+                </a:solidFill>
+                <a:latin typeface="Consolas" panose="020B0609020204030204" pitchFamily="49" charset="0"/>
+              </a:rPr>
+              <a:t> x, </a:t>
+            </a:r>
+            <a:r>
+              <a:rPr lang="da-DK" sz="2000" dirty="0">
+                <a:solidFill>
+                  <a:srgbClr val="0000FF"/>
+                </a:solidFill>
+                <a:latin typeface="Consolas" panose="020B0609020204030204" pitchFamily="49" charset="0"/>
+              </a:rPr>
+              <a:t>int</a:t>
+            </a:r>
+            <a:r>
+              <a:rPr lang="da-DK" sz="2000" dirty="0">
+                <a:solidFill>
+                  <a:srgbClr val="000000"/>
+                </a:solidFill>
+                <a:latin typeface="Consolas" panose="020B0609020204030204" pitchFamily="49" charset="0"/>
+              </a:rPr>
+              <a:t> y);</a:t>
+            </a:r>
+          </a:p>
+          <a:p>
+            <a:endParaRPr lang="en-DK" sz="2000" dirty="0">
+              <a:solidFill>
+                <a:srgbClr val="000000"/>
+              </a:solidFill>
+              <a:latin typeface="Consolas" panose="020B0609020204030204" pitchFamily="49" charset="0"/>
+            </a:endParaRPr>
+          </a:p>
+          <a:p>
+            <a:r>
+              <a:rPr lang="en-US" sz="2000" dirty="0">
+                <a:solidFill>
+                  <a:srgbClr val="0000FF"/>
+                </a:solidFill>
+                <a:latin typeface="Consolas" panose="020B0609020204030204" pitchFamily="49" charset="0"/>
+              </a:rPr>
+              <a:t>static</a:t>
+            </a:r>
+            <a:r>
+              <a:rPr lang="en-US" sz="2000" dirty="0">
+                <a:solidFill>
+                  <a:srgbClr val="000000"/>
+                </a:solidFill>
+                <a:latin typeface="Consolas" panose="020B0609020204030204" pitchFamily="49" charset="0"/>
+              </a:rPr>
+              <a:t> </a:t>
+            </a:r>
+            <a:r>
+              <a:rPr lang="en-US" sz="2000" dirty="0">
+                <a:solidFill>
+                  <a:srgbClr val="0000FF"/>
+                </a:solidFill>
+                <a:latin typeface="Consolas" panose="020B0609020204030204" pitchFamily="49" charset="0"/>
+              </a:rPr>
+              <a:t>void</a:t>
+            </a:r>
+            <a:r>
+              <a:rPr lang="en-US" sz="2000" dirty="0">
+                <a:solidFill>
+                  <a:srgbClr val="000000"/>
+                </a:solidFill>
+                <a:latin typeface="Consolas" panose="020B0609020204030204" pitchFamily="49" charset="0"/>
+              </a:rPr>
+              <a:t> Main(</a:t>
+            </a:r>
+            <a:r>
+              <a:rPr lang="en-US" sz="2000" dirty="0">
+                <a:solidFill>
+                  <a:srgbClr val="0000FF"/>
+                </a:solidFill>
+                <a:latin typeface="Consolas" panose="020B0609020204030204" pitchFamily="49" charset="0"/>
+              </a:rPr>
+              <a:t>string</a:t>
+            </a:r>
+            <a:r>
+              <a:rPr lang="en-US" sz="2000" dirty="0">
+                <a:solidFill>
+                  <a:srgbClr val="000000"/>
+                </a:solidFill>
+                <a:latin typeface="Consolas" panose="020B0609020204030204" pitchFamily="49" charset="0"/>
+              </a:rPr>
+              <a:t>[] </a:t>
+            </a:r>
+            <a:r>
+              <a:rPr lang="en-US" sz="2000" dirty="0" err="1">
+                <a:solidFill>
+                  <a:srgbClr val="000000"/>
+                </a:solidFill>
+                <a:latin typeface="Consolas" panose="020B0609020204030204" pitchFamily="49" charset="0"/>
+              </a:rPr>
+              <a:t>args</a:t>
+            </a:r>
+            <a:r>
+              <a:rPr lang="en-US" sz="2000" dirty="0">
+                <a:solidFill>
+                  <a:srgbClr val="000000"/>
+                </a:solidFill>
+                <a:latin typeface="Consolas" panose="020B0609020204030204" pitchFamily="49" charset="0"/>
+              </a:rPr>
+              <a:t>)</a:t>
+            </a:r>
+          </a:p>
+          <a:p>
+            <a:r>
+              <a:rPr lang="en-DK" sz="2000" dirty="0">
+                <a:solidFill>
+                  <a:srgbClr val="000000"/>
+                </a:solidFill>
+                <a:latin typeface="Consolas" panose="020B0609020204030204" pitchFamily="49" charset="0"/>
+              </a:rPr>
+              <a:t>{</a:t>
+            </a:r>
+          </a:p>
+          <a:p>
+            <a:r>
+              <a:rPr lang="da-DK" sz="2000" dirty="0">
+                <a:solidFill>
+                  <a:srgbClr val="000000"/>
+                </a:solidFill>
+                <a:latin typeface="Consolas" panose="020B0609020204030204" pitchFamily="49" charset="0"/>
+              </a:rPr>
+              <a:t>    </a:t>
+            </a:r>
+            <a:r>
+              <a:rPr lang="da-DK" sz="2000" dirty="0">
+                <a:solidFill>
+                  <a:srgbClr val="0000FF"/>
+                </a:solidFill>
+                <a:latin typeface="Consolas" panose="020B0609020204030204" pitchFamily="49" charset="0"/>
+              </a:rPr>
+              <a:t>var</a:t>
+            </a:r>
+            <a:r>
+              <a:rPr lang="da-DK" sz="2000" dirty="0">
+                <a:solidFill>
+                  <a:srgbClr val="000000"/>
+                </a:solidFill>
+                <a:latin typeface="Consolas" panose="020B0609020204030204" pitchFamily="49" charset="0"/>
+              </a:rPr>
+              <a:t> add = </a:t>
+            </a:r>
+            <a:r>
+              <a:rPr lang="da-DK" sz="2000" dirty="0">
+                <a:solidFill>
+                  <a:srgbClr val="0000FF"/>
+                </a:solidFill>
+                <a:latin typeface="Consolas" panose="020B0609020204030204" pitchFamily="49" charset="0"/>
+              </a:rPr>
+              <a:t>new</a:t>
+            </a:r>
+            <a:r>
+              <a:rPr lang="da-DK" sz="2000" dirty="0">
+                <a:solidFill>
+                  <a:srgbClr val="000000"/>
+                </a:solidFill>
+                <a:latin typeface="Consolas" panose="020B0609020204030204" pitchFamily="49" charset="0"/>
+              </a:rPr>
+              <a:t> BinaryOperation(</a:t>
+            </a:r>
+          </a:p>
+          <a:p>
+            <a:r>
+              <a:rPr lang="da-DK" sz="2000" dirty="0">
+                <a:solidFill>
+                  <a:srgbClr val="000000"/>
+                </a:solidFill>
+                <a:latin typeface="Consolas" panose="020B0609020204030204" pitchFamily="49" charset="0"/>
+              </a:rPr>
+              <a:t>        </a:t>
+            </a:r>
+            <a:r>
+              <a:rPr lang="da-DK" sz="2000" dirty="0">
+                <a:solidFill>
+                  <a:srgbClr val="0000FF"/>
+                </a:solidFill>
+                <a:latin typeface="Consolas" panose="020B0609020204030204" pitchFamily="49" charset="0"/>
+              </a:rPr>
+              <a:t>delegate</a:t>
+            </a:r>
+            <a:r>
+              <a:rPr lang="da-DK" sz="2000" dirty="0">
+                <a:solidFill>
+                  <a:srgbClr val="000000"/>
+                </a:solidFill>
+                <a:latin typeface="Consolas" panose="020B0609020204030204" pitchFamily="49" charset="0"/>
+              </a:rPr>
+              <a:t> (</a:t>
+            </a:r>
+            <a:r>
+              <a:rPr lang="da-DK" sz="2000" dirty="0">
+                <a:solidFill>
+                  <a:srgbClr val="0000FF"/>
+                </a:solidFill>
+                <a:latin typeface="Consolas" panose="020B0609020204030204" pitchFamily="49" charset="0"/>
+              </a:rPr>
+              <a:t>int</a:t>
+            </a:r>
+            <a:r>
+              <a:rPr lang="da-DK" sz="2000" dirty="0">
+                <a:solidFill>
+                  <a:srgbClr val="000000"/>
+                </a:solidFill>
+                <a:latin typeface="Consolas" panose="020B0609020204030204" pitchFamily="49" charset="0"/>
+              </a:rPr>
+              <a:t> x, </a:t>
+            </a:r>
+            <a:r>
+              <a:rPr lang="da-DK" sz="2000" dirty="0">
+                <a:solidFill>
+                  <a:srgbClr val="0000FF"/>
+                </a:solidFill>
+                <a:latin typeface="Consolas" panose="020B0609020204030204" pitchFamily="49" charset="0"/>
+              </a:rPr>
+              <a:t>int</a:t>
+            </a:r>
+            <a:r>
+              <a:rPr lang="da-DK" sz="2000" dirty="0">
+                <a:solidFill>
+                  <a:srgbClr val="000000"/>
+                </a:solidFill>
+                <a:latin typeface="Consolas" panose="020B0609020204030204" pitchFamily="49" charset="0"/>
+              </a:rPr>
+              <a:t> y)</a:t>
+            </a:r>
+          </a:p>
+          <a:p>
+            <a:r>
+              <a:rPr lang="en-DK" sz="2000" dirty="0">
+                <a:solidFill>
+                  <a:srgbClr val="000000"/>
+                </a:solidFill>
+                <a:latin typeface="Consolas" panose="020B0609020204030204" pitchFamily="49" charset="0"/>
+              </a:rPr>
+              <a:t>        {</a:t>
+            </a:r>
+          </a:p>
+          <a:p>
+            <a:r>
+              <a:rPr lang="da-DK" sz="2000" dirty="0">
+                <a:solidFill>
+                  <a:srgbClr val="000000"/>
+                </a:solidFill>
+                <a:latin typeface="Consolas" panose="020B0609020204030204" pitchFamily="49" charset="0"/>
+              </a:rPr>
+              <a:t>            </a:t>
+            </a:r>
+            <a:r>
+              <a:rPr lang="da-DK" sz="2000" dirty="0">
+                <a:solidFill>
+                  <a:srgbClr val="0000FF"/>
+                </a:solidFill>
+                <a:latin typeface="Consolas" panose="020B0609020204030204" pitchFamily="49" charset="0"/>
+              </a:rPr>
+              <a:t>return</a:t>
+            </a:r>
+            <a:r>
+              <a:rPr lang="da-DK" sz="2000" dirty="0">
+                <a:solidFill>
+                  <a:srgbClr val="000000"/>
+                </a:solidFill>
+                <a:latin typeface="Consolas" panose="020B0609020204030204" pitchFamily="49" charset="0"/>
+              </a:rPr>
+              <a:t> x + y;</a:t>
+            </a:r>
+          </a:p>
+          <a:p>
+            <a:r>
+              <a:rPr lang="en-DK" sz="2000" dirty="0">
+                <a:solidFill>
+                  <a:srgbClr val="000000"/>
+                </a:solidFill>
+                <a:latin typeface="Consolas" panose="020B0609020204030204" pitchFamily="49" charset="0"/>
+              </a:rPr>
+              <a:t>        }</a:t>
+            </a:r>
+          </a:p>
+          <a:p>
+            <a:r>
+              <a:rPr lang="en-DK" sz="2000" dirty="0">
+                <a:solidFill>
+                  <a:srgbClr val="000000"/>
+                </a:solidFill>
+                <a:latin typeface="Consolas" panose="020B0609020204030204" pitchFamily="49" charset="0"/>
+              </a:rPr>
+              <a:t>    );</a:t>
+            </a:r>
+          </a:p>
+          <a:p>
+            <a:r>
+              <a:rPr lang="en-DK" sz="2000" dirty="0">
+                <a:solidFill>
+                  <a:srgbClr val="000000"/>
+                </a:solidFill>
+                <a:latin typeface="Consolas" panose="020B0609020204030204" pitchFamily="49" charset="0"/>
+              </a:rPr>
+              <a:t>}</a:t>
+            </a:r>
+            <a:endParaRPr lang="en-DK" sz="2000" dirty="0"/>
+          </a:p>
+        </p:txBody>
+      </p:sp>
+    </p:spTree>
+    <p:extLst>
+      <p:ext uri="{BB962C8B-B14F-4D97-AF65-F5344CB8AC3E}">
+        <p14:creationId xmlns:p14="http://schemas.microsoft.com/office/powerpoint/2010/main" val="2566146327"/>
+      </p:ext>
+    </p:extLst>
+  </p:cSld>
+  <p:clrMapOvr>
+    <a:masterClrMapping/>
+  </p:clrMapOvr>
+  <p:transition>
+    <p:fade/>
+  </p:transition>
+</p:sld>
+</file>
+
+<file path=ppt/slides/slide11.xml><?xml version="1.0" encoding="utf-8"?>
+<p:sld xmlns:a="http://schemas.openxmlformats.org/drawingml/2006/main" xmlns:r="http://schemas.openxmlformats.org/officeDocument/2006/relationships" xmlns:p="http://schemas.openxmlformats.org/presentationml/2006/main">
+  <p:cSld>
     <p:bg>
       <p:bgPr>
         <a:solidFill>
-          <a:srgbClr val="00188F"/>
+          <a:srgbClr val="00B050"/>
         </a:solidFill>
         <a:effectLst/>
       </p:bgPr>
     </p:bg>
+    <p:spTree>
+      <p:nvGrpSpPr>
+        <p:cNvPr id="1" name=""/>
+        <p:cNvGrpSpPr/>
+        <p:nvPr/>
+      </p:nvGrpSpPr>
+      <p:grpSpPr>
+        <a:xfrm>
+          <a:off x="0" y="0"/>
+          <a:ext cx="0" cy="0"/>
+          <a:chOff x="0" y="0"/>
+          <a:chExt cx="0" cy="0"/>
+        </a:xfrm>
+      </p:grpSpPr>
+      <p:sp>
+        <p:nvSpPr>
+          <p:cNvPr id="2" name="Title 1">
+            <a:extLst>
+              <a:ext uri="{FF2B5EF4-FFF2-40B4-BE49-F238E27FC236}">
+                <a16:creationId xmlns:a16="http://schemas.microsoft.com/office/drawing/2014/main" id="{ECC86738-B653-42B8-94AA-ADBBEC718096}"/>
+              </a:ext>
+            </a:extLst>
+          </p:cNvPr>
+          <p:cNvSpPr>
+            <a:spLocks noGrp="1"/>
+          </p:cNvSpPr>
+          <p:nvPr>
+            <p:ph type="title"/>
+          </p:nvPr>
+        </p:nvSpPr>
+        <p:spPr/>
+        <p:txBody>
+          <a:bodyPr/>
+          <a:lstStyle/>
+          <a:p>
+            <a:r>
+              <a:rPr lang="en-US" dirty="0">
+                <a:solidFill>
+                  <a:schemeClr val="tx1"/>
+                </a:solidFill>
+              </a:rPr>
+              <a:t>Delegates demo</a:t>
+            </a:r>
+            <a:br>
+              <a:rPr lang="en-US" dirty="0">
+                <a:solidFill>
+                  <a:schemeClr val="tx1"/>
+                </a:solidFill>
+              </a:rPr>
+            </a:br>
+            <a:endParaRPr lang="en-DK" dirty="0">
+              <a:solidFill>
+                <a:schemeClr val="tx1"/>
+              </a:solidFill>
+            </a:endParaRPr>
+          </a:p>
+        </p:txBody>
+      </p:sp>
+    </p:spTree>
+    <p:extLst>
+      <p:ext uri="{BB962C8B-B14F-4D97-AF65-F5344CB8AC3E}">
+        <p14:creationId xmlns:p14="http://schemas.microsoft.com/office/powerpoint/2010/main" val="3709822674"/>
+      </p:ext>
+    </p:extLst>
+  </p:cSld>
+  <p:clrMapOvr>
+    <a:masterClrMapping/>
+  </p:clrMapOvr>
+  <p:transition>
+    <p:fade/>
+  </p:transition>
+</p:sld>
+</file>
+
+<file path=ppt/slides/slide12.xml><?xml version="1.0" encoding="utf-8"?>
+<p:sld xmlns:a="http://schemas.openxmlformats.org/drawingml/2006/main" xmlns:r="http://schemas.openxmlformats.org/officeDocument/2006/relationships" xmlns:p="http://schemas.openxmlformats.org/presentationml/2006/main">
+  <p:cSld>
+    <p:spTree>
+      <p:nvGrpSpPr>
+        <p:cNvPr id="1" name=""/>
+        <p:cNvGrpSpPr/>
+        <p:nvPr/>
+      </p:nvGrpSpPr>
+      <p:grpSpPr>
+        <a:xfrm>
+          <a:off x="0" y="0"/>
+          <a:ext cx="0" cy="0"/>
+          <a:chOff x="0" y="0"/>
+          <a:chExt cx="0" cy="0"/>
+        </a:xfrm>
+      </p:grpSpPr>
+      <p:sp>
+        <p:nvSpPr>
+          <p:cNvPr id="2" name="Title 1">
+            <a:extLst>
+              <a:ext uri="{FF2B5EF4-FFF2-40B4-BE49-F238E27FC236}">
+                <a16:creationId xmlns:a16="http://schemas.microsoft.com/office/drawing/2014/main" id="{6BD41A11-0D1D-4DC0-B06E-1D720CEE2C74}"/>
+              </a:ext>
+            </a:extLst>
+          </p:cNvPr>
+          <p:cNvSpPr>
+            <a:spLocks noGrp="1"/>
+          </p:cNvSpPr>
+          <p:nvPr>
+            <p:ph type="title"/>
+          </p:nvPr>
+        </p:nvSpPr>
+        <p:spPr/>
+        <p:txBody>
+          <a:bodyPr/>
+          <a:lstStyle/>
+          <a:p>
+            <a:r>
+              <a:rPr lang="da-DK" dirty="0">
+                <a:solidFill>
+                  <a:schemeClr val="tx1"/>
+                </a:solidFill>
+              </a:rPr>
+              <a:t>Lambda Expressions</a:t>
+            </a:r>
+            <a:endParaRPr lang="en-DK" dirty="0">
+              <a:solidFill>
+                <a:schemeClr val="tx1"/>
+              </a:solidFill>
+            </a:endParaRPr>
+          </a:p>
+        </p:txBody>
+      </p:sp>
+      <p:sp>
+        <p:nvSpPr>
+          <p:cNvPr id="4" name="Rectangle 3">
+            <a:extLst>
+              <a:ext uri="{FF2B5EF4-FFF2-40B4-BE49-F238E27FC236}">
+                <a16:creationId xmlns:a16="http://schemas.microsoft.com/office/drawing/2014/main" id="{98E8FD98-0A82-43F6-B18B-E41BE923934C}"/>
+              </a:ext>
+            </a:extLst>
+          </p:cNvPr>
+          <p:cNvSpPr/>
+          <p:nvPr/>
+        </p:nvSpPr>
+        <p:spPr>
+          <a:xfrm>
+            <a:off x="639965" y="2481601"/>
+            <a:ext cx="8045046" cy="1631216"/>
+          </a:xfrm>
+          <a:prstGeom prst="rect">
+            <a:avLst/>
+          </a:prstGeom>
+        </p:spPr>
+        <p:txBody>
+          <a:bodyPr wrap="square">
+            <a:spAutoFit/>
+          </a:bodyPr>
+          <a:lstStyle/>
+          <a:p>
+            <a:r>
+              <a:rPr lang="en-US" sz="2000" dirty="0">
+                <a:solidFill>
+                  <a:srgbClr val="000000"/>
+                </a:solidFill>
+                <a:latin typeface="Consolas" panose="020B0609020204030204" pitchFamily="49" charset="0"/>
+              </a:rPr>
+              <a:t>Action&lt;</a:t>
+            </a:r>
+            <a:r>
+              <a:rPr lang="en-US" sz="2000" dirty="0">
+                <a:solidFill>
+                  <a:srgbClr val="0000FF"/>
+                </a:solidFill>
+                <a:latin typeface="Consolas" panose="020B0609020204030204" pitchFamily="49" charset="0"/>
+              </a:rPr>
+              <a:t>string</a:t>
+            </a:r>
+            <a:r>
+              <a:rPr lang="en-US" sz="2000" dirty="0">
+                <a:solidFill>
+                  <a:srgbClr val="000000"/>
+                </a:solidFill>
+                <a:latin typeface="Consolas" panose="020B0609020204030204" pitchFamily="49" charset="0"/>
+              </a:rPr>
+              <a:t>&gt; write = s =&gt; </a:t>
+            </a:r>
+            <a:r>
+              <a:rPr lang="en-US" sz="2000" dirty="0" err="1">
+                <a:solidFill>
+                  <a:srgbClr val="000000"/>
+                </a:solidFill>
+                <a:latin typeface="Consolas" panose="020B0609020204030204" pitchFamily="49" charset="0"/>
+              </a:rPr>
+              <a:t>Console.WriteLine</a:t>
+            </a:r>
+            <a:r>
+              <a:rPr lang="en-US" sz="2000" dirty="0">
+                <a:solidFill>
+                  <a:srgbClr val="000000"/>
+                </a:solidFill>
+                <a:latin typeface="Consolas" panose="020B0609020204030204" pitchFamily="49" charset="0"/>
+              </a:rPr>
+              <a:t>(s);</a:t>
+            </a:r>
+          </a:p>
+          <a:p>
+            <a:endParaRPr lang="en-DK" sz="2000" dirty="0">
+              <a:solidFill>
+                <a:srgbClr val="000000"/>
+              </a:solidFill>
+              <a:latin typeface="Consolas" panose="020B0609020204030204" pitchFamily="49" charset="0"/>
+            </a:endParaRPr>
+          </a:p>
+          <a:p>
+            <a:r>
+              <a:rPr lang="en-US" sz="2000" dirty="0">
+                <a:solidFill>
+                  <a:srgbClr val="000000"/>
+                </a:solidFill>
+                <a:latin typeface="Consolas" panose="020B0609020204030204" pitchFamily="49" charset="0"/>
+              </a:rPr>
+              <a:t>Predicate&lt;City&gt; b = c =&gt; </a:t>
+            </a:r>
+            <a:r>
+              <a:rPr lang="en-US" sz="2000" dirty="0" err="1">
+                <a:solidFill>
+                  <a:srgbClr val="000000"/>
+                </a:solidFill>
+                <a:latin typeface="Consolas" panose="020B0609020204030204" pitchFamily="49" charset="0"/>
+              </a:rPr>
+              <a:t>c.Name.StartsWith</a:t>
+            </a:r>
+            <a:r>
+              <a:rPr lang="en-US" sz="2000" dirty="0">
+                <a:solidFill>
+                  <a:srgbClr val="000000"/>
+                </a:solidFill>
+                <a:latin typeface="Consolas" panose="020B0609020204030204" pitchFamily="49" charset="0"/>
+              </a:rPr>
+              <a:t>(</a:t>
+            </a:r>
+            <a:r>
+              <a:rPr lang="en-US" sz="2000" dirty="0">
+                <a:solidFill>
+                  <a:srgbClr val="A31515"/>
+                </a:solidFill>
+                <a:latin typeface="Consolas" panose="020B0609020204030204" pitchFamily="49" charset="0"/>
+              </a:rPr>
+              <a:t>"B"</a:t>
+            </a:r>
+            <a:r>
+              <a:rPr lang="en-US" sz="2000" dirty="0">
+                <a:solidFill>
+                  <a:srgbClr val="000000"/>
+                </a:solidFill>
+                <a:latin typeface="Consolas" panose="020B0609020204030204" pitchFamily="49" charset="0"/>
+              </a:rPr>
+              <a:t>);</a:t>
+            </a:r>
+          </a:p>
+          <a:p>
+            <a:endParaRPr lang="en-DK" sz="2000" dirty="0">
+              <a:solidFill>
+                <a:srgbClr val="000000"/>
+              </a:solidFill>
+              <a:latin typeface="Consolas" panose="020B0609020204030204" pitchFamily="49" charset="0"/>
+            </a:endParaRPr>
+          </a:p>
+          <a:p>
+            <a:r>
+              <a:rPr lang="da-DK" sz="2000" dirty="0">
+                <a:solidFill>
+                  <a:srgbClr val="000000"/>
+                </a:solidFill>
+                <a:latin typeface="Consolas" panose="020B0609020204030204" pitchFamily="49" charset="0"/>
+              </a:rPr>
+              <a:t>Func&lt;</a:t>
+            </a:r>
+            <a:r>
+              <a:rPr lang="da-DK" sz="2000" dirty="0">
+                <a:solidFill>
+                  <a:srgbClr val="0000FF"/>
+                </a:solidFill>
+                <a:latin typeface="Consolas" panose="020B0609020204030204" pitchFamily="49" charset="0"/>
+              </a:rPr>
+              <a:t>int</a:t>
+            </a:r>
+            <a:r>
+              <a:rPr lang="da-DK" sz="2000" dirty="0">
+                <a:solidFill>
+                  <a:srgbClr val="000000"/>
+                </a:solidFill>
+                <a:latin typeface="Consolas" panose="020B0609020204030204" pitchFamily="49" charset="0"/>
+              </a:rPr>
+              <a:t>, </a:t>
+            </a:r>
+            <a:r>
+              <a:rPr lang="da-DK" sz="2000" dirty="0">
+                <a:solidFill>
+                  <a:srgbClr val="0000FF"/>
+                </a:solidFill>
+                <a:latin typeface="Consolas" panose="020B0609020204030204" pitchFamily="49" charset="0"/>
+              </a:rPr>
+              <a:t>int</a:t>
+            </a:r>
+            <a:r>
+              <a:rPr lang="da-DK" sz="2000" dirty="0">
+                <a:solidFill>
+                  <a:srgbClr val="000000"/>
+                </a:solidFill>
+                <a:latin typeface="Consolas" panose="020B0609020204030204" pitchFamily="49" charset="0"/>
+              </a:rPr>
+              <a:t>&gt; square = a =&gt; a * a;</a:t>
+            </a:r>
+          </a:p>
+        </p:txBody>
+      </p:sp>
+    </p:spTree>
+    <p:extLst>
+      <p:ext uri="{BB962C8B-B14F-4D97-AF65-F5344CB8AC3E}">
+        <p14:creationId xmlns:p14="http://schemas.microsoft.com/office/powerpoint/2010/main" val="2461452583"/>
+      </p:ext>
+    </p:extLst>
+  </p:cSld>
+  <p:clrMapOvr>
+    <a:masterClrMapping/>
+  </p:clrMapOvr>
+  <p:transition>
+    <p:fade/>
+  </p:transition>
+</p:sld>
+</file>
+
+<file path=ppt/slides/slide13.xml><?xml version="1.0" encoding="utf-8"?>
+<p:sld xmlns:a="http://schemas.openxmlformats.org/drawingml/2006/main" xmlns:r="http://schemas.openxmlformats.org/officeDocument/2006/relationships" xmlns:p="http://schemas.openxmlformats.org/presentationml/2006/main">
+  <p:cSld>
+    <p:spTree>
+      <p:nvGrpSpPr>
+        <p:cNvPr id="1" name=""/>
+        <p:cNvGrpSpPr/>
+        <p:nvPr/>
+      </p:nvGrpSpPr>
+      <p:grpSpPr>
+        <a:xfrm>
+          <a:off x="0" y="0"/>
+          <a:ext cx="0" cy="0"/>
+          <a:chOff x="0" y="0"/>
+          <a:chExt cx="0" cy="0"/>
+        </a:xfrm>
+      </p:grpSpPr>
+      <p:sp>
+        <p:nvSpPr>
+          <p:cNvPr id="2" name="Title 1">
+            <a:extLst>
+              <a:ext uri="{FF2B5EF4-FFF2-40B4-BE49-F238E27FC236}">
+                <a16:creationId xmlns:a16="http://schemas.microsoft.com/office/drawing/2014/main" id="{1E4ECB6B-E202-44B9-A487-C22DC946B9A9}"/>
+              </a:ext>
+            </a:extLst>
+          </p:cNvPr>
+          <p:cNvSpPr>
+            <a:spLocks noGrp="1"/>
+          </p:cNvSpPr>
+          <p:nvPr>
+            <p:ph type="title"/>
+          </p:nvPr>
+        </p:nvSpPr>
+        <p:spPr/>
+        <p:txBody>
+          <a:bodyPr/>
+          <a:lstStyle/>
+          <a:p>
+            <a:r>
+              <a:rPr lang="en-US" dirty="0"/>
+              <a:t>(Local functions)</a:t>
+            </a:r>
+            <a:endParaRPr lang="en-DK" dirty="0"/>
+          </a:p>
+        </p:txBody>
+      </p:sp>
+      <p:sp>
+        <p:nvSpPr>
+          <p:cNvPr id="4" name="Rectangle 3">
+            <a:extLst>
+              <a:ext uri="{FF2B5EF4-FFF2-40B4-BE49-F238E27FC236}">
+                <a16:creationId xmlns:a16="http://schemas.microsoft.com/office/drawing/2014/main" id="{7BA356A6-BBED-4FAF-8F14-ED2B7A6D212B}"/>
+              </a:ext>
+            </a:extLst>
+          </p:cNvPr>
+          <p:cNvSpPr/>
+          <p:nvPr/>
+        </p:nvSpPr>
+        <p:spPr>
+          <a:xfrm>
+            <a:off x="365648" y="2481601"/>
+            <a:ext cx="8593680" cy="2677656"/>
+          </a:xfrm>
+          <a:prstGeom prst="rect">
+            <a:avLst/>
+          </a:prstGeom>
+        </p:spPr>
+        <p:txBody>
+          <a:bodyPr wrap="square">
+            <a:spAutoFit/>
+          </a:bodyPr>
+          <a:lstStyle/>
+          <a:p>
+            <a:r>
+              <a:rPr lang="en-US" sz="2800" dirty="0">
+                <a:solidFill>
+                  <a:srgbClr val="0000FF"/>
+                </a:solidFill>
+                <a:latin typeface="Consolas" panose="020B0609020204030204" pitchFamily="49" charset="0"/>
+              </a:rPr>
+              <a:t>static</a:t>
+            </a:r>
+            <a:r>
+              <a:rPr lang="en-US" sz="2800" dirty="0">
+                <a:solidFill>
+                  <a:srgbClr val="000000"/>
+                </a:solidFill>
+                <a:latin typeface="Consolas" panose="020B0609020204030204" pitchFamily="49" charset="0"/>
+              </a:rPr>
+              <a:t> </a:t>
+            </a:r>
+            <a:r>
+              <a:rPr lang="en-US" sz="2800" dirty="0">
+                <a:solidFill>
+                  <a:srgbClr val="0000FF"/>
+                </a:solidFill>
+                <a:latin typeface="Consolas" panose="020B0609020204030204" pitchFamily="49" charset="0"/>
+              </a:rPr>
+              <a:t>void</a:t>
+            </a:r>
+            <a:r>
+              <a:rPr lang="en-US" sz="2800" dirty="0">
+                <a:solidFill>
+                  <a:srgbClr val="000000"/>
+                </a:solidFill>
+                <a:latin typeface="Consolas" panose="020B0609020204030204" pitchFamily="49" charset="0"/>
+              </a:rPr>
+              <a:t> Main(</a:t>
+            </a:r>
+            <a:r>
+              <a:rPr lang="en-US" sz="2800" dirty="0">
+                <a:solidFill>
+                  <a:srgbClr val="0000FF"/>
+                </a:solidFill>
+                <a:latin typeface="Consolas" panose="020B0609020204030204" pitchFamily="49" charset="0"/>
+              </a:rPr>
+              <a:t>string</a:t>
+            </a:r>
+            <a:r>
+              <a:rPr lang="en-US" sz="2800" dirty="0">
+                <a:solidFill>
+                  <a:srgbClr val="000000"/>
+                </a:solidFill>
+                <a:latin typeface="Consolas" panose="020B0609020204030204" pitchFamily="49" charset="0"/>
+              </a:rPr>
+              <a:t>[] </a:t>
+            </a:r>
+            <a:r>
+              <a:rPr lang="en-US" sz="2800" dirty="0" err="1">
+                <a:solidFill>
+                  <a:srgbClr val="000000"/>
+                </a:solidFill>
+                <a:latin typeface="Consolas" panose="020B0609020204030204" pitchFamily="49" charset="0"/>
+              </a:rPr>
+              <a:t>args</a:t>
+            </a:r>
+            <a:r>
+              <a:rPr lang="en-US" sz="2800" dirty="0">
+                <a:solidFill>
+                  <a:srgbClr val="000000"/>
+                </a:solidFill>
+                <a:latin typeface="Consolas" panose="020B0609020204030204" pitchFamily="49" charset="0"/>
+              </a:rPr>
+              <a:t>)</a:t>
+            </a:r>
+          </a:p>
+          <a:p>
+            <a:r>
+              <a:rPr lang="en-DK" sz="2800" dirty="0">
+                <a:solidFill>
+                  <a:srgbClr val="000000"/>
+                </a:solidFill>
+                <a:latin typeface="Consolas" panose="020B0609020204030204" pitchFamily="49" charset="0"/>
+              </a:rPr>
+              <a:t>{</a:t>
+            </a:r>
+          </a:p>
+          <a:p>
+            <a:r>
+              <a:rPr lang="en-US" sz="2800" dirty="0">
+                <a:solidFill>
+                  <a:srgbClr val="000000"/>
+                </a:solidFill>
+                <a:latin typeface="Consolas" panose="020B0609020204030204" pitchFamily="49" charset="0"/>
+              </a:rPr>
+              <a:t>    </a:t>
+            </a:r>
+            <a:r>
+              <a:rPr lang="en-US" sz="2800" dirty="0">
+                <a:solidFill>
+                  <a:srgbClr val="0000FF"/>
+                </a:solidFill>
+                <a:latin typeface="Consolas" panose="020B0609020204030204" pitchFamily="49" charset="0"/>
+              </a:rPr>
+              <a:t>int</a:t>
+            </a:r>
+            <a:r>
+              <a:rPr lang="en-US" sz="2800" dirty="0">
+                <a:solidFill>
+                  <a:srgbClr val="000000"/>
+                </a:solidFill>
+                <a:latin typeface="Consolas" panose="020B0609020204030204" pitchFamily="49" charset="0"/>
+              </a:rPr>
+              <a:t> square(</a:t>
+            </a:r>
+            <a:r>
+              <a:rPr lang="en-US" sz="2800" dirty="0">
+                <a:solidFill>
+                  <a:srgbClr val="0000FF"/>
+                </a:solidFill>
+                <a:latin typeface="Consolas" panose="020B0609020204030204" pitchFamily="49" charset="0"/>
+              </a:rPr>
+              <a:t>int</a:t>
+            </a:r>
+            <a:r>
+              <a:rPr lang="en-US" sz="2800" dirty="0">
+                <a:solidFill>
+                  <a:srgbClr val="000000"/>
+                </a:solidFill>
+                <a:latin typeface="Consolas" panose="020B0609020204030204" pitchFamily="49" charset="0"/>
+              </a:rPr>
+              <a:t> a) { </a:t>
+            </a:r>
+            <a:r>
+              <a:rPr lang="en-US" sz="2800" dirty="0">
+                <a:solidFill>
+                  <a:srgbClr val="0000FF"/>
+                </a:solidFill>
+                <a:latin typeface="Consolas" panose="020B0609020204030204" pitchFamily="49" charset="0"/>
+              </a:rPr>
+              <a:t>return</a:t>
+            </a:r>
+            <a:r>
+              <a:rPr lang="en-US" sz="2800" dirty="0">
+                <a:solidFill>
+                  <a:srgbClr val="000000"/>
+                </a:solidFill>
+                <a:latin typeface="Consolas" panose="020B0609020204030204" pitchFamily="49" charset="0"/>
+              </a:rPr>
+              <a:t> a * a; };</a:t>
+            </a:r>
+          </a:p>
+          <a:p>
+            <a:endParaRPr lang="en-DK" sz="2800" dirty="0">
+              <a:solidFill>
+                <a:srgbClr val="000000"/>
+              </a:solidFill>
+              <a:latin typeface="Consolas" panose="020B0609020204030204" pitchFamily="49" charset="0"/>
+            </a:endParaRPr>
+          </a:p>
+          <a:p>
+            <a:r>
+              <a:rPr lang="da-DK" sz="2800" dirty="0">
+                <a:solidFill>
+                  <a:srgbClr val="000000"/>
+                </a:solidFill>
+                <a:latin typeface="Consolas" panose="020B0609020204030204" pitchFamily="49" charset="0"/>
+              </a:rPr>
+              <a:t>    Console.WriteLine(square(16));</a:t>
+            </a:r>
+          </a:p>
+          <a:p>
+            <a:r>
+              <a:rPr lang="en-DK" sz="2800" dirty="0">
+                <a:solidFill>
+                  <a:srgbClr val="000000"/>
+                </a:solidFill>
+                <a:latin typeface="Consolas" panose="020B0609020204030204" pitchFamily="49" charset="0"/>
+              </a:rPr>
+              <a:t>}</a:t>
+            </a:r>
+            <a:endParaRPr lang="en-DK" sz="2800" dirty="0"/>
+          </a:p>
+        </p:txBody>
+      </p:sp>
+    </p:spTree>
+    <p:extLst>
+      <p:ext uri="{BB962C8B-B14F-4D97-AF65-F5344CB8AC3E}">
+        <p14:creationId xmlns:p14="http://schemas.microsoft.com/office/powerpoint/2010/main" val="1494595017"/>
+      </p:ext>
+    </p:extLst>
+  </p:cSld>
+  <p:clrMapOvr>
+    <a:masterClrMapping/>
+  </p:clrMapOvr>
+  <p:transition>
+    <p:fade/>
+  </p:transition>
+</p:sld>
+</file>
+
+<file path=ppt/slides/slide14.xml><?xml version="1.0" encoding="utf-8"?>
+<p:sld xmlns:a="http://schemas.openxmlformats.org/drawingml/2006/main" xmlns:r="http://schemas.openxmlformats.org/officeDocument/2006/relationships" xmlns:p="http://schemas.openxmlformats.org/presentationml/2006/main">
+  <p:cSld>
+    <p:spTree>
+      <p:nvGrpSpPr>
+        <p:cNvPr id="1" name=""/>
+        <p:cNvGrpSpPr/>
+        <p:nvPr/>
+      </p:nvGrpSpPr>
+      <p:grpSpPr>
+        <a:xfrm>
+          <a:off x="0" y="0"/>
+          <a:ext cx="0" cy="0"/>
+          <a:chOff x="0" y="0"/>
+          <a:chExt cx="0" cy="0"/>
+        </a:xfrm>
+      </p:grpSpPr>
+      <p:sp>
+        <p:nvSpPr>
+          <p:cNvPr id="2" name="Title 1">
+            <a:extLst>
+              <a:ext uri="{FF2B5EF4-FFF2-40B4-BE49-F238E27FC236}">
+                <a16:creationId xmlns:a16="http://schemas.microsoft.com/office/drawing/2014/main" id="{6C181AFD-B920-4857-97AF-D8602EF83934}"/>
+              </a:ext>
+            </a:extLst>
+          </p:cNvPr>
+          <p:cNvSpPr>
+            <a:spLocks noGrp="1"/>
+          </p:cNvSpPr>
+          <p:nvPr>
+            <p:ph type="title"/>
+          </p:nvPr>
+        </p:nvSpPr>
+        <p:spPr/>
+        <p:txBody>
+          <a:bodyPr/>
+          <a:lstStyle/>
+          <a:p>
+            <a:r>
+              <a:rPr lang="da-DK" dirty="0">
+                <a:solidFill>
+                  <a:schemeClr val="tx1"/>
+                </a:solidFill>
+              </a:rPr>
+              <a:t>Anonymous types</a:t>
+            </a:r>
+            <a:endParaRPr lang="en-DK" dirty="0">
+              <a:solidFill>
+                <a:schemeClr val="tx1"/>
+              </a:solidFill>
+            </a:endParaRPr>
+          </a:p>
+        </p:txBody>
+      </p:sp>
+      <p:sp>
+        <p:nvSpPr>
+          <p:cNvPr id="4" name="Rectangle 3">
+            <a:extLst>
+              <a:ext uri="{FF2B5EF4-FFF2-40B4-BE49-F238E27FC236}">
+                <a16:creationId xmlns:a16="http://schemas.microsoft.com/office/drawing/2014/main" id="{E02FC8F9-731D-4401-BCDE-201D956FD525}"/>
+              </a:ext>
+            </a:extLst>
+          </p:cNvPr>
+          <p:cNvSpPr/>
+          <p:nvPr/>
+        </p:nvSpPr>
+        <p:spPr>
+          <a:xfrm>
+            <a:off x="822843" y="2758599"/>
+            <a:ext cx="7679290" cy="2862322"/>
+          </a:xfrm>
+          <a:prstGeom prst="rect">
+            <a:avLst/>
+          </a:prstGeom>
+        </p:spPr>
+        <p:txBody>
+          <a:bodyPr wrap="square">
+            <a:spAutoFit/>
+          </a:bodyPr>
+          <a:lstStyle/>
+          <a:p>
+            <a:r>
+              <a:rPr lang="da-DK" sz="3600" dirty="0">
+                <a:solidFill>
+                  <a:srgbClr val="0000FF"/>
+                </a:solidFill>
+                <a:latin typeface="Consolas" panose="020B0609020204030204" pitchFamily="49" charset="0"/>
+              </a:rPr>
+              <a:t>var</a:t>
+            </a:r>
+            <a:r>
+              <a:rPr lang="da-DK" sz="3600" dirty="0">
+                <a:solidFill>
+                  <a:srgbClr val="000000"/>
+                </a:solidFill>
+                <a:latin typeface="Consolas" panose="020B0609020204030204" pitchFamily="49" charset="0"/>
+              </a:rPr>
+              <a:t> question = </a:t>
+            </a:r>
+            <a:r>
+              <a:rPr lang="da-DK" sz="3600" dirty="0">
+                <a:solidFill>
+                  <a:srgbClr val="0000FF"/>
+                </a:solidFill>
+                <a:latin typeface="Consolas" panose="020B0609020204030204" pitchFamily="49" charset="0"/>
+              </a:rPr>
+              <a:t>new</a:t>
+            </a:r>
+            <a:endParaRPr lang="da-DK" sz="3600" dirty="0">
+              <a:solidFill>
+                <a:srgbClr val="000000"/>
+              </a:solidFill>
+              <a:latin typeface="Consolas" panose="020B0609020204030204" pitchFamily="49" charset="0"/>
+            </a:endParaRPr>
+          </a:p>
+          <a:p>
+            <a:r>
+              <a:rPr lang="en-DK" sz="3600" dirty="0">
+                <a:solidFill>
+                  <a:srgbClr val="000000"/>
+                </a:solidFill>
+                <a:latin typeface="Consolas" panose="020B0609020204030204" pitchFamily="49" charset="0"/>
+              </a:rPr>
+              <a:t>{</a:t>
+            </a:r>
+          </a:p>
+          <a:p>
+            <a:r>
+              <a:rPr lang="da-DK" sz="3600" dirty="0">
+                <a:solidFill>
+                  <a:srgbClr val="000000"/>
+                </a:solidFill>
+                <a:latin typeface="Consolas" panose="020B0609020204030204" pitchFamily="49" charset="0"/>
+              </a:rPr>
+              <a:t>    Title = </a:t>
+            </a:r>
+            <a:r>
+              <a:rPr lang="da-DK" sz="3600" dirty="0">
+                <a:solidFill>
+                  <a:srgbClr val="A31515"/>
+                </a:solidFill>
+                <a:latin typeface="Consolas" panose="020B0609020204030204" pitchFamily="49" charset="0"/>
+              </a:rPr>
+              <a:t>"The answer...?"</a:t>
+            </a:r>
+            <a:r>
+              <a:rPr lang="da-DK" sz="3600" dirty="0">
+                <a:solidFill>
+                  <a:srgbClr val="000000"/>
+                </a:solidFill>
+                <a:latin typeface="Consolas" panose="020B0609020204030204" pitchFamily="49" charset="0"/>
+              </a:rPr>
+              <a:t>,</a:t>
+            </a:r>
+          </a:p>
+          <a:p>
+            <a:r>
+              <a:rPr lang="da-DK" sz="3600" dirty="0">
+                <a:solidFill>
+                  <a:srgbClr val="000000"/>
+                </a:solidFill>
+                <a:latin typeface="Consolas" panose="020B0609020204030204" pitchFamily="49" charset="0"/>
+              </a:rPr>
+              <a:t>    Answer = 42</a:t>
+            </a:r>
+          </a:p>
+          <a:p>
+            <a:r>
+              <a:rPr lang="en-DK" sz="3600" dirty="0">
+                <a:solidFill>
+                  <a:srgbClr val="000000"/>
+                </a:solidFill>
+                <a:latin typeface="Consolas" panose="020B0609020204030204" pitchFamily="49" charset="0"/>
+              </a:rPr>
+              <a:t>};</a:t>
+            </a:r>
+            <a:endParaRPr lang="en-DK" sz="3600" dirty="0"/>
+          </a:p>
+        </p:txBody>
+      </p:sp>
+    </p:spTree>
+    <p:extLst>
+      <p:ext uri="{BB962C8B-B14F-4D97-AF65-F5344CB8AC3E}">
+        <p14:creationId xmlns:p14="http://schemas.microsoft.com/office/powerpoint/2010/main" val="1682119562"/>
+      </p:ext>
+    </p:extLst>
+  </p:cSld>
+  <p:clrMapOvr>
+    <a:masterClrMapping/>
+  </p:clrMapOvr>
+  <p:transition>
+    <p:fade/>
+  </p:transition>
+</p:sld>
+</file>
+
+<file path=ppt/slides/slide15.xml><?xml version="1.0" encoding="utf-8"?>
+<p:sld xmlns:a="http://schemas.openxmlformats.org/drawingml/2006/main" xmlns:r="http://schemas.openxmlformats.org/officeDocument/2006/relationships" xmlns:p="http://schemas.openxmlformats.org/presentationml/2006/main">
+  <p:cSld>
+    <p:spTree>
+      <p:nvGrpSpPr>
+        <p:cNvPr id="1" name=""/>
+        <p:cNvGrpSpPr/>
+        <p:nvPr/>
+      </p:nvGrpSpPr>
+      <p:grpSpPr>
+        <a:xfrm>
+          <a:off x="0" y="0"/>
+          <a:ext cx="0" cy="0"/>
+          <a:chOff x="0" y="0"/>
+          <a:chExt cx="0" cy="0"/>
+        </a:xfrm>
+      </p:grpSpPr>
+      <p:sp>
+        <p:nvSpPr>
+          <p:cNvPr id="2" name="Title 1">
+            <a:extLst>
+              <a:ext uri="{FF2B5EF4-FFF2-40B4-BE49-F238E27FC236}">
+                <a16:creationId xmlns:a16="http://schemas.microsoft.com/office/drawing/2014/main" id="{82DBBB43-C779-4AD3-994C-8396608A8AE2}"/>
+              </a:ext>
+            </a:extLst>
+          </p:cNvPr>
+          <p:cNvSpPr>
+            <a:spLocks noGrp="1"/>
+          </p:cNvSpPr>
+          <p:nvPr>
+            <p:ph type="title"/>
+          </p:nvPr>
+        </p:nvSpPr>
+        <p:spPr/>
+        <p:txBody>
+          <a:bodyPr/>
+          <a:lstStyle/>
+          <a:p>
+            <a:r>
+              <a:rPr lang="en-US" dirty="0"/>
+              <a:t>(Tuples)</a:t>
+            </a:r>
+            <a:endParaRPr lang="en-DK" dirty="0"/>
+          </a:p>
+        </p:txBody>
+      </p:sp>
+      <p:sp>
+        <p:nvSpPr>
+          <p:cNvPr id="4" name="Rectangle 3">
+            <a:extLst>
+              <a:ext uri="{FF2B5EF4-FFF2-40B4-BE49-F238E27FC236}">
+                <a16:creationId xmlns:a16="http://schemas.microsoft.com/office/drawing/2014/main" id="{9FD6BFE7-CFD6-4E3E-A954-A14742D5DD61}"/>
+              </a:ext>
+            </a:extLst>
+          </p:cNvPr>
+          <p:cNvSpPr/>
+          <p:nvPr/>
+        </p:nvSpPr>
+        <p:spPr>
+          <a:xfrm>
+            <a:off x="639965" y="2555159"/>
+            <a:ext cx="8045046" cy="2862322"/>
+          </a:xfrm>
+          <a:prstGeom prst="rect">
+            <a:avLst/>
+          </a:prstGeom>
+        </p:spPr>
+        <p:txBody>
+          <a:bodyPr wrap="square">
+            <a:spAutoFit/>
+          </a:bodyPr>
+          <a:lstStyle/>
+          <a:p>
+            <a:r>
+              <a:rPr lang="en-US" dirty="0">
+                <a:solidFill>
+                  <a:srgbClr val="0000FF"/>
+                </a:solidFill>
+                <a:latin typeface="Consolas" panose="020B0609020204030204" pitchFamily="49" charset="0"/>
+              </a:rPr>
+              <a:t>var</a:t>
+            </a:r>
+            <a:r>
+              <a:rPr lang="en-US" dirty="0">
+                <a:solidFill>
+                  <a:srgbClr val="000000"/>
+                </a:solidFill>
+                <a:latin typeface="Consolas" panose="020B0609020204030204" pitchFamily="49" charset="0"/>
+              </a:rPr>
+              <a:t> s = </a:t>
+            </a:r>
+            <a:r>
+              <a:rPr lang="en-US" dirty="0" err="1">
+                <a:solidFill>
+                  <a:srgbClr val="000000"/>
+                </a:solidFill>
+                <a:latin typeface="Consolas" panose="020B0609020204030204" pitchFamily="49" charset="0"/>
+              </a:rPr>
+              <a:t>Tuple.Create</a:t>
+            </a:r>
+            <a:r>
+              <a:rPr lang="en-US" dirty="0">
+                <a:solidFill>
+                  <a:srgbClr val="000000"/>
+                </a:solidFill>
+                <a:latin typeface="Consolas" panose="020B0609020204030204" pitchFamily="49" charset="0"/>
+              </a:rPr>
+              <a:t>(</a:t>
+            </a:r>
+            <a:r>
+              <a:rPr lang="en-US" dirty="0">
+                <a:solidFill>
+                  <a:srgbClr val="A31515"/>
+                </a:solidFill>
+                <a:latin typeface="Consolas" panose="020B0609020204030204" pitchFamily="49" charset="0"/>
+              </a:rPr>
+              <a:t>"Clark Kent"</a:t>
+            </a:r>
+            <a:r>
+              <a:rPr lang="en-US" dirty="0">
+                <a:solidFill>
+                  <a:srgbClr val="000000"/>
+                </a:solidFill>
+                <a:latin typeface="Consolas" panose="020B0609020204030204" pitchFamily="49" charset="0"/>
+              </a:rPr>
+              <a:t>, </a:t>
+            </a:r>
+            <a:r>
+              <a:rPr lang="en-US" dirty="0">
+                <a:solidFill>
+                  <a:srgbClr val="A31515"/>
+                </a:solidFill>
+                <a:latin typeface="Consolas" panose="020B0609020204030204" pitchFamily="49" charset="0"/>
+              </a:rPr>
+              <a:t>"Superman"</a:t>
+            </a:r>
+            <a:r>
+              <a:rPr lang="en-US" dirty="0">
+                <a:solidFill>
+                  <a:srgbClr val="000000"/>
+                </a:solidFill>
+                <a:latin typeface="Consolas" panose="020B0609020204030204" pitchFamily="49" charset="0"/>
+              </a:rPr>
+              <a:t>);</a:t>
+            </a:r>
+          </a:p>
+          <a:p>
+            <a:endParaRPr lang="en-DK" dirty="0">
+              <a:solidFill>
+                <a:srgbClr val="000000"/>
+              </a:solidFill>
+              <a:latin typeface="Consolas" panose="020B0609020204030204" pitchFamily="49" charset="0"/>
+            </a:endParaRPr>
+          </a:p>
+          <a:p>
+            <a:r>
+              <a:rPr lang="da-DK" dirty="0">
+                <a:solidFill>
+                  <a:srgbClr val="0000FF"/>
+                </a:solidFill>
+                <a:latin typeface="Consolas" panose="020B0609020204030204" pitchFamily="49" charset="0"/>
+              </a:rPr>
+              <a:t>var</a:t>
+            </a:r>
+            <a:r>
+              <a:rPr lang="da-DK" dirty="0">
+                <a:solidFill>
+                  <a:srgbClr val="000000"/>
+                </a:solidFill>
+                <a:latin typeface="Consolas" panose="020B0609020204030204" pitchFamily="49" charset="0"/>
+              </a:rPr>
+              <a:t> b = (</a:t>
+            </a:r>
+            <a:r>
+              <a:rPr lang="da-DK" dirty="0">
+                <a:solidFill>
+                  <a:srgbClr val="A31515"/>
+                </a:solidFill>
+                <a:latin typeface="Consolas" panose="020B0609020204030204" pitchFamily="49" charset="0"/>
+              </a:rPr>
+              <a:t>"Bruce Wayne"</a:t>
+            </a:r>
+            <a:r>
+              <a:rPr lang="da-DK" dirty="0">
+                <a:solidFill>
+                  <a:srgbClr val="000000"/>
+                </a:solidFill>
+                <a:latin typeface="Consolas" panose="020B0609020204030204" pitchFamily="49" charset="0"/>
+              </a:rPr>
+              <a:t>, </a:t>
+            </a:r>
+            <a:r>
+              <a:rPr lang="da-DK" dirty="0">
+                <a:solidFill>
+                  <a:srgbClr val="A31515"/>
+                </a:solidFill>
+                <a:latin typeface="Consolas" panose="020B0609020204030204" pitchFamily="49" charset="0"/>
+              </a:rPr>
+              <a:t>"Batman"</a:t>
+            </a:r>
+            <a:r>
+              <a:rPr lang="da-DK" dirty="0">
+                <a:solidFill>
+                  <a:srgbClr val="000000"/>
+                </a:solidFill>
+                <a:latin typeface="Consolas" panose="020B0609020204030204" pitchFamily="49" charset="0"/>
+              </a:rPr>
+              <a:t>);</a:t>
+            </a:r>
+          </a:p>
+          <a:p>
+            <a:endParaRPr lang="en-DK" dirty="0">
+              <a:solidFill>
+                <a:srgbClr val="000000"/>
+              </a:solidFill>
+              <a:latin typeface="Consolas" panose="020B0609020204030204" pitchFamily="49" charset="0"/>
+            </a:endParaRPr>
+          </a:p>
+          <a:p>
+            <a:r>
+              <a:rPr lang="en-US" dirty="0">
+                <a:solidFill>
+                  <a:srgbClr val="0000FF"/>
+                </a:solidFill>
+                <a:latin typeface="Consolas" panose="020B0609020204030204" pitchFamily="49" charset="0"/>
+              </a:rPr>
+              <a:t>var</a:t>
+            </a:r>
+            <a:r>
+              <a:rPr lang="en-US" dirty="0">
+                <a:solidFill>
+                  <a:srgbClr val="000000"/>
+                </a:solidFill>
+                <a:latin typeface="Consolas" panose="020B0609020204030204" pitchFamily="49" charset="0"/>
+              </a:rPr>
+              <a:t> f = (name: </a:t>
+            </a:r>
+            <a:r>
+              <a:rPr lang="en-US" dirty="0">
+                <a:solidFill>
+                  <a:srgbClr val="A31515"/>
+                </a:solidFill>
+                <a:latin typeface="Consolas" panose="020B0609020204030204" pitchFamily="49" charset="0"/>
+              </a:rPr>
+              <a:t>"Barry Allen"</a:t>
+            </a:r>
+            <a:r>
+              <a:rPr lang="en-US" dirty="0">
+                <a:solidFill>
+                  <a:srgbClr val="000000"/>
+                </a:solidFill>
+                <a:latin typeface="Consolas" panose="020B0609020204030204" pitchFamily="49" charset="0"/>
+              </a:rPr>
+              <a:t>, </a:t>
+            </a:r>
+            <a:r>
+              <a:rPr lang="en-US" dirty="0" err="1">
+                <a:solidFill>
+                  <a:srgbClr val="000000"/>
+                </a:solidFill>
+                <a:latin typeface="Consolas" panose="020B0609020204030204" pitchFamily="49" charset="0"/>
+              </a:rPr>
+              <a:t>alterEgo</a:t>
+            </a:r>
+            <a:r>
+              <a:rPr lang="en-US" dirty="0">
+                <a:solidFill>
+                  <a:srgbClr val="000000"/>
+                </a:solidFill>
+                <a:latin typeface="Consolas" panose="020B0609020204030204" pitchFamily="49" charset="0"/>
+              </a:rPr>
+              <a:t>: </a:t>
+            </a:r>
+            <a:r>
+              <a:rPr lang="en-US" dirty="0">
+                <a:solidFill>
+                  <a:srgbClr val="A31515"/>
+                </a:solidFill>
+                <a:latin typeface="Consolas" panose="020B0609020204030204" pitchFamily="49" charset="0"/>
+              </a:rPr>
+              <a:t>"The Flash"</a:t>
+            </a:r>
+            <a:r>
+              <a:rPr lang="en-US" dirty="0">
+                <a:solidFill>
+                  <a:srgbClr val="000000"/>
+                </a:solidFill>
+                <a:latin typeface="Consolas" panose="020B0609020204030204" pitchFamily="49" charset="0"/>
+              </a:rPr>
+              <a:t>);</a:t>
+            </a:r>
+            <a:endParaRPr lang="en-DK" dirty="0">
+              <a:solidFill>
+                <a:srgbClr val="000000"/>
+              </a:solidFill>
+              <a:latin typeface="Consolas" panose="020B0609020204030204" pitchFamily="49" charset="0"/>
+            </a:endParaRPr>
+          </a:p>
+          <a:p>
+            <a:endParaRPr lang="en-DK" dirty="0">
+              <a:solidFill>
+                <a:srgbClr val="000000"/>
+              </a:solidFill>
+              <a:latin typeface="Consolas" panose="020B0609020204030204" pitchFamily="49" charset="0"/>
+            </a:endParaRPr>
+          </a:p>
+          <a:p>
+            <a:r>
+              <a:rPr lang="da-DK" dirty="0">
+                <a:solidFill>
+                  <a:srgbClr val="000000"/>
+                </a:solidFill>
+                <a:latin typeface="Consolas" panose="020B0609020204030204" pitchFamily="49" charset="0"/>
+              </a:rPr>
+              <a:t>IEnumerable&lt;(</a:t>
+            </a:r>
+            <a:r>
+              <a:rPr lang="da-DK" dirty="0">
+                <a:solidFill>
+                  <a:srgbClr val="0000FF"/>
+                </a:solidFill>
+                <a:latin typeface="Consolas" panose="020B0609020204030204" pitchFamily="49" charset="0"/>
+              </a:rPr>
+              <a:t>float</a:t>
+            </a:r>
+            <a:r>
+              <a:rPr lang="da-DK" dirty="0">
+                <a:solidFill>
+                  <a:srgbClr val="000000"/>
+                </a:solidFill>
+                <a:latin typeface="Consolas" panose="020B0609020204030204" pitchFamily="49" charset="0"/>
+              </a:rPr>
+              <a:t> x, </a:t>
+            </a:r>
+            <a:r>
+              <a:rPr lang="da-DK" dirty="0">
+                <a:solidFill>
+                  <a:srgbClr val="0000FF"/>
+                </a:solidFill>
+                <a:latin typeface="Consolas" panose="020B0609020204030204" pitchFamily="49" charset="0"/>
+              </a:rPr>
+              <a:t>float</a:t>
+            </a:r>
+            <a:r>
+              <a:rPr lang="da-DK" dirty="0">
+                <a:solidFill>
+                  <a:srgbClr val="000000"/>
+                </a:solidFill>
+                <a:latin typeface="Consolas" panose="020B0609020204030204" pitchFamily="49" charset="0"/>
+              </a:rPr>
+              <a:t> y)&gt; GenerateCoordinates()</a:t>
+            </a:r>
+          </a:p>
+          <a:p>
+            <a:r>
+              <a:rPr lang="en-DK" dirty="0">
+                <a:solidFill>
+                  <a:srgbClr val="000000"/>
+                </a:solidFill>
+                <a:latin typeface="Consolas" panose="020B0609020204030204" pitchFamily="49" charset="0"/>
+              </a:rPr>
+              <a:t>{</a:t>
+            </a:r>
+          </a:p>
+          <a:p>
+            <a:r>
+              <a:rPr lang="da-DK" dirty="0">
+                <a:solidFill>
+                  <a:srgbClr val="000000"/>
+                </a:solidFill>
+                <a:latin typeface="Consolas" panose="020B0609020204030204" pitchFamily="49" charset="0"/>
+              </a:rPr>
+              <a:t>    </a:t>
+            </a:r>
+            <a:r>
+              <a:rPr lang="da-DK" dirty="0">
+                <a:solidFill>
+                  <a:srgbClr val="0000FF"/>
+                </a:solidFill>
+                <a:latin typeface="Consolas" panose="020B0609020204030204" pitchFamily="49" charset="0"/>
+              </a:rPr>
+              <a:t>yield</a:t>
+            </a:r>
+            <a:r>
+              <a:rPr lang="da-DK" dirty="0">
+                <a:solidFill>
+                  <a:srgbClr val="000000"/>
+                </a:solidFill>
+                <a:latin typeface="Consolas" panose="020B0609020204030204" pitchFamily="49" charset="0"/>
+              </a:rPr>
+              <a:t> </a:t>
+            </a:r>
+            <a:r>
+              <a:rPr lang="da-DK" dirty="0">
+                <a:solidFill>
+                  <a:srgbClr val="0000FF"/>
+                </a:solidFill>
+                <a:latin typeface="Consolas" panose="020B0609020204030204" pitchFamily="49" charset="0"/>
+              </a:rPr>
+              <a:t>return</a:t>
+            </a:r>
+            <a:r>
+              <a:rPr lang="da-DK" dirty="0">
+                <a:solidFill>
+                  <a:srgbClr val="000000"/>
+                </a:solidFill>
+                <a:latin typeface="Consolas" panose="020B0609020204030204" pitchFamily="49" charset="0"/>
+              </a:rPr>
+              <a:t> (1.3f, 23.45f);</a:t>
+            </a:r>
+          </a:p>
+          <a:p>
+            <a:r>
+              <a:rPr lang="en-DK" dirty="0">
+                <a:solidFill>
+                  <a:srgbClr val="000000"/>
+                </a:solidFill>
+                <a:latin typeface="Consolas" panose="020B0609020204030204" pitchFamily="49" charset="0"/>
+              </a:rPr>
+              <a:t>}</a:t>
+            </a:r>
+            <a:endParaRPr lang="en-DK" dirty="0"/>
+          </a:p>
+        </p:txBody>
+      </p:sp>
+    </p:spTree>
+    <p:extLst>
+      <p:ext uri="{BB962C8B-B14F-4D97-AF65-F5344CB8AC3E}">
+        <p14:creationId xmlns:p14="http://schemas.microsoft.com/office/powerpoint/2010/main" val="2720859427"/>
+      </p:ext>
+    </p:extLst>
+  </p:cSld>
+  <p:clrMapOvr>
+    <a:masterClrMapping/>
+  </p:clrMapOvr>
+  <p:transition>
+    <p:fade/>
+  </p:transition>
+</p:sld>
+</file>
+
+<file path=ppt/slides/slide16.xml><?xml version="1.0" encoding="utf-8"?>
+<p:sld xmlns:a="http://schemas.openxmlformats.org/drawingml/2006/main" xmlns:r="http://schemas.openxmlformats.org/officeDocument/2006/relationships" xmlns:p="http://schemas.openxmlformats.org/presentationml/2006/main">
+  <p:cSld>
+    <p:spTree>
+      <p:nvGrpSpPr>
+        <p:cNvPr id="1" name=""/>
+        <p:cNvGrpSpPr/>
+        <p:nvPr/>
+      </p:nvGrpSpPr>
+      <p:grpSpPr>
+        <a:xfrm>
+          <a:off x="0" y="0"/>
+          <a:ext cx="0" cy="0"/>
+          <a:chOff x="0" y="0"/>
+          <a:chExt cx="0" cy="0"/>
+        </a:xfrm>
+      </p:grpSpPr>
+      <p:sp>
+        <p:nvSpPr>
+          <p:cNvPr id="2" name="Title 1">
+            <a:extLst>
+              <a:ext uri="{FF2B5EF4-FFF2-40B4-BE49-F238E27FC236}">
+                <a16:creationId xmlns:a16="http://schemas.microsoft.com/office/drawing/2014/main" id="{D1D9D193-5C5B-425A-B216-0F912B9D18CF}"/>
+              </a:ext>
+            </a:extLst>
+          </p:cNvPr>
+          <p:cNvSpPr>
+            <a:spLocks noGrp="1"/>
+          </p:cNvSpPr>
+          <p:nvPr>
+            <p:ph type="title"/>
+          </p:nvPr>
+        </p:nvSpPr>
+        <p:spPr/>
+        <p:txBody>
+          <a:bodyPr/>
+          <a:lstStyle/>
+          <a:p>
+            <a:r>
+              <a:rPr lang="da-DK" dirty="0">
+                <a:solidFill>
+                  <a:schemeClr val="tx1"/>
+                </a:solidFill>
+              </a:rPr>
+              <a:t>Extension methods 1/2</a:t>
+            </a:r>
+            <a:endParaRPr lang="en-DK" dirty="0"/>
+          </a:p>
+        </p:txBody>
+      </p:sp>
+      <p:sp>
+        <p:nvSpPr>
+          <p:cNvPr id="4" name="Rectangle 3">
+            <a:extLst>
+              <a:ext uri="{FF2B5EF4-FFF2-40B4-BE49-F238E27FC236}">
+                <a16:creationId xmlns:a16="http://schemas.microsoft.com/office/drawing/2014/main" id="{E3968415-47E2-4088-9379-E9655644F318}"/>
+              </a:ext>
+            </a:extLst>
+          </p:cNvPr>
+          <p:cNvSpPr/>
+          <p:nvPr/>
+        </p:nvSpPr>
+        <p:spPr>
+          <a:xfrm>
+            <a:off x="365647" y="1759921"/>
+            <a:ext cx="8593680" cy="4247317"/>
+          </a:xfrm>
+          <a:prstGeom prst="rect">
+            <a:avLst/>
+          </a:prstGeom>
+        </p:spPr>
+        <p:txBody>
+          <a:bodyPr wrap="square">
+            <a:spAutoFit/>
+          </a:bodyPr>
+          <a:lstStyle/>
+          <a:p>
+            <a:r>
+              <a:rPr lang="da-DK" dirty="0">
+                <a:solidFill>
+                  <a:srgbClr val="000000"/>
+                </a:solidFill>
+                <a:latin typeface="Consolas" panose="020B0609020204030204" pitchFamily="49" charset="0"/>
+              </a:rPr>
+              <a:t>IEnumerable&lt;City&gt; cities = </a:t>
+            </a:r>
+            <a:r>
+              <a:rPr lang="da-DK" dirty="0">
+                <a:solidFill>
+                  <a:srgbClr val="0000FF"/>
+                </a:solidFill>
+                <a:latin typeface="Consolas" panose="020B0609020204030204" pitchFamily="49" charset="0"/>
+              </a:rPr>
+              <a:t>new</a:t>
+            </a:r>
+            <a:r>
+              <a:rPr lang="da-DK" dirty="0">
+                <a:solidFill>
+                  <a:srgbClr val="000000"/>
+                </a:solidFill>
+                <a:latin typeface="Consolas" panose="020B0609020204030204" pitchFamily="49" charset="0"/>
+              </a:rPr>
+              <a:t>[]</a:t>
+            </a:r>
+          </a:p>
+          <a:p>
+            <a:r>
+              <a:rPr lang="en-DK" dirty="0">
+                <a:solidFill>
+                  <a:srgbClr val="000000"/>
+                </a:solidFill>
+                <a:latin typeface="Consolas" panose="020B0609020204030204" pitchFamily="49" charset="0"/>
+              </a:rPr>
+              <a:t>{</a:t>
+            </a:r>
+          </a:p>
+          <a:p>
+            <a:r>
+              <a:rPr lang="en-US" dirty="0">
+                <a:solidFill>
+                  <a:srgbClr val="000000"/>
+                </a:solidFill>
+                <a:latin typeface="Consolas" panose="020B0609020204030204" pitchFamily="49" charset="0"/>
+              </a:rPr>
+              <a:t>    </a:t>
+            </a:r>
+            <a:r>
+              <a:rPr lang="en-US" dirty="0">
+                <a:solidFill>
+                  <a:srgbClr val="0000FF"/>
+                </a:solidFill>
+                <a:latin typeface="Consolas" panose="020B0609020204030204" pitchFamily="49" charset="0"/>
+              </a:rPr>
+              <a:t>new</a:t>
+            </a:r>
+            <a:r>
+              <a:rPr lang="en-US" dirty="0">
+                <a:solidFill>
+                  <a:srgbClr val="000000"/>
+                </a:solidFill>
+                <a:latin typeface="Consolas" panose="020B0609020204030204" pitchFamily="49" charset="0"/>
+              </a:rPr>
+              <a:t> City { Id = 1, Name = </a:t>
+            </a:r>
+            <a:r>
+              <a:rPr lang="en-US" dirty="0">
+                <a:solidFill>
+                  <a:srgbClr val="A31515"/>
+                </a:solidFill>
+                <a:latin typeface="Consolas" panose="020B0609020204030204" pitchFamily="49" charset="0"/>
+              </a:rPr>
+              <a:t>"Berlin"</a:t>
+            </a:r>
+            <a:r>
+              <a:rPr lang="en-US" dirty="0">
+                <a:solidFill>
+                  <a:srgbClr val="000000"/>
+                </a:solidFill>
+                <a:latin typeface="Consolas" panose="020B0609020204030204" pitchFamily="49" charset="0"/>
+              </a:rPr>
+              <a:t> },</a:t>
+            </a:r>
+          </a:p>
+          <a:p>
+            <a:r>
+              <a:rPr lang="en-US" dirty="0">
+                <a:solidFill>
+                  <a:srgbClr val="000000"/>
+                </a:solidFill>
+                <a:latin typeface="Consolas" panose="020B0609020204030204" pitchFamily="49" charset="0"/>
+              </a:rPr>
+              <a:t>    </a:t>
+            </a:r>
+            <a:r>
+              <a:rPr lang="en-US" dirty="0">
+                <a:solidFill>
+                  <a:srgbClr val="0000FF"/>
+                </a:solidFill>
+                <a:latin typeface="Consolas" panose="020B0609020204030204" pitchFamily="49" charset="0"/>
+              </a:rPr>
+              <a:t>new</a:t>
+            </a:r>
+            <a:r>
+              <a:rPr lang="en-US" dirty="0">
+                <a:solidFill>
+                  <a:srgbClr val="000000"/>
+                </a:solidFill>
+                <a:latin typeface="Consolas" panose="020B0609020204030204" pitchFamily="49" charset="0"/>
+              </a:rPr>
+              <a:t> City { Id = 2, Name = </a:t>
+            </a:r>
+            <a:r>
+              <a:rPr lang="en-US" dirty="0">
+                <a:solidFill>
+                  <a:srgbClr val="A31515"/>
+                </a:solidFill>
+                <a:latin typeface="Consolas" panose="020B0609020204030204" pitchFamily="49" charset="0"/>
+              </a:rPr>
+              <a:t>"Hamburg"</a:t>
+            </a:r>
+            <a:r>
+              <a:rPr lang="en-US" dirty="0">
+                <a:solidFill>
+                  <a:srgbClr val="000000"/>
+                </a:solidFill>
+                <a:latin typeface="Consolas" panose="020B0609020204030204" pitchFamily="49" charset="0"/>
+              </a:rPr>
+              <a:t> },</a:t>
+            </a:r>
+          </a:p>
+          <a:p>
+            <a:r>
+              <a:rPr lang="en-US" dirty="0">
+                <a:solidFill>
+                  <a:srgbClr val="000000"/>
+                </a:solidFill>
+                <a:latin typeface="Consolas" panose="020B0609020204030204" pitchFamily="49" charset="0"/>
+              </a:rPr>
+              <a:t>    </a:t>
+            </a:r>
+            <a:r>
+              <a:rPr lang="en-US" dirty="0">
+                <a:solidFill>
+                  <a:srgbClr val="0000FF"/>
+                </a:solidFill>
+                <a:latin typeface="Consolas" panose="020B0609020204030204" pitchFamily="49" charset="0"/>
+              </a:rPr>
+              <a:t>new</a:t>
+            </a:r>
+            <a:r>
+              <a:rPr lang="en-US" dirty="0">
+                <a:solidFill>
+                  <a:srgbClr val="000000"/>
+                </a:solidFill>
+                <a:latin typeface="Consolas" panose="020B0609020204030204" pitchFamily="49" charset="0"/>
+              </a:rPr>
+              <a:t> City { Id = 3, Name = </a:t>
+            </a:r>
+            <a:r>
+              <a:rPr lang="en-US" dirty="0">
+                <a:solidFill>
+                  <a:srgbClr val="A31515"/>
+                </a:solidFill>
+                <a:latin typeface="Consolas" panose="020B0609020204030204" pitchFamily="49" charset="0"/>
+              </a:rPr>
+              <a:t>"Frankfurt"</a:t>
+            </a:r>
+            <a:r>
+              <a:rPr lang="en-US" dirty="0">
+                <a:solidFill>
+                  <a:srgbClr val="000000"/>
+                </a:solidFill>
+                <a:latin typeface="Consolas" panose="020B0609020204030204" pitchFamily="49" charset="0"/>
+              </a:rPr>
+              <a:t> },</a:t>
+            </a:r>
+          </a:p>
+          <a:p>
+            <a:r>
+              <a:rPr lang="en-US" dirty="0">
+                <a:solidFill>
+                  <a:srgbClr val="000000"/>
+                </a:solidFill>
+                <a:latin typeface="Consolas" panose="020B0609020204030204" pitchFamily="49" charset="0"/>
+              </a:rPr>
+              <a:t>    </a:t>
+            </a:r>
+            <a:r>
+              <a:rPr lang="en-US" dirty="0">
+                <a:solidFill>
+                  <a:srgbClr val="0000FF"/>
+                </a:solidFill>
+                <a:latin typeface="Consolas" panose="020B0609020204030204" pitchFamily="49" charset="0"/>
+              </a:rPr>
+              <a:t>new</a:t>
+            </a:r>
+            <a:r>
+              <a:rPr lang="en-US" dirty="0">
+                <a:solidFill>
+                  <a:srgbClr val="000000"/>
+                </a:solidFill>
+                <a:latin typeface="Consolas" panose="020B0609020204030204" pitchFamily="49" charset="0"/>
+              </a:rPr>
+              <a:t> City { Id = 4, Name = </a:t>
+            </a:r>
+            <a:r>
+              <a:rPr lang="en-US" dirty="0">
+                <a:solidFill>
+                  <a:srgbClr val="A31515"/>
+                </a:solidFill>
+                <a:latin typeface="Consolas" panose="020B0609020204030204" pitchFamily="49" charset="0"/>
+              </a:rPr>
+              <a:t>"Munich"</a:t>
+            </a:r>
+            <a:r>
+              <a:rPr lang="en-US" dirty="0">
+                <a:solidFill>
+                  <a:srgbClr val="000000"/>
+                </a:solidFill>
+                <a:latin typeface="Consolas" panose="020B0609020204030204" pitchFamily="49" charset="0"/>
+              </a:rPr>
+              <a:t> }</a:t>
+            </a:r>
+          </a:p>
+          <a:p>
+            <a:r>
+              <a:rPr lang="en-DK" dirty="0">
+                <a:solidFill>
+                  <a:srgbClr val="000000"/>
+                </a:solidFill>
+                <a:latin typeface="Consolas" panose="020B0609020204030204" pitchFamily="49" charset="0"/>
+              </a:rPr>
+              <a:t>};</a:t>
+            </a:r>
+          </a:p>
+          <a:p>
+            <a:endParaRPr lang="en-DK" dirty="0">
+              <a:solidFill>
+                <a:srgbClr val="000000"/>
+              </a:solidFill>
+              <a:latin typeface="Consolas" panose="020B0609020204030204" pitchFamily="49" charset="0"/>
+            </a:endParaRPr>
+          </a:p>
+          <a:p>
+            <a:r>
+              <a:rPr lang="da-DK" dirty="0">
+                <a:solidFill>
+                  <a:srgbClr val="0000FF"/>
+                </a:solidFill>
+                <a:latin typeface="Consolas" panose="020B0609020204030204" pitchFamily="49" charset="0"/>
+              </a:rPr>
+              <a:t>var</a:t>
+            </a:r>
+            <a:r>
+              <a:rPr lang="da-DK" dirty="0">
+                <a:solidFill>
+                  <a:srgbClr val="000000"/>
+                </a:solidFill>
+                <a:latin typeface="Consolas" panose="020B0609020204030204" pitchFamily="49" charset="0"/>
+              </a:rPr>
+              <a:t> count = cities.Count();</a:t>
+            </a:r>
+          </a:p>
+          <a:p>
+            <a:endParaRPr lang="en-DK" dirty="0">
+              <a:solidFill>
+                <a:srgbClr val="000000"/>
+              </a:solidFill>
+              <a:latin typeface="Consolas" panose="020B0609020204030204" pitchFamily="49" charset="0"/>
+            </a:endParaRPr>
+          </a:p>
+          <a:p>
+            <a:r>
+              <a:rPr lang="da-DK" dirty="0">
+                <a:solidFill>
+                  <a:srgbClr val="0000FF"/>
+                </a:solidFill>
+                <a:latin typeface="Consolas" panose="020B0609020204030204" pitchFamily="49" charset="0"/>
+              </a:rPr>
+              <a:t>var</a:t>
+            </a:r>
+            <a:r>
+              <a:rPr lang="da-DK" dirty="0">
+                <a:solidFill>
+                  <a:srgbClr val="000000"/>
+                </a:solidFill>
+                <a:latin typeface="Consolas" panose="020B0609020204030204" pitchFamily="49" charset="0"/>
+              </a:rPr>
+              <a:t> sorted = cities.OrderBy(c =&gt; c.Name);</a:t>
+            </a:r>
+          </a:p>
+          <a:p>
+            <a:endParaRPr lang="en-DK" dirty="0">
+              <a:solidFill>
+                <a:srgbClr val="000000"/>
+              </a:solidFill>
+              <a:latin typeface="Consolas" panose="020B0609020204030204" pitchFamily="49" charset="0"/>
+            </a:endParaRPr>
+          </a:p>
+          <a:p>
+            <a:r>
+              <a:rPr lang="en-US" dirty="0">
+                <a:solidFill>
+                  <a:srgbClr val="0000FF"/>
+                </a:solidFill>
+                <a:latin typeface="Consolas" panose="020B0609020204030204" pitchFamily="49" charset="0"/>
+              </a:rPr>
+              <a:t>var</a:t>
+            </a:r>
+            <a:r>
+              <a:rPr lang="en-US" dirty="0">
+                <a:solidFill>
+                  <a:srgbClr val="000000"/>
+                </a:solidFill>
+                <a:latin typeface="Consolas" panose="020B0609020204030204" pitchFamily="49" charset="0"/>
+              </a:rPr>
+              <a:t> filtered = </a:t>
+            </a:r>
+            <a:r>
+              <a:rPr lang="en-US" dirty="0" err="1">
+                <a:solidFill>
+                  <a:srgbClr val="000000"/>
+                </a:solidFill>
+                <a:latin typeface="Consolas" panose="020B0609020204030204" pitchFamily="49" charset="0"/>
+              </a:rPr>
+              <a:t>cities.Where</a:t>
+            </a:r>
+            <a:r>
+              <a:rPr lang="en-US" dirty="0">
+                <a:solidFill>
+                  <a:srgbClr val="000000"/>
+                </a:solidFill>
+                <a:latin typeface="Consolas" panose="020B0609020204030204" pitchFamily="49" charset="0"/>
+              </a:rPr>
+              <a:t>(c =&gt; </a:t>
+            </a:r>
+            <a:r>
+              <a:rPr lang="en-US" dirty="0" err="1">
+                <a:solidFill>
+                  <a:srgbClr val="000000"/>
+                </a:solidFill>
+                <a:latin typeface="Consolas" panose="020B0609020204030204" pitchFamily="49" charset="0"/>
+              </a:rPr>
+              <a:t>c.Name.Contains</a:t>
+            </a:r>
+            <a:r>
+              <a:rPr lang="en-US" dirty="0">
+                <a:solidFill>
+                  <a:srgbClr val="000000"/>
+                </a:solidFill>
+                <a:latin typeface="Consolas" panose="020B0609020204030204" pitchFamily="49" charset="0"/>
+              </a:rPr>
+              <a:t>(</a:t>
+            </a:r>
+            <a:r>
+              <a:rPr lang="en-US" dirty="0">
+                <a:solidFill>
+                  <a:srgbClr val="A31515"/>
+                </a:solidFill>
+                <a:latin typeface="Consolas" panose="020B0609020204030204" pitchFamily="49" charset="0"/>
+              </a:rPr>
+              <a:t>"</a:t>
+            </a:r>
+            <a:r>
+              <a:rPr lang="en-US" dirty="0" err="1">
+                <a:solidFill>
+                  <a:srgbClr val="A31515"/>
+                </a:solidFill>
+                <a:latin typeface="Consolas" panose="020B0609020204030204" pitchFamily="49" charset="0"/>
+              </a:rPr>
+              <a:t>i</a:t>
+            </a:r>
+            <a:r>
+              <a:rPr lang="en-US" dirty="0">
+                <a:solidFill>
+                  <a:srgbClr val="A31515"/>
+                </a:solidFill>
+                <a:latin typeface="Consolas" panose="020B0609020204030204" pitchFamily="49" charset="0"/>
+              </a:rPr>
+              <a:t>"</a:t>
+            </a:r>
+            <a:r>
+              <a:rPr lang="en-US" dirty="0">
+                <a:solidFill>
+                  <a:srgbClr val="000000"/>
+                </a:solidFill>
+                <a:latin typeface="Consolas" panose="020B0609020204030204" pitchFamily="49" charset="0"/>
+              </a:rPr>
+              <a:t>));</a:t>
+            </a:r>
+          </a:p>
+          <a:p>
+            <a:endParaRPr lang="en-DK" dirty="0">
+              <a:solidFill>
+                <a:srgbClr val="000000"/>
+              </a:solidFill>
+              <a:latin typeface="Consolas" panose="020B0609020204030204" pitchFamily="49" charset="0"/>
+            </a:endParaRPr>
+          </a:p>
+          <a:p>
+            <a:r>
+              <a:rPr lang="en-US" dirty="0">
+                <a:solidFill>
+                  <a:srgbClr val="0000FF"/>
+                </a:solidFill>
+                <a:latin typeface="Consolas" panose="020B0609020204030204" pitchFamily="49" charset="0"/>
+              </a:rPr>
+              <a:t>var</a:t>
+            </a:r>
+            <a:r>
+              <a:rPr lang="en-US" dirty="0">
+                <a:solidFill>
+                  <a:srgbClr val="000000"/>
+                </a:solidFill>
+                <a:latin typeface="Consolas" panose="020B0609020204030204" pitchFamily="49" charset="0"/>
+              </a:rPr>
+              <a:t> pick = </a:t>
+            </a:r>
+            <a:r>
+              <a:rPr lang="en-US" dirty="0" err="1">
+                <a:solidFill>
+                  <a:srgbClr val="000000"/>
+                </a:solidFill>
+                <a:latin typeface="Consolas" panose="020B0609020204030204" pitchFamily="49" charset="0"/>
+              </a:rPr>
+              <a:t>cities.FirstOrDefault</a:t>
+            </a:r>
+            <a:r>
+              <a:rPr lang="en-US" dirty="0">
+                <a:solidFill>
+                  <a:srgbClr val="000000"/>
+                </a:solidFill>
+                <a:latin typeface="Consolas" panose="020B0609020204030204" pitchFamily="49" charset="0"/>
+              </a:rPr>
+              <a:t>(c =&gt; </a:t>
+            </a:r>
+            <a:r>
+              <a:rPr lang="en-US" dirty="0" err="1">
+                <a:solidFill>
+                  <a:srgbClr val="000000"/>
+                </a:solidFill>
+                <a:latin typeface="Consolas" panose="020B0609020204030204" pitchFamily="49" charset="0"/>
+              </a:rPr>
+              <a:t>c.Id</a:t>
+            </a:r>
+            <a:r>
+              <a:rPr lang="en-US" dirty="0">
+                <a:solidFill>
+                  <a:srgbClr val="000000"/>
+                </a:solidFill>
+                <a:latin typeface="Consolas" panose="020B0609020204030204" pitchFamily="49" charset="0"/>
+              </a:rPr>
+              <a:t> == 2);</a:t>
+            </a:r>
+            <a:endParaRPr lang="en-DK" dirty="0"/>
+          </a:p>
+        </p:txBody>
+      </p:sp>
+    </p:spTree>
+    <p:extLst>
+      <p:ext uri="{BB962C8B-B14F-4D97-AF65-F5344CB8AC3E}">
+        <p14:creationId xmlns:p14="http://schemas.microsoft.com/office/powerpoint/2010/main" val="1593147459"/>
+      </p:ext>
+    </p:extLst>
+  </p:cSld>
+  <p:clrMapOvr>
+    <a:masterClrMapping/>
+  </p:clrMapOvr>
+  <p:transition>
+    <p:fade/>
+  </p:transition>
+</p:sld>
+</file>
+
+<file path=ppt/slides/slide17.xml><?xml version="1.0" encoding="utf-8"?>
+<p:sld xmlns:a="http://schemas.openxmlformats.org/drawingml/2006/main" xmlns:r="http://schemas.openxmlformats.org/officeDocument/2006/relationships" xmlns:p="http://schemas.openxmlformats.org/presentationml/2006/main">
+  <p:cSld>
+    <p:spTree>
+      <p:nvGrpSpPr>
+        <p:cNvPr id="1" name=""/>
+        <p:cNvGrpSpPr/>
+        <p:nvPr/>
+      </p:nvGrpSpPr>
+      <p:grpSpPr>
+        <a:xfrm>
+          <a:off x="0" y="0"/>
+          <a:ext cx="0" cy="0"/>
+          <a:chOff x="0" y="0"/>
+          <a:chExt cx="0" cy="0"/>
+        </a:xfrm>
+      </p:grpSpPr>
+      <p:sp>
+        <p:nvSpPr>
+          <p:cNvPr id="2" name="Title 1">
+            <a:extLst>
+              <a:ext uri="{FF2B5EF4-FFF2-40B4-BE49-F238E27FC236}">
+                <a16:creationId xmlns:a16="http://schemas.microsoft.com/office/drawing/2014/main" id="{DFD07818-683D-4EEA-A10C-10356ADE157F}"/>
+              </a:ext>
+            </a:extLst>
+          </p:cNvPr>
+          <p:cNvSpPr>
+            <a:spLocks noGrp="1"/>
+          </p:cNvSpPr>
+          <p:nvPr>
+            <p:ph type="title"/>
+          </p:nvPr>
+        </p:nvSpPr>
+        <p:spPr/>
+        <p:txBody>
+          <a:bodyPr/>
+          <a:lstStyle/>
+          <a:p>
+            <a:r>
+              <a:rPr lang="da-DK" dirty="0">
+                <a:solidFill>
+                  <a:schemeClr val="tx1"/>
+                </a:solidFill>
+              </a:rPr>
+              <a:t>Extension methods 2/2</a:t>
+            </a:r>
+            <a:endParaRPr lang="en-DK" dirty="0">
+              <a:solidFill>
+                <a:schemeClr val="tx1"/>
+              </a:solidFill>
+            </a:endParaRPr>
+          </a:p>
+        </p:txBody>
+      </p:sp>
+      <p:sp>
+        <p:nvSpPr>
+          <p:cNvPr id="4" name="Rectangle 3">
+            <a:extLst>
+              <a:ext uri="{FF2B5EF4-FFF2-40B4-BE49-F238E27FC236}">
+                <a16:creationId xmlns:a16="http://schemas.microsoft.com/office/drawing/2014/main" id="{7104F46B-6161-47DD-990B-1732A08C717B}"/>
+              </a:ext>
+            </a:extLst>
+          </p:cNvPr>
+          <p:cNvSpPr/>
+          <p:nvPr/>
+        </p:nvSpPr>
+        <p:spPr>
+          <a:xfrm>
+            <a:off x="548526" y="1650604"/>
+            <a:ext cx="8227924" cy="2585323"/>
+          </a:xfrm>
+          <a:prstGeom prst="rect">
+            <a:avLst/>
+          </a:prstGeom>
+        </p:spPr>
+        <p:txBody>
+          <a:bodyPr wrap="square">
+            <a:spAutoFit/>
+          </a:bodyPr>
+          <a:lstStyle/>
+          <a:p>
+            <a:r>
+              <a:rPr lang="da-DK" dirty="0">
+                <a:solidFill>
+                  <a:srgbClr val="0000FF"/>
+                </a:solidFill>
+                <a:latin typeface="Consolas" panose="020B0609020204030204" pitchFamily="49" charset="0"/>
+              </a:rPr>
+              <a:t>public</a:t>
+            </a:r>
+            <a:r>
+              <a:rPr lang="da-DK" dirty="0">
+                <a:solidFill>
+                  <a:srgbClr val="000000"/>
+                </a:solidFill>
+                <a:latin typeface="Consolas" panose="020B0609020204030204" pitchFamily="49" charset="0"/>
+              </a:rPr>
+              <a:t> </a:t>
+            </a:r>
+            <a:r>
+              <a:rPr lang="da-DK" dirty="0">
+                <a:solidFill>
+                  <a:srgbClr val="0000FF"/>
+                </a:solidFill>
+                <a:latin typeface="Consolas" panose="020B0609020204030204" pitchFamily="49" charset="0"/>
+              </a:rPr>
+              <a:t>static</a:t>
+            </a:r>
+            <a:r>
+              <a:rPr lang="da-DK" dirty="0">
+                <a:solidFill>
+                  <a:srgbClr val="000000"/>
+                </a:solidFill>
+                <a:latin typeface="Consolas" panose="020B0609020204030204" pitchFamily="49" charset="0"/>
+              </a:rPr>
+              <a:t> </a:t>
+            </a:r>
+            <a:r>
+              <a:rPr lang="da-DK" dirty="0">
+                <a:solidFill>
+                  <a:srgbClr val="0000FF"/>
+                </a:solidFill>
+                <a:latin typeface="Consolas" panose="020B0609020204030204" pitchFamily="49" charset="0"/>
+              </a:rPr>
+              <a:t>class</a:t>
+            </a:r>
+            <a:r>
+              <a:rPr lang="da-DK" dirty="0">
+                <a:solidFill>
+                  <a:srgbClr val="000000"/>
+                </a:solidFill>
+                <a:latin typeface="Consolas" panose="020B0609020204030204" pitchFamily="49" charset="0"/>
+              </a:rPr>
+              <a:t> </a:t>
+            </a:r>
+            <a:r>
+              <a:rPr lang="da-DK" dirty="0">
+                <a:solidFill>
+                  <a:srgbClr val="2B91AF"/>
+                </a:solidFill>
+                <a:latin typeface="Consolas" panose="020B0609020204030204" pitchFamily="49" charset="0"/>
+              </a:rPr>
+              <a:t>Extensions</a:t>
+            </a:r>
+            <a:endParaRPr lang="da-DK" dirty="0">
+              <a:solidFill>
+                <a:srgbClr val="000000"/>
+              </a:solidFill>
+              <a:latin typeface="Consolas" panose="020B0609020204030204" pitchFamily="49" charset="0"/>
+            </a:endParaRPr>
+          </a:p>
+          <a:p>
+            <a:r>
+              <a:rPr lang="en-DK" dirty="0">
+                <a:solidFill>
+                  <a:srgbClr val="000000"/>
+                </a:solidFill>
+                <a:latin typeface="Consolas" panose="020B0609020204030204" pitchFamily="49" charset="0"/>
+              </a:rPr>
+              <a:t>{</a:t>
+            </a:r>
+          </a:p>
+          <a:p>
+            <a:r>
+              <a:rPr lang="en-US" dirty="0">
+                <a:solidFill>
+                  <a:srgbClr val="000000"/>
+                </a:solidFill>
+                <a:latin typeface="Consolas" panose="020B0609020204030204" pitchFamily="49" charset="0"/>
+              </a:rPr>
+              <a:t>    </a:t>
+            </a:r>
+            <a:r>
+              <a:rPr lang="en-US" dirty="0">
+                <a:solidFill>
+                  <a:srgbClr val="0000FF"/>
+                </a:solidFill>
+                <a:latin typeface="Consolas" panose="020B0609020204030204" pitchFamily="49" charset="0"/>
+              </a:rPr>
+              <a:t>public</a:t>
+            </a:r>
+            <a:r>
+              <a:rPr lang="en-US" dirty="0">
+                <a:solidFill>
+                  <a:srgbClr val="000000"/>
+                </a:solidFill>
+                <a:latin typeface="Consolas" panose="020B0609020204030204" pitchFamily="49" charset="0"/>
+              </a:rPr>
+              <a:t> </a:t>
+            </a:r>
+            <a:r>
+              <a:rPr lang="en-US" dirty="0">
+                <a:solidFill>
+                  <a:srgbClr val="0000FF"/>
+                </a:solidFill>
+                <a:latin typeface="Consolas" panose="020B0609020204030204" pitchFamily="49" charset="0"/>
+              </a:rPr>
+              <a:t>static</a:t>
+            </a:r>
+            <a:r>
+              <a:rPr lang="en-US" dirty="0">
+                <a:solidFill>
+                  <a:srgbClr val="000000"/>
+                </a:solidFill>
+                <a:latin typeface="Consolas" panose="020B0609020204030204" pitchFamily="49" charset="0"/>
+              </a:rPr>
+              <a:t> </a:t>
+            </a:r>
+            <a:r>
+              <a:rPr lang="en-US" dirty="0">
+                <a:solidFill>
+                  <a:srgbClr val="0000FF"/>
+                </a:solidFill>
+                <a:latin typeface="Consolas" panose="020B0609020204030204" pitchFamily="49" charset="0"/>
+              </a:rPr>
+              <a:t>int</a:t>
+            </a:r>
+            <a:r>
+              <a:rPr lang="en-US" dirty="0">
+                <a:solidFill>
+                  <a:srgbClr val="000000"/>
+                </a:solidFill>
+                <a:latin typeface="Consolas" panose="020B0609020204030204" pitchFamily="49" charset="0"/>
+              </a:rPr>
+              <a:t> </a:t>
+            </a:r>
+            <a:r>
+              <a:rPr lang="en-US" dirty="0" err="1">
+                <a:solidFill>
+                  <a:srgbClr val="000000"/>
+                </a:solidFill>
+                <a:latin typeface="Consolas" panose="020B0609020204030204" pitchFamily="49" charset="0"/>
+              </a:rPr>
+              <a:t>WordCount</a:t>
+            </a:r>
+            <a:r>
+              <a:rPr lang="en-US" dirty="0">
+                <a:solidFill>
+                  <a:srgbClr val="000000"/>
+                </a:solidFill>
+                <a:latin typeface="Consolas" panose="020B0609020204030204" pitchFamily="49" charset="0"/>
+              </a:rPr>
+              <a:t>(</a:t>
+            </a:r>
+            <a:r>
+              <a:rPr lang="en-US" dirty="0">
+                <a:solidFill>
+                  <a:srgbClr val="0000FF"/>
+                </a:solidFill>
+                <a:latin typeface="Consolas" panose="020B0609020204030204" pitchFamily="49" charset="0"/>
+              </a:rPr>
+              <a:t>this</a:t>
+            </a:r>
+            <a:r>
+              <a:rPr lang="en-US" dirty="0">
+                <a:solidFill>
+                  <a:srgbClr val="000000"/>
+                </a:solidFill>
+                <a:latin typeface="Consolas" panose="020B0609020204030204" pitchFamily="49" charset="0"/>
+              </a:rPr>
+              <a:t> </a:t>
+            </a:r>
+            <a:r>
+              <a:rPr lang="en-US" dirty="0">
+                <a:solidFill>
+                  <a:srgbClr val="0000FF"/>
+                </a:solidFill>
+                <a:latin typeface="Consolas" panose="020B0609020204030204" pitchFamily="49" charset="0"/>
+              </a:rPr>
+              <a:t>string</a:t>
+            </a:r>
+            <a:r>
+              <a:rPr lang="en-US" dirty="0">
+                <a:solidFill>
+                  <a:srgbClr val="000000"/>
+                </a:solidFill>
+                <a:latin typeface="Consolas" panose="020B0609020204030204" pitchFamily="49" charset="0"/>
+              </a:rPr>
+              <a:t> str)</a:t>
+            </a:r>
+          </a:p>
+          <a:p>
+            <a:r>
+              <a:rPr lang="en-DK" dirty="0">
+                <a:solidFill>
+                  <a:srgbClr val="000000"/>
+                </a:solidFill>
+                <a:latin typeface="Consolas" panose="020B0609020204030204" pitchFamily="49" charset="0"/>
+              </a:rPr>
+              <a:t>    {</a:t>
+            </a:r>
+          </a:p>
+          <a:p>
+            <a:r>
+              <a:rPr lang="da-DK" dirty="0">
+                <a:solidFill>
+                  <a:srgbClr val="000000"/>
+                </a:solidFill>
+                <a:latin typeface="Consolas" panose="020B0609020204030204" pitchFamily="49" charset="0"/>
+              </a:rPr>
+              <a:t>        </a:t>
+            </a:r>
+            <a:r>
+              <a:rPr lang="da-DK" dirty="0">
+                <a:solidFill>
+                  <a:srgbClr val="0000FF"/>
+                </a:solidFill>
+                <a:latin typeface="Consolas" panose="020B0609020204030204" pitchFamily="49" charset="0"/>
+              </a:rPr>
+              <a:t>return</a:t>
+            </a:r>
+            <a:r>
+              <a:rPr lang="da-DK" dirty="0">
+                <a:solidFill>
+                  <a:srgbClr val="000000"/>
+                </a:solidFill>
+                <a:latin typeface="Consolas" panose="020B0609020204030204" pitchFamily="49" charset="0"/>
+              </a:rPr>
+              <a:t> str.Split(</a:t>
+            </a:r>
+          </a:p>
+          <a:p>
+            <a:r>
+              <a:rPr lang="da-DK" dirty="0">
+                <a:solidFill>
+                  <a:srgbClr val="000000"/>
+                </a:solidFill>
+                <a:latin typeface="Consolas" panose="020B0609020204030204" pitchFamily="49" charset="0"/>
+              </a:rPr>
+              <a:t>            </a:t>
+            </a:r>
+            <a:r>
+              <a:rPr lang="da-DK" dirty="0">
+                <a:solidFill>
+                  <a:srgbClr val="0000FF"/>
+                </a:solidFill>
+                <a:latin typeface="Consolas" panose="020B0609020204030204" pitchFamily="49" charset="0"/>
+              </a:rPr>
+              <a:t>new</a:t>
+            </a:r>
+            <a:r>
+              <a:rPr lang="da-DK" dirty="0">
+                <a:solidFill>
+                  <a:srgbClr val="000000"/>
+                </a:solidFill>
+                <a:latin typeface="Consolas" panose="020B0609020204030204" pitchFamily="49" charset="0"/>
+              </a:rPr>
+              <a:t> </a:t>
+            </a:r>
+            <a:r>
+              <a:rPr lang="da-DK" dirty="0">
+                <a:solidFill>
+                  <a:srgbClr val="0000FF"/>
+                </a:solidFill>
+                <a:latin typeface="Consolas" panose="020B0609020204030204" pitchFamily="49" charset="0"/>
+              </a:rPr>
+              <a:t>char</a:t>
+            </a:r>
+            <a:r>
+              <a:rPr lang="da-DK" dirty="0">
+                <a:solidFill>
+                  <a:srgbClr val="000000"/>
+                </a:solidFill>
+                <a:latin typeface="Consolas" panose="020B0609020204030204" pitchFamily="49" charset="0"/>
+              </a:rPr>
+              <a:t>[] { </a:t>
+            </a:r>
+            <a:r>
+              <a:rPr lang="da-DK" dirty="0">
+                <a:solidFill>
+                  <a:srgbClr val="A31515"/>
+                </a:solidFill>
+                <a:latin typeface="Consolas" panose="020B0609020204030204" pitchFamily="49" charset="0"/>
+              </a:rPr>
+              <a:t>' '</a:t>
+            </a:r>
+            <a:r>
+              <a:rPr lang="da-DK" dirty="0">
+                <a:solidFill>
+                  <a:srgbClr val="000000"/>
+                </a:solidFill>
+                <a:latin typeface="Consolas" panose="020B0609020204030204" pitchFamily="49" charset="0"/>
+              </a:rPr>
+              <a:t>, </a:t>
+            </a:r>
+            <a:r>
+              <a:rPr lang="da-DK" dirty="0">
+                <a:solidFill>
+                  <a:srgbClr val="A31515"/>
+                </a:solidFill>
+                <a:latin typeface="Consolas" panose="020B0609020204030204" pitchFamily="49" charset="0"/>
+              </a:rPr>
+              <a:t>'.'</a:t>
+            </a:r>
+            <a:r>
+              <a:rPr lang="da-DK" dirty="0">
+                <a:solidFill>
+                  <a:srgbClr val="000000"/>
+                </a:solidFill>
+                <a:latin typeface="Consolas" panose="020B0609020204030204" pitchFamily="49" charset="0"/>
+              </a:rPr>
+              <a:t>, </a:t>
+            </a:r>
+            <a:r>
+              <a:rPr lang="da-DK" dirty="0">
+                <a:solidFill>
+                  <a:srgbClr val="A31515"/>
+                </a:solidFill>
+                <a:latin typeface="Consolas" panose="020B0609020204030204" pitchFamily="49" charset="0"/>
+              </a:rPr>
+              <a:t>'?'</a:t>
+            </a:r>
+            <a:r>
+              <a:rPr lang="da-DK" dirty="0">
+                <a:solidFill>
+                  <a:srgbClr val="000000"/>
+                </a:solidFill>
+                <a:latin typeface="Consolas" panose="020B0609020204030204" pitchFamily="49" charset="0"/>
+              </a:rPr>
+              <a:t> }, </a:t>
+            </a:r>
+          </a:p>
+          <a:p>
+            <a:r>
+              <a:rPr lang="da-DK" dirty="0">
+                <a:solidFill>
+                  <a:srgbClr val="000000"/>
+                </a:solidFill>
+                <a:latin typeface="Consolas" panose="020B0609020204030204" pitchFamily="49" charset="0"/>
+              </a:rPr>
+              <a:t>            StringSplitOptions.RemoveEmptyEntries).Length;</a:t>
+            </a:r>
+          </a:p>
+          <a:p>
+            <a:r>
+              <a:rPr lang="en-DK" dirty="0">
+                <a:solidFill>
+                  <a:srgbClr val="000000"/>
+                </a:solidFill>
+                <a:latin typeface="Consolas" panose="020B0609020204030204" pitchFamily="49" charset="0"/>
+              </a:rPr>
+              <a:t>    }</a:t>
+            </a:r>
+          </a:p>
+          <a:p>
+            <a:r>
+              <a:rPr lang="en-DK" dirty="0">
+                <a:solidFill>
+                  <a:srgbClr val="000000"/>
+                </a:solidFill>
+                <a:latin typeface="Consolas" panose="020B0609020204030204" pitchFamily="49" charset="0"/>
+              </a:rPr>
+              <a:t>}</a:t>
+            </a:r>
+            <a:endParaRPr lang="en-DK" dirty="0"/>
+          </a:p>
+        </p:txBody>
+      </p:sp>
+    </p:spTree>
+    <p:extLst>
+      <p:ext uri="{BB962C8B-B14F-4D97-AF65-F5344CB8AC3E}">
+        <p14:creationId xmlns:p14="http://schemas.microsoft.com/office/powerpoint/2010/main" val="2599729435"/>
+      </p:ext>
+    </p:extLst>
+  </p:cSld>
+  <p:clrMapOvr>
+    <a:masterClrMapping/>
+  </p:clrMapOvr>
+  <p:transition>
+    <p:fade/>
+  </p:transition>
+</p:sld>
+</file>
+
+<file path=ppt/slides/slide18.xml><?xml version="1.0" encoding="utf-8"?>
+<p:sld xmlns:a="http://schemas.openxmlformats.org/drawingml/2006/main" xmlns:r="http://schemas.openxmlformats.org/officeDocument/2006/relationships" xmlns:p="http://schemas.openxmlformats.org/presentationml/2006/main">
+  <p:cSld>
     <p:spTree>
       <p:nvGrpSpPr>
         <p:cNvPr id="1" name=""/>
@@ -4700,14 +7478,14 @@
             <a:r>
               <a:rPr lang="da-DK" dirty="0">
                 <a:solidFill>
-                  <a:schemeClr val="bg1"/>
-                </a:solidFill>
-              </a:rPr>
-              <a:t>Linq</a:t>
+                  <a:schemeClr val="tx1"/>
+                </a:solidFill>
+              </a:rPr>
+              <a:t>LINQ</a:t>
             </a:r>
             <a:endParaRPr lang="en-DK" dirty="0">
               <a:solidFill>
-                <a:schemeClr val="bg1"/>
+                <a:schemeClr val="tx1"/>
               </a:solidFill>
             </a:endParaRPr>
           </a:p>
@@ -4715,35 +7493,481 @@
       </p:sp>
       <p:sp>
         <p:nvSpPr>
-          <p:cNvPr id="3" name="Text Placeholder 2">
+          <p:cNvPr id="4" name="Rectangle 3">
             <a:extLst>
               <a:ext uri="{FF2B5EF4-FFF2-40B4-BE49-F238E27FC236}">
-                <a16:creationId xmlns:a16="http://schemas.microsoft.com/office/drawing/2014/main" id="{9F0CF441-10E2-4402-8E81-4B2DA9307069}"/>
+                <a16:creationId xmlns:a16="http://schemas.microsoft.com/office/drawing/2014/main" id="{127F945E-3ED5-4672-96D8-A10E3F4CD622}"/>
               </a:ext>
             </a:extLst>
           </p:cNvPr>
-          <p:cNvSpPr>
-            <a:spLocks noGrp="1"/>
-          </p:cNvSpPr>
-          <p:nvPr>
-            <p:ph type="body" sz="quarter" idx="10"/>
-          </p:nvPr>
+          <p:cNvSpPr/>
+          <p:nvPr/>
         </p:nvSpPr>
         <p:spPr>
           <a:xfrm>
-            <a:off x="274209" y="1212850"/>
-            <a:ext cx="8778240" cy="683264"/>
+            <a:off x="914282" y="2125677"/>
+            <a:ext cx="7313534" cy="3139321"/>
           </a:xfrm>
+          <a:prstGeom prst="rect">
+            <a:avLst/>
+          </a:prstGeom>
         </p:spPr>
         <p:txBody>
-          <a:bodyPr/>
+          <a:bodyPr wrap="square">
+            <a:spAutoFit/>
+          </a:bodyPr>
           <a:lstStyle/>
           <a:p>
-            <a:endParaRPr lang="en-DK">
+            <a:r>
+              <a:rPr lang="da-DK" dirty="0">
+                <a:solidFill>
+                  <a:srgbClr val="000000"/>
+                </a:solidFill>
+                <a:latin typeface="Consolas" panose="020B0609020204030204" pitchFamily="49" charset="0"/>
+              </a:rPr>
+              <a:t>IEnumerable&lt;City&gt; cities = </a:t>
+            </a:r>
+            <a:r>
+              <a:rPr lang="da-DK" dirty="0">
+                <a:solidFill>
+                  <a:srgbClr val="0000FF"/>
+                </a:solidFill>
+                <a:latin typeface="Consolas" panose="020B0609020204030204" pitchFamily="49" charset="0"/>
+              </a:rPr>
+              <a:t>new</a:t>
+            </a:r>
+            <a:r>
+              <a:rPr lang="da-DK" dirty="0">
+                <a:solidFill>
+                  <a:srgbClr val="000000"/>
+                </a:solidFill>
+                <a:latin typeface="Consolas" panose="020B0609020204030204" pitchFamily="49" charset="0"/>
+              </a:rPr>
+              <a:t>[]</a:t>
+            </a:r>
+          </a:p>
+          <a:p>
+            <a:r>
+              <a:rPr lang="en-DK" dirty="0">
+                <a:solidFill>
+                  <a:srgbClr val="000000"/>
+                </a:solidFill>
+                <a:latin typeface="Consolas" panose="020B0609020204030204" pitchFamily="49" charset="0"/>
+              </a:rPr>
+              <a:t>{</a:t>
+            </a:r>
+          </a:p>
+          <a:p>
+            <a:r>
+              <a:rPr lang="en-US" dirty="0">
+                <a:solidFill>
+                  <a:srgbClr val="000000"/>
+                </a:solidFill>
+                <a:latin typeface="Consolas" panose="020B0609020204030204" pitchFamily="49" charset="0"/>
+              </a:rPr>
+              <a:t>    </a:t>
+            </a:r>
+            <a:r>
+              <a:rPr lang="en-US" dirty="0">
+                <a:solidFill>
+                  <a:srgbClr val="0000FF"/>
+                </a:solidFill>
+                <a:latin typeface="Consolas" panose="020B0609020204030204" pitchFamily="49" charset="0"/>
+              </a:rPr>
+              <a:t>new</a:t>
+            </a:r>
+            <a:r>
+              <a:rPr lang="en-US" dirty="0">
+                <a:solidFill>
+                  <a:srgbClr val="000000"/>
+                </a:solidFill>
+                <a:latin typeface="Consolas" panose="020B0609020204030204" pitchFamily="49" charset="0"/>
+              </a:rPr>
+              <a:t> City { Id = 1, Name = </a:t>
+            </a:r>
+            <a:r>
+              <a:rPr lang="en-US" dirty="0">
+                <a:solidFill>
+                  <a:srgbClr val="A31515"/>
+                </a:solidFill>
+                <a:latin typeface="Consolas" panose="020B0609020204030204" pitchFamily="49" charset="0"/>
+              </a:rPr>
+              <a:t>"Berlin"</a:t>
+            </a:r>
+            <a:r>
+              <a:rPr lang="en-US" dirty="0">
+                <a:solidFill>
+                  <a:srgbClr val="000000"/>
+                </a:solidFill>
+                <a:latin typeface="Consolas" panose="020B0609020204030204" pitchFamily="49" charset="0"/>
+              </a:rPr>
+              <a:t> },</a:t>
+            </a:r>
+          </a:p>
+          <a:p>
+            <a:r>
+              <a:rPr lang="en-US" dirty="0">
+                <a:solidFill>
+                  <a:srgbClr val="000000"/>
+                </a:solidFill>
+                <a:latin typeface="Consolas" panose="020B0609020204030204" pitchFamily="49" charset="0"/>
+              </a:rPr>
+              <a:t>    </a:t>
+            </a:r>
+            <a:r>
+              <a:rPr lang="en-US" dirty="0">
+                <a:solidFill>
+                  <a:srgbClr val="0000FF"/>
+                </a:solidFill>
+                <a:latin typeface="Consolas" panose="020B0609020204030204" pitchFamily="49" charset="0"/>
+              </a:rPr>
+              <a:t>new</a:t>
+            </a:r>
+            <a:r>
+              <a:rPr lang="en-US" dirty="0">
+                <a:solidFill>
+                  <a:srgbClr val="000000"/>
+                </a:solidFill>
+                <a:latin typeface="Consolas" panose="020B0609020204030204" pitchFamily="49" charset="0"/>
+              </a:rPr>
+              <a:t> City { Id = 2, Name = </a:t>
+            </a:r>
+            <a:r>
+              <a:rPr lang="en-US" dirty="0">
+                <a:solidFill>
+                  <a:srgbClr val="A31515"/>
+                </a:solidFill>
+                <a:latin typeface="Consolas" panose="020B0609020204030204" pitchFamily="49" charset="0"/>
+              </a:rPr>
+              <a:t>"Hamburg"</a:t>
+            </a:r>
+            <a:r>
+              <a:rPr lang="en-US" dirty="0">
+                <a:solidFill>
+                  <a:srgbClr val="000000"/>
+                </a:solidFill>
+                <a:latin typeface="Consolas" panose="020B0609020204030204" pitchFamily="49" charset="0"/>
+              </a:rPr>
+              <a:t> },</a:t>
+            </a:r>
+          </a:p>
+          <a:p>
+            <a:r>
+              <a:rPr lang="en-US" dirty="0">
+                <a:solidFill>
+                  <a:srgbClr val="000000"/>
+                </a:solidFill>
+                <a:latin typeface="Consolas" panose="020B0609020204030204" pitchFamily="49" charset="0"/>
+              </a:rPr>
+              <a:t>    </a:t>
+            </a:r>
+            <a:r>
+              <a:rPr lang="en-US" dirty="0">
+                <a:solidFill>
+                  <a:srgbClr val="0000FF"/>
+                </a:solidFill>
+                <a:latin typeface="Consolas" panose="020B0609020204030204" pitchFamily="49" charset="0"/>
+              </a:rPr>
+              <a:t>new</a:t>
+            </a:r>
+            <a:r>
+              <a:rPr lang="en-US" dirty="0">
+                <a:solidFill>
+                  <a:srgbClr val="000000"/>
+                </a:solidFill>
+                <a:latin typeface="Consolas" panose="020B0609020204030204" pitchFamily="49" charset="0"/>
+              </a:rPr>
+              <a:t> City { Id = 3, Name = </a:t>
+            </a:r>
+            <a:r>
+              <a:rPr lang="en-US" dirty="0">
+                <a:solidFill>
+                  <a:srgbClr val="A31515"/>
+                </a:solidFill>
+                <a:latin typeface="Consolas" panose="020B0609020204030204" pitchFamily="49" charset="0"/>
+              </a:rPr>
+              <a:t>"Frankfurt"</a:t>
+            </a:r>
+            <a:r>
+              <a:rPr lang="en-US" dirty="0">
+                <a:solidFill>
+                  <a:srgbClr val="000000"/>
+                </a:solidFill>
+                <a:latin typeface="Consolas" panose="020B0609020204030204" pitchFamily="49" charset="0"/>
+              </a:rPr>
+              <a:t> },</a:t>
+            </a:r>
+          </a:p>
+          <a:p>
+            <a:r>
+              <a:rPr lang="en-US" dirty="0">
+                <a:solidFill>
+                  <a:srgbClr val="000000"/>
+                </a:solidFill>
+                <a:latin typeface="Consolas" panose="020B0609020204030204" pitchFamily="49" charset="0"/>
+              </a:rPr>
+              <a:t>    </a:t>
+            </a:r>
+            <a:r>
+              <a:rPr lang="en-US" dirty="0">
+                <a:solidFill>
+                  <a:srgbClr val="0000FF"/>
+                </a:solidFill>
+                <a:latin typeface="Consolas" panose="020B0609020204030204" pitchFamily="49" charset="0"/>
+              </a:rPr>
+              <a:t>new</a:t>
+            </a:r>
+            <a:r>
+              <a:rPr lang="en-US" dirty="0">
+                <a:solidFill>
+                  <a:srgbClr val="000000"/>
+                </a:solidFill>
+                <a:latin typeface="Consolas" panose="020B0609020204030204" pitchFamily="49" charset="0"/>
+              </a:rPr>
+              <a:t> City { Id = 4, Name = </a:t>
+            </a:r>
+            <a:r>
+              <a:rPr lang="en-US" dirty="0">
+                <a:solidFill>
+                  <a:srgbClr val="A31515"/>
+                </a:solidFill>
+                <a:latin typeface="Consolas" panose="020B0609020204030204" pitchFamily="49" charset="0"/>
+              </a:rPr>
+              <a:t>"Munich"</a:t>
+            </a:r>
+            <a:r>
+              <a:rPr lang="en-US" dirty="0">
+                <a:solidFill>
+                  <a:srgbClr val="000000"/>
+                </a:solidFill>
+                <a:latin typeface="Consolas" panose="020B0609020204030204" pitchFamily="49" charset="0"/>
+              </a:rPr>
+              <a:t> }</a:t>
+            </a:r>
+          </a:p>
+          <a:p>
+            <a:r>
+              <a:rPr lang="en-DK" dirty="0">
+                <a:solidFill>
+                  <a:srgbClr val="000000"/>
+                </a:solidFill>
+                <a:latin typeface="Consolas" panose="020B0609020204030204" pitchFamily="49" charset="0"/>
+              </a:rPr>
+              <a:t>};</a:t>
+            </a:r>
+          </a:p>
+          <a:p>
+            <a:endParaRPr lang="en-DK" dirty="0">
               <a:solidFill>
-                <a:schemeClr val="bg1"/>
+                <a:srgbClr val="000000"/>
               </a:solidFill>
+              <a:latin typeface="Consolas" panose="020B0609020204030204" pitchFamily="49" charset="0"/>
             </a:endParaRPr>
+          </a:p>
+          <a:p>
+            <a:r>
+              <a:rPr lang="en-US" dirty="0">
+                <a:solidFill>
+                  <a:srgbClr val="0000FF"/>
+                </a:solidFill>
+                <a:latin typeface="Consolas" panose="020B0609020204030204" pitchFamily="49" charset="0"/>
+              </a:rPr>
+              <a:t>var</a:t>
+            </a:r>
+            <a:r>
+              <a:rPr lang="en-US" dirty="0">
+                <a:solidFill>
+                  <a:srgbClr val="000000"/>
+                </a:solidFill>
+                <a:latin typeface="Consolas" panose="020B0609020204030204" pitchFamily="49" charset="0"/>
+              </a:rPr>
+              <a:t> sorted = </a:t>
+            </a:r>
+            <a:r>
+              <a:rPr lang="en-US" dirty="0">
+                <a:solidFill>
+                  <a:srgbClr val="0000FF"/>
+                </a:solidFill>
+                <a:latin typeface="Consolas" panose="020B0609020204030204" pitchFamily="49" charset="0"/>
+              </a:rPr>
+              <a:t>from</a:t>
+            </a:r>
+            <a:r>
+              <a:rPr lang="en-US" dirty="0">
+                <a:solidFill>
+                  <a:srgbClr val="000000"/>
+                </a:solidFill>
+                <a:latin typeface="Consolas" panose="020B0609020204030204" pitchFamily="49" charset="0"/>
+              </a:rPr>
+              <a:t> c </a:t>
+            </a:r>
+            <a:r>
+              <a:rPr lang="en-US" dirty="0">
+                <a:solidFill>
+                  <a:srgbClr val="0000FF"/>
+                </a:solidFill>
+                <a:latin typeface="Consolas" panose="020B0609020204030204" pitchFamily="49" charset="0"/>
+              </a:rPr>
+              <a:t>in</a:t>
+            </a:r>
+            <a:r>
+              <a:rPr lang="en-US" dirty="0">
+                <a:solidFill>
+                  <a:srgbClr val="000000"/>
+                </a:solidFill>
+                <a:latin typeface="Consolas" panose="020B0609020204030204" pitchFamily="49" charset="0"/>
+              </a:rPr>
+              <a:t> cities</a:t>
+            </a:r>
+          </a:p>
+          <a:p>
+            <a:r>
+              <a:rPr lang="en-US" dirty="0">
+                <a:solidFill>
+                  <a:srgbClr val="000000"/>
+                </a:solidFill>
+                <a:latin typeface="Consolas" panose="020B0609020204030204" pitchFamily="49" charset="0"/>
+              </a:rPr>
+              <a:t>             </a:t>
+            </a:r>
+            <a:r>
+              <a:rPr lang="en-US" dirty="0">
+                <a:solidFill>
+                  <a:srgbClr val="0000FF"/>
+                </a:solidFill>
+                <a:latin typeface="Consolas" panose="020B0609020204030204" pitchFamily="49" charset="0"/>
+              </a:rPr>
+              <a:t>where</a:t>
+            </a:r>
+            <a:r>
+              <a:rPr lang="en-US" dirty="0">
+                <a:solidFill>
+                  <a:srgbClr val="000000"/>
+                </a:solidFill>
+                <a:latin typeface="Consolas" panose="020B0609020204030204" pitchFamily="49" charset="0"/>
+              </a:rPr>
+              <a:t> </a:t>
+            </a:r>
+            <a:r>
+              <a:rPr lang="en-US" dirty="0" err="1">
+                <a:solidFill>
+                  <a:srgbClr val="000000"/>
+                </a:solidFill>
+                <a:latin typeface="Consolas" panose="020B0609020204030204" pitchFamily="49" charset="0"/>
+              </a:rPr>
+              <a:t>c.Name.Contains</a:t>
+            </a:r>
+            <a:r>
+              <a:rPr lang="en-US" dirty="0">
+                <a:solidFill>
+                  <a:srgbClr val="000000"/>
+                </a:solidFill>
+                <a:latin typeface="Consolas" panose="020B0609020204030204" pitchFamily="49" charset="0"/>
+              </a:rPr>
+              <a:t>(</a:t>
+            </a:r>
+            <a:r>
+              <a:rPr lang="en-US" dirty="0">
+                <a:solidFill>
+                  <a:srgbClr val="A31515"/>
+                </a:solidFill>
+                <a:latin typeface="Consolas" panose="020B0609020204030204" pitchFamily="49" charset="0"/>
+              </a:rPr>
+              <a:t>"</a:t>
+            </a:r>
+            <a:r>
+              <a:rPr lang="en-US" dirty="0" err="1">
+                <a:solidFill>
+                  <a:srgbClr val="A31515"/>
+                </a:solidFill>
+                <a:latin typeface="Consolas" panose="020B0609020204030204" pitchFamily="49" charset="0"/>
+              </a:rPr>
+              <a:t>i</a:t>
+            </a:r>
+            <a:r>
+              <a:rPr lang="en-US" dirty="0">
+                <a:solidFill>
+                  <a:srgbClr val="A31515"/>
+                </a:solidFill>
+                <a:latin typeface="Consolas" panose="020B0609020204030204" pitchFamily="49" charset="0"/>
+              </a:rPr>
+              <a:t>"</a:t>
+            </a:r>
+            <a:r>
+              <a:rPr lang="en-US" dirty="0">
+                <a:solidFill>
+                  <a:srgbClr val="000000"/>
+                </a:solidFill>
+                <a:latin typeface="Consolas" panose="020B0609020204030204" pitchFamily="49" charset="0"/>
+              </a:rPr>
+              <a:t>)</a:t>
+            </a:r>
+          </a:p>
+          <a:p>
+            <a:r>
+              <a:rPr lang="en-US" dirty="0">
+                <a:solidFill>
+                  <a:srgbClr val="000000"/>
+                </a:solidFill>
+                <a:latin typeface="Consolas" panose="020B0609020204030204" pitchFamily="49" charset="0"/>
+              </a:rPr>
+              <a:t>             </a:t>
+            </a:r>
+            <a:r>
+              <a:rPr lang="en-US" dirty="0">
+                <a:solidFill>
+                  <a:srgbClr val="0000FF"/>
+                </a:solidFill>
+                <a:latin typeface="Consolas" panose="020B0609020204030204" pitchFamily="49" charset="0"/>
+              </a:rPr>
+              <a:t>select</a:t>
+            </a:r>
+            <a:r>
+              <a:rPr lang="en-US" dirty="0">
+                <a:solidFill>
+                  <a:srgbClr val="000000"/>
+                </a:solidFill>
+                <a:latin typeface="Consolas" panose="020B0609020204030204" pitchFamily="49" charset="0"/>
+              </a:rPr>
+              <a:t> </a:t>
+            </a:r>
+            <a:r>
+              <a:rPr lang="en-US" dirty="0">
+                <a:solidFill>
+                  <a:srgbClr val="0000FF"/>
+                </a:solidFill>
+                <a:latin typeface="Consolas" panose="020B0609020204030204" pitchFamily="49" charset="0"/>
+              </a:rPr>
+              <a:t>new</a:t>
+            </a:r>
+            <a:r>
+              <a:rPr lang="en-US" dirty="0">
+                <a:solidFill>
+                  <a:srgbClr val="000000"/>
+                </a:solidFill>
+                <a:latin typeface="Consolas" panose="020B0609020204030204" pitchFamily="49" charset="0"/>
+              </a:rPr>
+              <a:t> { N = </a:t>
+            </a:r>
+            <a:r>
+              <a:rPr lang="en-US" dirty="0" err="1">
+                <a:solidFill>
+                  <a:srgbClr val="000000"/>
+                </a:solidFill>
+                <a:latin typeface="Consolas" panose="020B0609020204030204" pitchFamily="49" charset="0"/>
+              </a:rPr>
+              <a:t>c.Name</a:t>
+            </a:r>
+            <a:r>
+              <a:rPr lang="en-US" dirty="0">
+                <a:solidFill>
+                  <a:srgbClr val="000000"/>
+                </a:solidFill>
+                <a:latin typeface="Consolas" panose="020B0609020204030204" pitchFamily="49" charset="0"/>
+              </a:rPr>
+              <a:t> };</a:t>
+            </a:r>
+            <a:endParaRPr lang="en-DK" dirty="0"/>
           </a:p>
         </p:txBody>
       </p:sp>
@@ -4763,7 +7987,431 @@
 </p:sld>
 </file>
 
+<file path=ppt/slides/slide19.xml><?xml version="1.0" encoding="utf-8"?>
+<p:sld xmlns:a="http://schemas.openxmlformats.org/drawingml/2006/main" xmlns:r="http://schemas.openxmlformats.org/officeDocument/2006/relationships" xmlns:p="http://schemas.openxmlformats.org/presentationml/2006/main">
+  <p:cSld>
+    <p:bg>
+      <p:bgPr>
+        <a:solidFill>
+          <a:srgbClr val="00188F"/>
+        </a:solidFill>
+        <a:effectLst/>
+      </p:bgPr>
+    </p:bg>
+    <p:spTree>
+      <p:nvGrpSpPr>
+        <p:cNvPr id="1" name=""/>
+        <p:cNvGrpSpPr/>
+        <p:nvPr/>
+      </p:nvGrpSpPr>
+      <p:grpSpPr>
+        <a:xfrm>
+          <a:off x="0" y="0"/>
+          <a:ext cx="0" cy="0"/>
+          <a:chOff x="0" y="0"/>
+          <a:chExt cx="0" cy="0"/>
+        </a:xfrm>
+      </p:grpSpPr>
+      <p:sp>
+        <p:nvSpPr>
+          <p:cNvPr id="2" name="Title 1">
+            <a:extLst>
+              <a:ext uri="{FF2B5EF4-FFF2-40B4-BE49-F238E27FC236}">
+                <a16:creationId xmlns:a16="http://schemas.microsoft.com/office/drawing/2014/main" id="{ECC86738-B653-42B8-94AA-ADBBEC718096}"/>
+              </a:ext>
+            </a:extLst>
+          </p:cNvPr>
+          <p:cNvSpPr>
+            <a:spLocks noGrp="1"/>
+          </p:cNvSpPr>
+          <p:nvPr>
+            <p:ph type="title"/>
+          </p:nvPr>
+        </p:nvSpPr>
+        <p:spPr/>
+        <p:txBody>
+          <a:bodyPr/>
+          <a:lstStyle/>
+          <a:p>
+            <a:r>
+              <a:rPr lang="en-US" dirty="0">
+                <a:solidFill>
+                  <a:schemeClr val="tx1"/>
+                </a:solidFill>
+              </a:rPr>
+              <a:t>LINQ demo</a:t>
+            </a:r>
+            <a:br>
+              <a:rPr lang="en-US" dirty="0">
+                <a:solidFill>
+                  <a:schemeClr val="tx1"/>
+                </a:solidFill>
+              </a:rPr>
+            </a:br>
+            <a:endParaRPr lang="en-DK" dirty="0">
+              <a:solidFill>
+                <a:schemeClr val="tx1"/>
+              </a:solidFill>
+            </a:endParaRPr>
+          </a:p>
+        </p:txBody>
+      </p:sp>
+    </p:spTree>
+    <p:extLst>
+      <p:ext uri="{BB962C8B-B14F-4D97-AF65-F5344CB8AC3E}">
+        <p14:creationId xmlns:p14="http://schemas.microsoft.com/office/powerpoint/2010/main" val="2143387199"/>
+      </p:ext>
+    </p:extLst>
+  </p:cSld>
+  <p:clrMapOvr>
+    <a:masterClrMapping/>
+  </p:clrMapOvr>
+  <p:transition>
+    <p:fade/>
+  </p:transition>
+</p:sld>
+</file>
+
 <file path=ppt/slides/slide2.xml><?xml version="1.0" encoding="utf-8"?>
+<p:sld xmlns:a="http://schemas.openxmlformats.org/drawingml/2006/main" xmlns:r="http://schemas.openxmlformats.org/officeDocument/2006/relationships" xmlns:p="http://schemas.openxmlformats.org/presentationml/2006/main">
+  <p:cSld>
+    <p:bg>
+      <p:bgPr>
+        <a:solidFill>
+          <a:srgbClr val="333333"/>
+        </a:solidFill>
+        <a:effectLst/>
+      </p:bgPr>
+    </p:bg>
+    <p:spTree>
+      <p:nvGrpSpPr>
+        <p:cNvPr id="1" name=""/>
+        <p:cNvGrpSpPr/>
+        <p:nvPr/>
+      </p:nvGrpSpPr>
+      <p:grpSpPr>
+        <a:xfrm>
+          <a:off x="0" y="0"/>
+          <a:ext cx="0" cy="0"/>
+          <a:chOff x="0" y="0"/>
+          <a:chExt cx="0" cy="0"/>
+        </a:xfrm>
+      </p:grpSpPr>
+      <p:sp>
+        <p:nvSpPr>
+          <p:cNvPr id="9" name="Title 8">
+            <a:extLst>
+              <a:ext uri="{FF2B5EF4-FFF2-40B4-BE49-F238E27FC236}">
+                <a16:creationId xmlns:a16="http://schemas.microsoft.com/office/drawing/2014/main" id="{579717C4-9C95-4608-AD7B-9551A9224A3A}"/>
+              </a:ext>
+            </a:extLst>
+          </p:cNvPr>
+          <p:cNvSpPr>
+            <a:spLocks noGrp="1"/>
+          </p:cNvSpPr>
+          <p:nvPr>
+            <p:ph type="title"/>
+          </p:nvPr>
+        </p:nvSpPr>
+        <p:spPr/>
+        <p:txBody>
+          <a:bodyPr/>
+          <a:lstStyle/>
+          <a:p>
+            <a:r>
+              <a:rPr lang="da-DK" dirty="0">
+                <a:solidFill>
+                  <a:schemeClr val="bg1"/>
+                </a:solidFill>
+              </a:rPr>
+              <a:t>The Project</a:t>
+            </a:r>
+            <a:endParaRPr lang="en-DK" dirty="0">
+              <a:solidFill>
+                <a:schemeClr val="bg1"/>
+              </a:solidFill>
+            </a:endParaRPr>
+          </a:p>
+        </p:txBody>
+      </p:sp>
+      <p:sp>
+        <p:nvSpPr>
+          <p:cNvPr id="10" name="Text Placeholder 9">
+            <a:extLst>
+              <a:ext uri="{FF2B5EF4-FFF2-40B4-BE49-F238E27FC236}">
+                <a16:creationId xmlns:a16="http://schemas.microsoft.com/office/drawing/2014/main" id="{03DBFA85-71F2-4BE9-87DE-5BF1F823D6AE}"/>
+              </a:ext>
+            </a:extLst>
+          </p:cNvPr>
+          <p:cNvSpPr>
+            <a:spLocks noGrp="1"/>
+          </p:cNvSpPr>
+          <p:nvPr>
+            <p:ph type="body" sz="quarter" idx="10"/>
+          </p:nvPr>
+        </p:nvSpPr>
+        <p:spPr>
+          <a:xfrm>
+            <a:off x="274209" y="1212850"/>
+            <a:ext cx="8778240" cy="5503045"/>
+          </a:xfrm>
+          <a:solidFill>
+            <a:srgbClr val="BA141A"/>
+          </a:solidFill>
+        </p:spPr>
+        <p:txBody>
+          <a:bodyPr/>
+          <a:lstStyle/>
+          <a:p>
+            <a:r>
+              <a:rPr lang="da-DK" sz="9600" dirty="0">
+                <a:solidFill>
+                  <a:schemeClr val="bg1"/>
+                </a:solidFill>
+              </a:rPr>
+              <a:t>Choice of technology is still not up for debate!</a:t>
+            </a:r>
+            <a:endParaRPr lang="en-DK" sz="9600" dirty="0">
+              <a:solidFill>
+                <a:schemeClr val="bg1"/>
+              </a:solidFill>
+            </a:endParaRPr>
+          </a:p>
+        </p:txBody>
+      </p:sp>
+      <p:sp>
+        <p:nvSpPr>
+          <p:cNvPr id="3" name="TextBox 2">
+            <a:extLst>
+              <a:ext uri="{FF2B5EF4-FFF2-40B4-BE49-F238E27FC236}">
+                <a16:creationId xmlns:a16="http://schemas.microsoft.com/office/drawing/2014/main" id="{95A4AC30-CC10-4A3F-A465-D94C51D004D8}"/>
+              </a:ext>
+            </a:extLst>
+          </p:cNvPr>
+          <p:cNvSpPr txBox="1"/>
+          <p:nvPr/>
+        </p:nvSpPr>
+        <p:spPr>
+          <a:xfrm>
+            <a:off x="1200481" y="1918259"/>
+            <a:ext cx="6924011" cy="4173450"/>
+          </a:xfrm>
+          <a:prstGeom prst="rect">
+            <a:avLst/>
+          </a:prstGeom>
+          <a:solidFill>
+            <a:srgbClr val="00B050"/>
+          </a:solidFill>
+        </p:spPr>
+        <p:txBody>
+          <a:bodyPr wrap="none" lIns="182880" tIns="146304" rIns="182880" bIns="146304" rtlCol="0">
+            <a:spAutoFit/>
+          </a:bodyPr>
+          <a:lstStyle/>
+          <a:p>
+            <a:pPr>
+              <a:lnSpc>
+                <a:spcPct val="90000"/>
+              </a:lnSpc>
+            </a:pPr>
+            <a:r>
+              <a:rPr lang="en-US" sz="4000" dirty="0">
+                <a:solidFill>
+                  <a:schemeClr val="bg1"/>
+                </a:solidFill>
+              </a:rPr>
+              <a:t>Microsoft SQL Server</a:t>
+            </a:r>
+          </a:p>
+          <a:p>
+            <a:pPr>
+              <a:lnSpc>
+                <a:spcPct val="90000"/>
+              </a:lnSpc>
+            </a:pPr>
+            <a:r>
+              <a:rPr lang="en-US" sz="4000" dirty="0">
+                <a:solidFill>
+                  <a:schemeClr val="bg1"/>
+                </a:solidFill>
+              </a:rPr>
+              <a:t>ASP.NET Core (Web API)</a:t>
+            </a:r>
+          </a:p>
+          <a:p>
+            <a:pPr>
+              <a:lnSpc>
+                <a:spcPct val="90000"/>
+              </a:lnSpc>
+            </a:pPr>
+            <a:r>
+              <a:rPr lang="en-US" sz="4000" dirty="0" err="1">
+                <a:solidFill>
+                  <a:schemeClr val="bg1"/>
+                </a:solidFill>
+              </a:rPr>
+              <a:t>Xamarin.Forms</a:t>
+            </a:r>
+            <a:r>
+              <a:rPr lang="en-US" sz="4000" dirty="0">
+                <a:solidFill>
+                  <a:schemeClr val="bg1"/>
+                </a:solidFill>
+              </a:rPr>
+              <a:t> or UWP app</a:t>
+            </a:r>
+          </a:p>
+          <a:p>
+            <a:pPr>
+              <a:lnSpc>
+                <a:spcPct val="90000"/>
+              </a:lnSpc>
+            </a:pPr>
+            <a:endParaRPr lang="en-US" sz="4000" dirty="0">
+              <a:solidFill>
+                <a:schemeClr val="bg1"/>
+              </a:solidFill>
+            </a:endParaRPr>
+          </a:p>
+          <a:p>
+            <a:pPr>
+              <a:lnSpc>
+                <a:spcPct val="90000"/>
+              </a:lnSpc>
+            </a:pPr>
+            <a:r>
+              <a:rPr lang="en-US" sz="4000" dirty="0">
+                <a:solidFill>
+                  <a:schemeClr val="bg1"/>
+                </a:solidFill>
+              </a:rPr>
+              <a:t>Must be able to build, test, </a:t>
+            </a:r>
+          </a:p>
+          <a:p>
+            <a:pPr>
+              <a:lnSpc>
+                <a:spcPct val="90000"/>
+              </a:lnSpc>
+            </a:pPr>
+            <a:r>
+              <a:rPr lang="en-US" sz="4000" dirty="0">
+                <a:solidFill>
+                  <a:schemeClr val="bg1"/>
+                </a:solidFill>
+              </a:rPr>
+              <a:t>and run on a Windows 10 PC</a:t>
+            </a:r>
+          </a:p>
+          <a:p>
+            <a:pPr>
+              <a:lnSpc>
+                <a:spcPct val="90000"/>
+              </a:lnSpc>
+            </a:pPr>
+            <a:endParaRPr lang="en-DK" sz="4000" dirty="0" err="1">
+              <a:solidFill>
+                <a:schemeClr val="bg1"/>
+              </a:solidFill>
+            </a:endParaRPr>
+          </a:p>
+        </p:txBody>
+      </p:sp>
+    </p:spTree>
+    <p:extLst>
+      <p:ext uri="{BB962C8B-B14F-4D97-AF65-F5344CB8AC3E}">
+        <p14:creationId xmlns:p14="http://schemas.microsoft.com/office/powerpoint/2010/main" val="2508686586"/>
+      </p:ext>
+    </p:extLst>
+  </p:cSld>
+  <p:clrMapOvr>
+    <a:masterClrMapping/>
+  </p:clrMapOvr>
+  <p:transition>
+    <p:fade/>
+  </p:transition>
+  <p:timing>
+    <p:tnLst>
+      <p:par>
+        <p:cTn id="1" dur="indefinite" restart="never" nodeType="tmRoot">
+          <p:childTnLst>
+            <p:seq concurrent="1" nextAc="seek">
+              <p:cTn id="2" dur="indefinite" nodeType="mainSeq">
+                <p:childTnLst>
+                  <p:par>
+                    <p:cTn id="3" fill="hold">
+                      <p:stCondLst>
+                        <p:cond delay="indefinite"/>
+                      </p:stCondLst>
+                      <p:childTnLst>
+                        <p:par>
+                          <p:cTn id="4" fill="hold">
+                            <p:stCondLst>
+                              <p:cond delay="0"/>
+                            </p:stCondLst>
+                            <p:childTnLst>
+                              <p:par>
+                                <p:cTn id="5" presetID="1" presetClass="entr" presetSubtype="0" fill="hold" grpId="0" nodeType="clickEffect">
+                                  <p:stCondLst>
+                                    <p:cond delay="0"/>
+                                  </p:stCondLst>
+                                  <p:childTnLst>
+                                    <p:set>
+                                      <p:cBhvr>
+                                        <p:cTn id="6" dur="1" fill="hold">
+                                          <p:stCondLst>
+                                            <p:cond delay="0"/>
+                                          </p:stCondLst>
+                                        </p:cTn>
+                                        <p:tgtEl>
+                                          <p:spTgt spid="3"/>
+                                        </p:tgtEl>
+                                        <p:attrNameLst>
+                                          <p:attrName>style.visibility</p:attrName>
+                                        </p:attrNameLst>
+                                      </p:cBhvr>
+                                      <p:to>
+                                        <p:strVal val="visible"/>
+                                      </p:to>
+                                    </p:set>
+                                  </p:childTnLst>
+                                </p:cTn>
+                              </p:par>
+                            </p:childTnLst>
+                          </p:cTn>
+                        </p:par>
+                      </p:childTnLst>
+                    </p:cTn>
+                  </p:par>
+                </p:childTnLst>
+              </p:cTn>
+              <p:prevCondLst>
+                <p:cond evt="onPrev" delay="0">
+                  <p:tgtEl>
+                    <p:sldTgt/>
+                  </p:tgtEl>
+                </p:cond>
+              </p:prevCondLst>
+              <p:nextCondLst>
+                <p:cond evt="onNext" delay="0">
+                  <p:tgtEl>
+                    <p:sldTgt/>
+                  </p:tgtEl>
+                </p:cond>
+              </p:nextCondLst>
+            </p:seq>
+          </p:childTnLst>
+        </p:cTn>
+      </p:par>
+    </p:tnLst>
+    <p:bldLst>
+      <p:bldP spid="3" grpId="0" animBg="1"/>
+    </p:bldLst>
+  </p:timing>
+</p:sld>
+</file>
+
+<file path=ppt/slides/slide3.xml><?xml version="1.0" encoding="utf-8"?>
 <p:sld xmlns:a="http://schemas.openxmlformats.org/drawingml/2006/main" xmlns:r="http://schemas.openxmlformats.org/officeDocument/2006/relationships" xmlns:p="http://schemas.openxmlformats.org/presentationml/2006/main">
   <p:cSld>
     <p:bg>
@@ -4827,20 +8475,13 @@
         <p:spPr>
           <a:xfrm>
             <a:off x="274209" y="1212850"/>
-            <a:ext cx="8778240" cy="4801314"/>
+            <a:ext cx="8778240" cy="5478423"/>
           </a:xfrm>
         </p:spPr>
         <p:txBody>
           <a:bodyPr/>
           <a:lstStyle/>
           <a:p>
-            <a:endParaRPr lang="en-US" sz="4000" dirty="0">
-              <a:solidFill>
-                <a:schemeClr val="bg1"/>
-              </a:solidFill>
-            </a:endParaRPr>
-          </a:p>
-          <a:p>
             <a:r>
               <a:rPr lang="en-US" sz="4000" dirty="0">
                 <a:solidFill>
@@ -4857,6 +8498,36 @@
                   <a:schemeClr val="bg1"/>
                 </a:solidFill>
               </a:rPr>
+              <a:t>Delegates</a:t>
+            </a:r>
+          </a:p>
+          <a:p>
+            <a:r>
+              <a:rPr lang="en-US" sz="4000" dirty="0">
+                <a:solidFill>
+                  <a:schemeClr val="bg1"/>
+                </a:solidFill>
+              </a:rPr>
+              <a:t>Lambda expressions</a:t>
+            </a:r>
+          </a:p>
+          <a:p>
+            <a:r>
+              <a:rPr lang="en-US" sz="4000" dirty="0">
+                <a:solidFill>
+                  <a:schemeClr val="bg1"/>
+                </a:solidFill>
+              </a:rPr>
+              <a:t>(Local functions)</a:t>
+            </a:r>
+          </a:p>
+          <a:p>
+            <a:r>
+              <a:rPr lang="en-US" sz="4000" dirty="0">
+                <a:solidFill>
+                  <a:schemeClr val="bg1"/>
+                </a:solidFill>
+              </a:rPr>
               <a:t>Anonymous types</a:t>
             </a:r>
           </a:p>
@@ -4867,17 +8538,7 @@
                   <a:schemeClr val="bg1"/>
                 </a:solidFill>
               </a:rPr>
-              <a:t>Delegates</a:t>
-            </a:r>
-          </a:p>
-          <a:p>
-            <a:r>
-              <a:rPr lang="en-US" sz="4000" dirty="0">
-                <a:solidFill>
-                  <a:schemeClr val="bg1"/>
-                </a:solidFill>
-              </a:rPr>
-              <a:t>Lambda expressions</a:t>
+              <a:t>(Tuples)</a:t>
             </a:r>
           </a:p>
           <a:p>
@@ -4910,7 +8571,7 @@
         </p:nvSpPr>
         <p:spPr bwMode="auto">
           <a:xfrm rot="2823515">
-            <a:off x="4645646" y="2002785"/>
+            <a:off x="5412000" y="1498894"/>
             <a:ext cx="3931877" cy="914390"/>
           </a:xfrm>
           <a:prstGeom prst="rect">
@@ -4976,7 +8637,256 @@
                 <a:ea typeface="Segoe UI" pitchFamily="34" charset="0"/>
                 <a:cs typeface="Segoe UI" pitchFamily="34" charset="0"/>
               </a:rPr>
+              <a:t>Properties</a:t>
+            </a:r>
+          </a:p>
+        </p:txBody>
+      </p:sp>
+      <p:sp>
+        <p:nvSpPr>
+          <p:cNvPr id="5" name="Rectangle 4">
+            <a:extLst>
+              <a:ext uri="{FF2B5EF4-FFF2-40B4-BE49-F238E27FC236}">
+                <a16:creationId xmlns:a16="http://schemas.microsoft.com/office/drawing/2014/main" id="{5B737F5C-C571-4904-9958-0DF6F973561A}"/>
+              </a:ext>
+            </a:extLst>
+          </p:cNvPr>
+          <p:cNvSpPr/>
+          <p:nvPr/>
+        </p:nvSpPr>
+        <p:spPr bwMode="auto">
+          <a:xfrm rot="2823515">
+            <a:off x="5102840" y="2745829"/>
+            <a:ext cx="3931877" cy="914390"/>
+          </a:xfrm>
+          <a:prstGeom prst="rect">
+            <a:avLst/>
+          </a:prstGeom>
+          <a:solidFill>
+            <a:srgbClr val="68217A"/>
+          </a:solidFill>
+          <a:ln>
+            <a:noFill/>
+            <a:headEnd type="none" w="med" len="med"/>
+            <a:tailEnd type="none" w="med" len="med"/>
+          </a:ln>
+          <a:effectLst/>
+        </p:spPr>
+        <p:style>
+          <a:lnRef idx="1">
+            <a:schemeClr val="accent2"/>
+          </a:lnRef>
+          <a:fillRef idx="3">
+            <a:schemeClr val="accent2"/>
+          </a:fillRef>
+          <a:effectRef idx="2">
+            <a:schemeClr val="accent2"/>
+          </a:effectRef>
+          <a:fontRef idx="minor">
+            <a:schemeClr val="lt1"/>
+          </a:fontRef>
+        </p:style>
+        <p:txBody>
+          <a:bodyPr rot="0" spcFirstLastPara="0" vertOverflow="overflow" horzOverflow="overflow" vert="horz" wrap="square" lIns="182880" tIns="146304" rIns="182880" bIns="146304" numCol="1" spcCol="0" rtlCol="0" fromWordArt="0" anchor="t" anchorCtr="0" forceAA="0" compatLnSpc="1">
+            <a:prstTxWarp prst="textNoShape">
+              <a:avLst/>
+            </a:prstTxWarp>
+            <a:noAutofit/>
+          </a:bodyPr>
+          <a:lstStyle/>
+          <a:p>
+            <a:pPr algn="ctr" defTabSz="932472" fontAlgn="base">
+              <a:lnSpc>
+                <a:spcPct val="90000"/>
+              </a:lnSpc>
+              <a:spcBef>
+                <a:spcPct val="0"/>
+              </a:spcBef>
+              <a:spcAft>
+                <a:spcPct val="0"/>
+              </a:spcAft>
+            </a:pPr>
+            <a:r>
+              <a:rPr lang="da-DK" sz="4400" dirty="0">
+                <a:gradFill>
+                  <a:gsLst>
+                    <a:gs pos="0">
+                      <a:srgbClr val="FFFFFF"/>
+                    </a:gs>
+                    <a:gs pos="100000">
+                      <a:srgbClr val="FFFFFF"/>
+                    </a:gs>
+                  </a:gsLst>
+                  <a:lin ang="5400000" scaled="0"/>
+                </a:gradFill>
+                <a:ea typeface="Segoe UI" pitchFamily="34" charset="0"/>
+                <a:cs typeface="Segoe UI" pitchFamily="34" charset="0"/>
+              </a:rPr>
               <a:t>Enumerations</a:t>
+            </a:r>
+          </a:p>
+        </p:txBody>
+      </p:sp>
+      <p:sp>
+        <p:nvSpPr>
+          <p:cNvPr id="6" name="Rectangle 5">
+            <a:extLst>
+              <a:ext uri="{FF2B5EF4-FFF2-40B4-BE49-F238E27FC236}">
+                <a16:creationId xmlns:a16="http://schemas.microsoft.com/office/drawing/2014/main" id="{0C036F98-C7F9-41C1-80D6-AEA3B653D756}"/>
+              </a:ext>
+            </a:extLst>
+          </p:cNvPr>
+          <p:cNvSpPr/>
+          <p:nvPr/>
+        </p:nvSpPr>
+        <p:spPr bwMode="auto">
+          <a:xfrm rot="2823515">
+            <a:off x="5670515" y="4692642"/>
+            <a:ext cx="3136106" cy="712094"/>
+          </a:xfrm>
+          <a:prstGeom prst="rect">
+            <a:avLst/>
+          </a:prstGeom>
+          <a:solidFill>
+            <a:srgbClr val="00B0F0"/>
+          </a:solidFill>
+          <a:ln>
+            <a:noFill/>
+            <a:headEnd type="none" w="med" len="med"/>
+            <a:tailEnd type="none" w="med" len="med"/>
+          </a:ln>
+          <a:effectLst/>
+        </p:spPr>
+        <p:style>
+          <a:lnRef idx="1">
+            <a:schemeClr val="accent2"/>
+          </a:lnRef>
+          <a:fillRef idx="3">
+            <a:schemeClr val="accent2"/>
+          </a:fillRef>
+          <a:effectRef idx="2">
+            <a:schemeClr val="accent2"/>
+          </a:effectRef>
+          <a:fontRef idx="minor">
+            <a:schemeClr val="lt1"/>
+          </a:fontRef>
+        </p:style>
+        <p:txBody>
+          <a:bodyPr rot="0" spcFirstLastPara="0" vertOverflow="overflow" horzOverflow="overflow" vert="horz" wrap="square" lIns="182880" tIns="146304" rIns="182880" bIns="146304" numCol="1" spcCol="0" rtlCol="0" fromWordArt="0" anchor="t" anchorCtr="0" forceAA="0" compatLnSpc="1">
+            <a:prstTxWarp prst="textNoShape">
+              <a:avLst/>
+            </a:prstTxWarp>
+            <a:noAutofit/>
+          </a:bodyPr>
+          <a:lstStyle/>
+          <a:p>
+            <a:pPr algn="ctr" defTabSz="932472" fontAlgn="base">
+              <a:lnSpc>
+                <a:spcPct val="90000"/>
+              </a:lnSpc>
+              <a:spcBef>
+                <a:spcPct val="0"/>
+              </a:spcBef>
+              <a:spcAft>
+                <a:spcPct val="0"/>
+              </a:spcAft>
+            </a:pPr>
+            <a:r>
+              <a:rPr lang="da-DK" sz="2800" dirty="0">
+                <a:solidFill>
+                  <a:schemeClr val="accent6"/>
+                </a:solidFill>
+                <a:ea typeface="Segoe UI" pitchFamily="34" charset="0"/>
+                <a:cs typeface="Segoe UI" pitchFamily="34" charset="0"/>
+              </a:rPr>
+              <a:t>Polymorphism</a:t>
+            </a:r>
+            <a:r>
+              <a:rPr lang="da-DK" sz="3200" dirty="0">
+                <a:solidFill>
+                  <a:schemeClr val="accent6"/>
+                </a:solidFill>
+                <a:ea typeface="Segoe UI" pitchFamily="34" charset="0"/>
+                <a:cs typeface="Segoe UI" pitchFamily="34" charset="0"/>
+              </a:rPr>
+              <a:t>?</a:t>
+            </a:r>
+          </a:p>
+        </p:txBody>
+      </p:sp>
+      <p:sp>
+        <p:nvSpPr>
+          <p:cNvPr id="7" name="Rectangle 6">
+            <a:extLst>
+              <a:ext uri="{FF2B5EF4-FFF2-40B4-BE49-F238E27FC236}">
+                <a16:creationId xmlns:a16="http://schemas.microsoft.com/office/drawing/2014/main" id="{A652F401-1AD4-4521-BF4C-59DD63B51BA4}"/>
+              </a:ext>
+            </a:extLst>
+          </p:cNvPr>
+          <p:cNvSpPr/>
+          <p:nvPr/>
+        </p:nvSpPr>
+        <p:spPr bwMode="auto">
+          <a:xfrm rot="2823515">
+            <a:off x="3816624" y="4636652"/>
+            <a:ext cx="4428804" cy="714602"/>
+          </a:xfrm>
+          <a:prstGeom prst="rect">
+            <a:avLst/>
+          </a:prstGeom>
+          <a:solidFill>
+            <a:srgbClr val="00B0F0"/>
+          </a:solidFill>
+          <a:ln>
+            <a:noFill/>
+            <a:headEnd type="none" w="med" len="med"/>
+            <a:tailEnd type="none" w="med" len="med"/>
+          </a:ln>
+          <a:effectLst/>
+        </p:spPr>
+        <p:style>
+          <a:lnRef idx="1">
+            <a:schemeClr val="accent2"/>
+          </a:lnRef>
+          <a:fillRef idx="3">
+            <a:schemeClr val="accent2"/>
+          </a:fillRef>
+          <a:effectRef idx="2">
+            <a:schemeClr val="accent2"/>
+          </a:effectRef>
+          <a:fontRef idx="minor">
+            <a:schemeClr val="lt1"/>
+          </a:fontRef>
+        </p:style>
+        <p:txBody>
+          <a:bodyPr rot="0" spcFirstLastPara="0" vertOverflow="overflow" horzOverflow="overflow" vert="horz" wrap="square" lIns="182880" tIns="146304" rIns="182880" bIns="146304" numCol="1" spcCol="0" rtlCol="0" fromWordArt="0" anchor="t" anchorCtr="0" forceAA="0" compatLnSpc="1">
+            <a:prstTxWarp prst="textNoShape">
+              <a:avLst/>
+            </a:prstTxWarp>
+            <a:noAutofit/>
+          </a:bodyPr>
+          <a:lstStyle/>
+          <a:p>
+            <a:pPr algn="ctr" defTabSz="932472" fontAlgn="base">
+              <a:lnSpc>
+                <a:spcPct val="90000"/>
+              </a:lnSpc>
+              <a:spcBef>
+                <a:spcPct val="0"/>
+              </a:spcBef>
+              <a:spcAft>
+                <a:spcPct val="0"/>
+              </a:spcAft>
+            </a:pPr>
+            <a:r>
+              <a:rPr lang="da-DK" sz="2800" dirty="0">
+                <a:solidFill>
+                  <a:schemeClr val="accent6"/>
+                </a:solidFill>
+                <a:ea typeface="Segoe UI" pitchFamily="34" charset="0"/>
+                <a:cs typeface="Segoe UI" pitchFamily="34" charset="0"/>
+              </a:rPr>
+              <a:t>Co- and contravariance?</a:t>
             </a:r>
           </a:p>
         </p:txBody>
@@ -5006,7 +8916,1216 @@
 </p:sld>
 </file>
 
-<file path=ppt/slides/slide3.xml><?xml version="1.0" encoding="utf-8"?>
+<file path=ppt/slides/slide4.xml><?xml version="1.0" encoding="utf-8"?>
+<p:sld xmlns:a="http://schemas.openxmlformats.org/drawingml/2006/main" xmlns:r="http://schemas.openxmlformats.org/officeDocument/2006/relationships" xmlns:p="http://schemas.openxmlformats.org/presentationml/2006/main">
+  <p:cSld>
+    <p:spTree>
+      <p:nvGrpSpPr>
+        <p:cNvPr id="1" name=""/>
+        <p:cNvGrpSpPr/>
+        <p:nvPr/>
+      </p:nvGrpSpPr>
+      <p:grpSpPr>
+        <a:xfrm>
+          <a:off x="0" y="0"/>
+          <a:ext cx="0" cy="0"/>
+          <a:chOff x="0" y="0"/>
+          <a:chExt cx="0" cy="0"/>
+        </a:xfrm>
+      </p:grpSpPr>
+      <p:sp>
+        <p:nvSpPr>
+          <p:cNvPr id="2" name="Title 1">
+            <a:extLst>
+              <a:ext uri="{FF2B5EF4-FFF2-40B4-BE49-F238E27FC236}">
+                <a16:creationId xmlns:a16="http://schemas.microsoft.com/office/drawing/2014/main" id="{0EAD67DF-2E32-4DA9-B662-BEF694DB1445}"/>
+              </a:ext>
+            </a:extLst>
+          </p:cNvPr>
+          <p:cNvSpPr>
+            <a:spLocks noGrp="1"/>
+          </p:cNvSpPr>
+          <p:nvPr>
+            <p:ph type="title"/>
+          </p:nvPr>
+        </p:nvSpPr>
+        <p:spPr/>
+        <p:txBody>
+          <a:bodyPr/>
+          <a:lstStyle/>
+          <a:p>
+            <a:r>
+              <a:rPr lang="en-US" dirty="0"/>
+              <a:t>Properties 1/4</a:t>
+            </a:r>
+            <a:endParaRPr lang="en-DK" dirty="0"/>
+          </a:p>
+        </p:txBody>
+      </p:sp>
+      <p:sp>
+        <p:nvSpPr>
+          <p:cNvPr id="4" name="Rectangle 3">
+            <a:extLst>
+              <a:ext uri="{FF2B5EF4-FFF2-40B4-BE49-F238E27FC236}">
+                <a16:creationId xmlns:a16="http://schemas.microsoft.com/office/drawing/2014/main" id="{B04C821D-54E1-4D55-BC89-24364B9B6E23}"/>
+              </a:ext>
+            </a:extLst>
+          </p:cNvPr>
+          <p:cNvSpPr/>
+          <p:nvPr/>
+        </p:nvSpPr>
+        <p:spPr>
+          <a:xfrm>
+            <a:off x="1369891" y="2620100"/>
+            <a:ext cx="6585194" cy="1477328"/>
+          </a:xfrm>
+          <a:prstGeom prst="rect">
+            <a:avLst/>
+          </a:prstGeom>
+        </p:spPr>
+        <p:txBody>
+          <a:bodyPr wrap="square">
+            <a:spAutoFit/>
+          </a:bodyPr>
+          <a:lstStyle/>
+          <a:p>
+            <a:r>
+              <a:rPr lang="da-DK" dirty="0">
+                <a:solidFill>
+                  <a:srgbClr val="0000FF"/>
+                </a:solidFill>
+                <a:latin typeface="Consolas" panose="020B0609020204030204" pitchFamily="49" charset="0"/>
+              </a:rPr>
+              <a:t>public</a:t>
+            </a:r>
+            <a:r>
+              <a:rPr lang="da-DK" dirty="0">
+                <a:solidFill>
+                  <a:srgbClr val="000000"/>
+                </a:solidFill>
+                <a:latin typeface="Consolas" panose="020B0609020204030204" pitchFamily="49" charset="0"/>
+              </a:rPr>
+              <a:t> </a:t>
+            </a:r>
+            <a:r>
+              <a:rPr lang="da-DK" dirty="0">
+                <a:solidFill>
+                  <a:srgbClr val="0000FF"/>
+                </a:solidFill>
+                <a:latin typeface="Consolas" panose="020B0609020204030204" pitchFamily="49" charset="0"/>
+              </a:rPr>
+              <a:t>class</a:t>
+            </a:r>
+            <a:r>
+              <a:rPr lang="da-DK" dirty="0">
+                <a:solidFill>
+                  <a:srgbClr val="000000"/>
+                </a:solidFill>
+                <a:latin typeface="Consolas" panose="020B0609020204030204" pitchFamily="49" charset="0"/>
+              </a:rPr>
+              <a:t> </a:t>
+            </a:r>
+            <a:r>
+              <a:rPr lang="da-DK" dirty="0">
+                <a:solidFill>
+                  <a:srgbClr val="2B91AF"/>
+                </a:solidFill>
+                <a:latin typeface="Consolas" panose="020B0609020204030204" pitchFamily="49" charset="0"/>
+              </a:rPr>
+              <a:t>City</a:t>
+            </a:r>
+            <a:endParaRPr lang="da-DK" dirty="0">
+              <a:solidFill>
+                <a:srgbClr val="000000"/>
+              </a:solidFill>
+              <a:latin typeface="Consolas" panose="020B0609020204030204" pitchFamily="49" charset="0"/>
+            </a:endParaRPr>
+          </a:p>
+          <a:p>
+            <a:r>
+              <a:rPr lang="en-DK" dirty="0">
+                <a:solidFill>
+                  <a:srgbClr val="000000"/>
+                </a:solidFill>
+                <a:latin typeface="Consolas" panose="020B0609020204030204" pitchFamily="49" charset="0"/>
+              </a:rPr>
+              <a:t>{</a:t>
+            </a:r>
+          </a:p>
+          <a:p>
+            <a:r>
+              <a:rPr lang="en-US" dirty="0">
+                <a:solidFill>
+                  <a:srgbClr val="000000"/>
+                </a:solidFill>
+                <a:latin typeface="Consolas" panose="020B0609020204030204" pitchFamily="49" charset="0"/>
+              </a:rPr>
+              <a:t>    </a:t>
+            </a:r>
+            <a:r>
+              <a:rPr lang="en-US" dirty="0">
+                <a:solidFill>
+                  <a:srgbClr val="0000FF"/>
+                </a:solidFill>
+                <a:latin typeface="Consolas" panose="020B0609020204030204" pitchFamily="49" charset="0"/>
+              </a:rPr>
+              <a:t>public</a:t>
+            </a:r>
+            <a:r>
+              <a:rPr lang="en-US" dirty="0">
+                <a:solidFill>
+                  <a:srgbClr val="000000"/>
+                </a:solidFill>
+                <a:latin typeface="Consolas" panose="020B0609020204030204" pitchFamily="49" charset="0"/>
+              </a:rPr>
+              <a:t> </a:t>
+            </a:r>
+            <a:r>
+              <a:rPr lang="en-US" dirty="0">
+                <a:solidFill>
+                  <a:srgbClr val="0000FF"/>
+                </a:solidFill>
+                <a:latin typeface="Consolas" panose="020B0609020204030204" pitchFamily="49" charset="0"/>
+              </a:rPr>
+              <a:t>int</a:t>
+            </a:r>
+            <a:r>
+              <a:rPr lang="en-US" dirty="0">
+                <a:solidFill>
+                  <a:srgbClr val="000000"/>
+                </a:solidFill>
+                <a:latin typeface="Consolas" panose="020B0609020204030204" pitchFamily="49" charset="0"/>
+              </a:rPr>
+              <a:t> Id { </a:t>
+            </a:r>
+            <a:r>
+              <a:rPr lang="en-US" dirty="0">
+                <a:solidFill>
+                  <a:srgbClr val="0000FF"/>
+                </a:solidFill>
+                <a:latin typeface="Consolas" panose="020B0609020204030204" pitchFamily="49" charset="0"/>
+              </a:rPr>
+              <a:t>get</a:t>
+            </a:r>
+            <a:r>
+              <a:rPr lang="en-US" dirty="0">
+                <a:solidFill>
+                  <a:srgbClr val="000000"/>
+                </a:solidFill>
+                <a:latin typeface="Consolas" panose="020B0609020204030204" pitchFamily="49" charset="0"/>
+              </a:rPr>
+              <a:t>; </a:t>
+            </a:r>
+            <a:r>
+              <a:rPr lang="en-US" dirty="0">
+                <a:solidFill>
+                  <a:srgbClr val="0000FF"/>
+                </a:solidFill>
+                <a:latin typeface="Consolas" panose="020B0609020204030204" pitchFamily="49" charset="0"/>
+              </a:rPr>
+              <a:t>set</a:t>
+            </a:r>
+            <a:r>
+              <a:rPr lang="en-US" dirty="0">
+                <a:solidFill>
+                  <a:srgbClr val="000000"/>
+                </a:solidFill>
+                <a:latin typeface="Consolas" panose="020B0609020204030204" pitchFamily="49" charset="0"/>
+              </a:rPr>
+              <a:t>; }</a:t>
+            </a:r>
+          </a:p>
+          <a:p>
+            <a:r>
+              <a:rPr lang="en-US" dirty="0">
+                <a:solidFill>
+                  <a:srgbClr val="000000"/>
+                </a:solidFill>
+                <a:latin typeface="Consolas" panose="020B0609020204030204" pitchFamily="49" charset="0"/>
+              </a:rPr>
+              <a:t>    </a:t>
+            </a:r>
+            <a:r>
+              <a:rPr lang="en-US" dirty="0">
+                <a:solidFill>
+                  <a:srgbClr val="0000FF"/>
+                </a:solidFill>
+                <a:latin typeface="Consolas" panose="020B0609020204030204" pitchFamily="49" charset="0"/>
+              </a:rPr>
+              <a:t>public</a:t>
+            </a:r>
+            <a:r>
+              <a:rPr lang="en-US" dirty="0">
+                <a:solidFill>
+                  <a:srgbClr val="000000"/>
+                </a:solidFill>
+                <a:latin typeface="Consolas" panose="020B0609020204030204" pitchFamily="49" charset="0"/>
+              </a:rPr>
+              <a:t> </a:t>
+            </a:r>
+            <a:r>
+              <a:rPr lang="en-US" dirty="0">
+                <a:solidFill>
+                  <a:srgbClr val="0000FF"/>
+                </a:solidFill>
+                <a:latin typeface="Consolas" panose="020B0609020204030204" pitchFamily="49" charset="0"/>
+              </a:rPr>
+              <a:t>string</a:t>
+            </a:r>
+            <a:r>
+              <a:rPr lang="en-US" dirty="0">
+                <a:solidFill>
+                  <a:srgbClr val="000000"/>
+                </a:solidFill>
+                <a:latin typeface="Consolas" panose="020B0609020204030204" pitchFamily="49" charset="0"/>
+              </a:rPr>
+              <a:t> Name { </a:t>
+            </a:r>
+            <a:r>
+              <a:rPr lang="en-US" dirty="0">
+                <a:solidFill>
+                  <a:srgbClr val="0000FF"/>
+                </a:solidFill>
+                <a:latin typeface="Consolas" panose="020B0609020204030204" pitchFamily="49" charset="0"/>
+              </a:rPr>
+              <a:t>get</a:t>
+            </a:r>
+            <a:r>
+              <a:rPr lang="en-US" dirty="0">
+                <a:solidFill>
+                  <a:srgbClr val="000000"/>
+                </a:solidFill>
+                <a:latin typeface="Consolas" panose="020B0609020204030204" pitchFamily="49" charset="0"/>
+              </a:rPr>
+              <a:t>; </a:t>
+            </a:r>
+            <a:r>
+              <a:rPr lang="en-US" dirty="0">
+                <a:solidFill>
+                  <a:srgbClr val="0000FF"/>
+                </a:solidFill>
+                <a:latin typeface="Consolas" panose="020B0609020204030204" pitchFamily="49" charset="0"/>
+              </a:rPr>
+              <a:t>private set</a:t>
+            </a:r>
+            <a:r>
+              <a:rPr lang="en-US" dirty="0">
+                <a:solidFill>
+                  <a:srgbClr val="000000"/>
+                </a:solidFill>
+                <a:latin typeface="Consolas" panose="020B0609020204030204" pitchFamily="49" charset="0"/>
+              </a:rPr>
+              <a:t>; } </a:t>
+            </a:r>
+          </a:p>
+          <a:p>
+            <a:r>
+              <a:rPr lang="en-US" dirty="0">
+                <a:solidFill>
+                  <a:srgbClr val="000000"/>
+                </a:solidFill>
+                <a:latin typeface="Consolas" panose="020B0609020204030204" pitchFamily="49" charset="0"/>
+              </a:rPr>
+              <a:t>}</a:t>
+            </a:r>
+          </a:p>
+        </p:txBody>
+      </p:sp>
+    </p:spTree>
+    <p:extLst>
+      <p:ext uri="{BB962C8B-B14F-4D97-AF65-F5344CB8AC3E}">
+        <p14:creationId xmlns:p14="http://schemas.microsoft.com/office/powerpoint/2010/main" val="2991247960"/>
+      </p:ext>
+    </p:extLst>
+  </p:cSld>
+  <p:clrMapOvr>
+    <a:masterClrMapping/>
+  </p:clrMapOvr>
+  <p:transition>
+    <p:fade/>
+  </p:transition>
+</p:sld>
+</file>
+
+<file path=ppt/slides/slide5.xml><?xml version="1.0" encoding="utf-8"?>
+<p:sld xmlns:a="http://schemas.openxmlformats.org/drawingml/2006/main" xmlns:r="http://schemas.openxmlformats.org/officeDocument/2006/relationships" xmlns:p="http://schemas.openxmlformats.org/presentationml/2006/main">
+  <p:cSld>
+    <p:spTree>
+      <p:nvGrpSpPr>
+        <p:cNvPr id="1" name=""/>
+        <p:cNvGrpSpPr/>
+        <p:nvPr/>
+      </p:nvGrpSpPr>
+      <p:grpSpPr>
+        <a:xfrm>
+          <a:off x="0" y="0"/>
+          <a:ext cx="0" cy="0"/>
+          <a:chOff x="0" y="0"/>
+          <a:chExt cx="0" cy="0"/>
+        </a:xfrm>
+      </p:grpSpPr>
+      <p:sp>
+        <p:nvSpPr>
+          <p:cNvPr id="2" name="Title 1">
+            <a:extLst>
+              <a:ext uri="{FF2B5EF4-FFF2-40B4-BE49-F238E27FC236}">
+                <a16:creationId xmlns:a16="http://schemas.microsoft.com/office/drawing/2014/main" id="{A0F8B38D-CAAB-463B-8859-AEA7D4ACC940}"/>
+              </a:ext>
+            </a:extLst>
+          </p:cNvPr>
+          <p:cNvSpPr>
+            <a:spLocks noGrp="1"/>
+          </p:cNvSpPr>
+          <p:nvPr>
+            <p:ph type="title"/>
+          </p:nvPr>
+        </p:nvSpPr>
+        <p:spPr/>
+        <p:txBody>
+          <a:bodyPr/>
+          <a:lstStyle/>
+          <a:p>
+            <a:r>
+              <a:rPr lang="en-US" dirty="0"/>
+              <a:t>Properties 2/3</a:t>
+            </a:r>
+            <a:endParaRPr lang="en-DK" dirty="0"/>
+          </a:p>
+        </p:txBody>
+      </p:sp>
+      <p:sp>
+        <p:nvSpPr>
+          <p:cNvPr id="4" name="Rectangle 3">
+            <a:extLst>
+              <a:ext uri="{FF2B5EF4-FFF2-40B4-BE49-F238E27FC236}">
+                <a16:creationId xmlns:a16="http://schemas.microsoft.com/office/drawing/2014/main" id="{F8B9C1FF-BDD7-4A3D-9306-E794515DDFD6}"/>
+              </a:ext>
+            </a:extLst>
+          </p:cNvPr>
+          <p:cNvSpPr/>
+          <p:nvPr/>
+        </p:nvSpPr>
+        <p:spPr>
+          <a:xfrm>
+            <a:off x="455501" y="2066102"/>
+            <a:ext cx="8413974" cy="2308324"/>
+          </a:xfrm>
+          <a:prstGeom prst="rect">
+            <a:avLst/>
+          </a:prstGeom>
+        </p:spPr>
+        <p:txBody>
+          <a:bodyPr wrap="square">
+            <a:spAutoFit/>
+          </a:bodyPr>
+          <a:lstStyle/>
+          <a:p>
+            <a:r>
+              <a:rPr lang="da-DK" dirty="0">
+                <a:solidFill>
+                  <a:srgbClr val="0000FF"/>
+                </a:solidFill>
+                <a:latin typeface="Consolas" panose="020B0609020204030204" pitchFamily="49" charset="0"/>
+              </a:rPr>
+              <a:t>public</a:t>
+            </a:r>
+            <a:r>
+              <a:rPr lang="da-DK" dirty="0">
+                <a:solidFill>
+                  <a:srgbClr val="000000"/>
+                </a:solidFill>
+                <a:latin typeface="Consolas" panose="020B0609020204030204" pitchFamily="49" charset="0"/>
+              </a:rPr>
+              <a:t> </a:t>
+            </a:r>
+            <a:r>
+              <a:rPr lang="da-DK" dirty="0">
+                <a:solidFill>
+                  <a:srgbClr val="0000FF"/>
+                </a:solidFill>
+                <a:latin typeface="Consolas" panose="020B0609020204030204" pitchFamily="49" charset="0"/>
+              </a:rPr>
+              <a:t>class</a:t>
+            </a:r>
+            <a:r>
+              <a:rPr lang="da-DK" dirty="0">
+                <a:solidFill>
+                  <a:srgbClr val="000000"/>
+                </a:solidFill>
+                <a:latin typeface="Consolas" panose="020B0609020204030204" pitchFamily="49" charset="0"/>
+              </a:rPr>
+              <a:t> </a:t>
+            </a:r>
+            <a:r>
+              <a:rPr lang="da-DK" dirty="0">
+                <a:solidFill>
+                  <a:srgbClr val="2B91AF"/>
+                </a:solidFill>
+                <a:latin typeface="Consolas" panose="020B0609020204030204" pitchFamily="49" charset="0"/>
+              </a:rPr>
+              <a:t>City</a:t>
+            </a:r>
+            <a:endParaRPr lang="da-DK" dirty="0">
+              <a:solidFill>
+                <a:srgbClr val="000000"/>
+              </a:solidFill>
+              <a:latin typeface="Consolas" panose="020B0609020204030204" pitchFamily="49" charset="0"/>
+            </a:endParaRPr>
+          </a:p>
+          <a:p>
+            <a:r>
+              <a:rPr lang="en-DK" dirty="0">
+                <a:solidFill>
+                  <a:srgbClr val="000000"/>
+                </a:solidFill>
+                <a:latin typeface="Consolas" panose="020B0609020204030204" pitchFamily="49" charset="0"/>
+              </a:rPr>
+              <a:t>{</a:t>
+            </a:r>
+          </a:p>
+          <a:p>
+            <a:r>
+              <a:rPr lang="da-DK" dirty="0">
+                <a:solidFill>
+                  <a:srgbClr val="000000"/>
+                </a:solidFill>
+                <a:latin typeface="Consolas" panose="020B0609020204030204" pitchFamily="49" charset="0"/>
+              </a:rPr>
+              <a:t>    </a:t>
+            </a:r>
+            <a:r>
+              <a:rPr lang="da-DK" dirty="0">
+                <a:solidFill>
+                  <a:srgbClr val="0000FF"/>
+                </a:solidFill>
+                <a:latin typeface="Consolas" panose="020B0609020204030204" pitchFamily="49" charset="0"/>
+              </a:rPr>
+              <a:t>private</a:t>
+            </a:r>
+            <a:r>
+              <a:rPr lang="da-DK" dirty="0">
+                <a:solidFill>
+                  <a:srgbClr val="000000"/>
+                </a:solidFill>
+                <a:latin typeface="Consolas" panose="020B0609020204030204" pitchFamily="49" charset="0"/>
+              </a:rPr>
+              <a:t> </a:t>
+            </a:r>
+            <a:r>
+              <a:rPr lang="da-DK" dirty="0">
+                <a:solidFill>
+                  <a:srgbClr val="0000FF"/>
+                </a:solidFill>
+                <a:latin typeface="Consolas" panose="020B0609020204030204" pitchFamily="49" charset="0"/>
+              </a:rPr>
+              <a:t>int</a:t>
+            </a:r>
+            <a:r>
+              <a:rPr lang="da-DK" dirty="0">
+                <a:solidFill>
+                  <a:srgbClr val="000000"/>
+                </a:solidFill>
+                <a:latin typeface="Consolas" panose="020B0609020204030204" pitchFamily="49" charset="0"/>
+              </a:rPr>
+              <a:t> _id;</a:t>
+            </a:r>
+          </a:p>
+          <a:p>
+            <a:r>
+              <a:rPr lang="en-US" dirty="0">
+                <a:solidFill>
+                  <a:srgbClr val="000000"/>
+                </a:solidFill>
+                <a:latin typeface="Consolas" panose="020B0609020204030204" pitchFamily="49" charset="0"/>
+              </a:rPr>
+              <a:t>    </a:t>
+            </a:r>
+            <a:r>
+              <a:rPr lang="en-US" dirty="0">
+                <a:solidFill>
+                  <a:srgbClr val="0000FF"/>
+                </a:solidFill>
+                <a:latin typeface="Consolas" panose="020B0609020204030204" pitchFamily="49" charset="0"/>
+              </a:rPr>
+              <a:t>public</a:t>
+            </a:r>
+            <a:r>
+              <a:rPr lang="en-US" dirty="0">
+                <a:solidFill>
+                  <a:srgbClr val="000000"/>
+                </a:solidFill>
+                <a:latin typeface="Consolas" panose="020B0609020204030204" pitchFamily="49" charset="0"/>
+              </a:rPr>
+              <a:t> </a:t>
+            </a:r>
+            <a:r>
+              <a:rPr lang="en-US" dirty="0">
+                <a:solidFill>
+                  <a:srgbClr val="0000FF"/>
+                </a:solidFill>
+                <a:latin typeface="Consolas" panose="020B0609020204030204" pitchFamily="49" charset="0"/>
+              </a:rPr>
+              <a:t>int</a:t>
+            </a:r>
+            <a:r>
+              <a:rPr lang="en-US" dirty="0">
+                <a:solidFill>
+                  <a:srgbClr val="000000"/>
+                </a:solidFill>
+                <a:latin typeface="Consolas" panose="020B0609020204030204" pitchFamily="49" charset="0"/>
+              </a:rPr>
+              <a:t> Id { </a:t>
+            </a:r>
+            <a:r>
+              <a:rPr lang="en-US" dirty="0">
+                <a:solidFill>
+                  <a:srgbClr val="0000FF"/>
+                </a:solidFill>
+                <a:latin typeface="Consolas" panose="020B0609020204030204" pitchFamily="49" charset="0"/>
+              </a:rPr>
+              <a:t>get</a:t>
+            </a:r>
+            <a:r>
+              <a:rPr lang="en-US" dirty="0">
+                <a:solidFill>
+                  <a:srgbClr val="000000"/>
+                </a:solidFill>
+                <a:latin typeface="Consolas" panose="020B0609020204030204" pitchFamily="49" charset="0"/>
+              </a:rPr>
+              <a:t> =&gt; _id; </a:t>
+            </a:r>
+            <a:r>
+              <a:rPr lang="en-US" dirty="0">
+                <a:solidFill>
+                  <a:srgbClr val="0000FF"/>
+                </a:solidFill>
+                <a:latin typeface="Consolas" panose="020B0609020204030204" pitchFamily="49" charset="0"/>
+              </a:rPr>
+              <a:t>set</a:t>
+            </a:r>
+            <a:r>
+              <a:rPr lang="en-US" dirty="0">
+                <a:solidFill>
+                  <a:srgbClr val="000000"/>
+                </a:solidFill>
+                <a:latin typeface="Consolas" panose="020B0609020204030204" pitchFamily="49" charset="0"/>
+              </a:rPr>
+              <a:t> =&gt; _id = value; }</a:t>
+            </a:r>
+          </a:p>
+          <a:p>
+            <a:endParaRPr lang="en-DK" dirty="0">
+              <a:solidFill>
+                <a:srgbClr val="000000"/>
+              </a:solidFill>
+              <a:latin typeface="Consolas" panose="020B0609020204030204" pitchFamily="49" charset="0"/>
+            </a:endParaRPr>
+          </a:p>
+          <a:p>
+            <a:r>
+              <a:rPr lang="da-DK" dirty="0">
+                <a:solidFill>
+                  <a:srgbClr val="000000"/>
+                </a:solidFill>
+                <a:latin typeface="Consolas" panose="020B0609020204030204" pitchFamily="49" charset="0"/>
+              </a:rPr>
+              <a:t>    </a:t>
+            </a:r>
+            <a:r>
+              <a:rPr lang="da-DK" dirty="0">
+                <a:solidFill>
+                  <a:srgbClr val="0000FF"/>
+                </a:solidFill>
+                <a:latin typeface="Consolas" panose="020B0609020204030204" pitchFamily="49" charset="0"/>
+              </a:rPr>
+              <a:t>private</a:t>
+            </a:r>
+            <a:r>
+              <a:rPr lang="da-DK" dirty="0">
+                <a:solidFill>
+                  <a:srgbClr val="000000"/>
+                </a:solidFill>
+                <a:latin typeface="Consolas" panose="020B0609020204030204" pitchFamily="49" charset="0"/>
+              </a:rPr>
+              <a:t> </a:t>
+            </a:r>
+            <a:r>
+              <a:rPr lang="da-DK" dirty="0">
+                <a:solidFill>
+                  <a:srgbClr val="0000FF"/>
+                </a:solidFill>
+                <a:latin typeface="Consolas" panose="020B0609020204030204" pitchFamily="49" charset="0"/>
+              </a:rPr>
+              <a:t>string</a:t>
+            </a:r>
+            <a:r>
+              <a:rPr lang="da-DK" dirty="0">
+                <a:solidFill>
+                  <a:srgbClr val="000000"/>
+                </a:solidFill>
+                <a:latin typeface="Consolas" panose="020B0609020204030204" pitchFamily="49" charset="0"/>
+              </a:rPr>
+              <a:t> _name;</a:t>
+            </a:r>
+          </a:p>
+          <a:p>
+            <a:r>
+              <a:rPr lang="en-US" dirty="0">
+                <a:solidFill>
+                  <a:srgbClr val="000000"/>
+                </a:solidFill>
+                <a:latin typeface="Consolas" panose="020B0609020204030204" pitchFamily="49" charset="0"/>
+              </a:rPr>
+              <a:t>    </a:t>
+            </a:r>
+            <a:r>
+              <a:rPr lang="en-US" dirty="0">
+                <a:solidFill>
+                  <a:srgbClr val="0000FF"/>
+                </a:solidFill>
+                <a:latin typeface="Consolas" panose="020B0609020204030204" pitchFamily="49" charset="0"/>
+              </a:rPr>
+              <a:t>public</a:t>
+            </a:r>
+            <a:r>
+              <a:rPr lang="en-US" dirty="0">
+                <a:solidFill>
+                  <a:srgbClr val="000000"/>
+                </a:solidFill>
+                <a:latin typeface="Consolas" panose="020B0609020204030204" pitchFamily="49" charset="0"/>
+              </a:rPr>
+              <a:t> </a:t>
+            </a:r>
+            <a:r>
+              <a:rPr lang="en-US" dirty="0">
+                <a:solidFill>
+                  <a:srgbClr val="0000FF"/>
+                </a:solidFill>
+                <a:latin typeface="Consolas" panose="020B0609020204030204" pitchFamily="49" charset="0"/>
+              </a:rPr>
+              <a:t>string</a:t>
+            </a:r>
+            <a:r>
+              <a:rPr lang="en-US" dirty="0">
+                <a:solidFill>
+                  <a:srgbClr val="000000"/>
+                </a:solidFill>
+                <a:latin typeface="Consolas" panose="020B0609020204030204" pitchFamily="49" charset="0"/>
+              </a:rPr>
+              <a:t> Name { </a:t>
+            </a:r>
+            <a:r>
+              <a:rPr lang="en-US" dirty="0">
+                <a:solidFill>
+                  <a:srgbClr val="0000FF"/>
+                </a:solidFill>
+                <a:latin typeface="Consolas" panose="020B0609020204030204" pitchFamily="49" charset="0"/>
+              </a:rPr>
+              <a:t>get</a:t>
+            </a:r>
+            <a:r>
+              <a:rPr lang="en-US" dirty="0">
+                <a:solidFill>
+                  <a:srgbClr val="000000"/>
+                </a:solidFill>
+                <a:latin typeface="Consolas" panose="020B0609020204030204" pitchFamily="49" charset="0"/>
+              </a:rPr>
+              <a:t> =&gt; _name; </a:t>
+            </a:r>
+            <a:r>
+              <a:rPr lang="en-US" dirty="0">
+                <a:solidFill>
+                  <a:srgbClr val="0000FF"/>
+                </a:solidFill>
+                <a:latin typeface="Consolas" panose="020B0609020204030204" pitchFamily="49" charset="0"/>
+              </a:rPr>
+              <a:t>set</a:t>
+            </a:r>
+            <a:r>
+              <a:rPr lang="en-US" dirty="0">
+                <a:solidFill>
+                  <a:srgbClr val="000000"/>
+                </a:solidFill>
+                <a:latin typeface="Consolas" panose="020B0609020204030204" pitchFamily="49" charset="0"/>
+              </a:rPr>
+              <a:t> =&gt; _name = value; }</a:t>
+            </a:r>
+          </a:p>
+          <a:p>
+            <a:r>
+              <a:rPr lang="en-DK" dirty="0">
+                <a:solidFill>
+                  <a:srgbClr val="000000"/>
+                </a:solidFill>
+                <a:latin typeface="Consolas" panose="020B0609020204030204" pitchFamily="49" charset="0"/>
+              </a:rPr>
+              <a:t>}</a:t>
+            </a:r>
+            <a:endParaRPr lang="en-DK" dirty="0"/>
+          </a:p>
+        </p:txBody>
+      </p:sp>
+    </p:spTree>
+    <p:extLst>
+      <p:ext uri="{BB962C8B-B14F-4D97-AF65-F5344CB8AC3E}">
+        <p14:creationId xmlns:p14="http://schemas.microsoft.com/office/powerpoint/2010/main" val="2183943476"/>
+      </p:ext>
+    </p:extLst>
+  </p:cSld>
+  <p:clrMapOvr>
+    <a:masterClrMapping/>
+  </p:clrMapOvr>
+  <p:transition>
+    <p:fade/>
+  </p:transition>
+</p:sld>
+</file>
+
+<file path=ppt/slides/slide6.xml><?xml version="1.0" encoding="utf-8"?>
+<p:sld xmlns:a="http://schemas.openxmlformats.org/drawingml/2006/main" xmlns:r="http://schemas.openxmlformats.org/officeDocument/2006/relationships" xmlns:p="http://schemas.openxmlformats.org/presentationml/2006/main">
+  <p:cSld>
+    <p:spTree>
+      <p:nvGrpSpPr>
+        <p:cNvPr id="1" name=""/>
+        <p:cNvGrpSpPr/>
+        <p:nvPr/>
+      </p:nvGrpSpPr>
+      <p:grpSpPr>
+        <a:xfrm>
+          <a:off x="0" y="0"/>
+          <a:ext cx="0" cy="0"/>
+          <a:chOff x="0" y="0"/>
+          <a:chExt cx="0" cy="0"/>
+        </a:xfrm>
+      </p:grpSpPr>
+      <p:sp>
+        <p:nvSpPr>
+          <p:cNvPr id="2" name="Title 1">
+            <a:extLst>
+              <a:ext uri="{FF2B5EF4-FFF2-40B4-BE49-F238E27FC236}">
+                <a16:creationId xmlns:a16="http://schemas.microsoft.com/office/drawing/2014/main" id="{5155A4A2-89B2-4DAE-8606-2A61C033B5A4}"/>
+              </a:ext>
+            </a:extLst>
+          </p:cNvPr>
+          <p:cNvSpPr>
+            <a:spLocks noGrp="1"/>
+          </p:cNvSpPr>
+          <p:nvPr>
+            <p:ph type="title"/>
+          </p:nvPr>
+        </p:nvSpPr>
+        <p:spPr/>
+        <p:txBody>
+          <a:bodyPr/>
+          <a:lstStyle/>
+          <a:p>
+            <a:r>
+              <a:rPr lang="en-US" dirty="0"/>
+              <a:t>Properties 3/3</a:t>
+            </a:r>
+            <a:endParaRPr lang="en-DK" dirty="0"/>
+          </a:p>
+        </p:txBody>
+      </p:sp>
+      <p:sp>
+        <p:nvSpPr>
+          <p:cNvPr id="4" name="Rectangle 3">
+            <a:extLst>
+              <a:ext uri="{FF2B5EF4-FFF2-40B4-BE49-F238E27FC236}">
+                <a16:creationId xmlns:a16="http://schemas.microsoft.com/office/drawing/2014/main" id="{EB3C62DC-0EAF-473B-9570-48D17F87789A}"/>
+              </a:ext>
+            </a:extLst>
+          </p:cNvPr>
+          <p:cNvSpPr/>
+          <p:nvPr/>
+        </p:nvSpPr>
+        <p:spPr>
+          <a:xfrm>
+            <a:off x="273049" y="1851360"/>
+            <a:ext cx="8778876" cy="4524315"/>
+          </a:xfrm>
+          <a:prstGeom prst="rect">
+            <a:avLst/>
+          </a:prstGeom>
+        </p:spPr>
+        <p:txBody>
+          <a:bodyPr wrap="square">
+            <a:spAutoFit/>
+          </a:bodyPr>
+          <a:lstStyle/>
+          <a:p>
+            <a:r>
+              <a:rPr lang="da-DK" dirty="0">
+                <a:solidFill>
+                  <a:srgbClr val="0000FF"/>
+                </a:solidFill>
+                <a:latin typeface="Consolas" panose="020B0609020204030204" pitchFamily="49" charset="0"/>
+              </a:rPr>
+              <a:t>public</a:t>
+            </a:r>
+            <a:r>
+              <a:rPr lang="da-DK" dirty="0">
+                <a:solidFill>
+                  <a:srgbClr val="000000"/>
+                </a:solidFill>
+                <a:latin typeface="Consolas" panose="020B0609020204030204" pitchFamily="49" charset="0"/>
+              </a:rPr>
+              <a:t> </a:t>
+            </a:r>
+            <a:r>
+              <a:rPr lang="da-DK" dirty="0">
+                <a:solidFill>
+                  <a:srgbClr val="0000FF"/>
+                </a:solidFill>
+                <a:latin typeface="Consolas" panose="020B0609020204030204" pitchFamily="49" charset="0"/>
+              </a:rPr>
+              <a:t>class</a:t>
+            </a:r>
+            <a:r>
+              <a:rPr lang="da-DK" dirty="0">
+                <a:solidFill>
+                  <a:srgbClr val="000000"/>
+                </a:solidFill>
+                <a:latin typeface="Consolas" panose="020B0609020204030204" pitchFamily="49" charset="0"/>
+              </a:rPr>
+              <a:t> </a:t>
+            </a:r>
+            <a:r>
+              <a:rPr lang="da-DK" dirty="0">
+                <a:solidFill>
+                  <a:srgbClr val="2B91AF"/>
+                </a:solidFill>
+                <a:latin typeface="Consolas" panose="020B0609020204030204" pitchFamily="49" charset="0"/>
+              </a:rPr>
+              <a:t>City</a:t>
+            </a:r>
+            <a:endParaRPr lang="da-DK" dirty="0">
+              <a:solidFill>
+                <a:srgbClr val="000000"/>
+              </a:solidFill>
+              <a:latin typeface="Consolas" panose="020B0609020204030204" pitchFamily="49" charset="0"/>
+            </a:endParaRPr>
+          </a:p>
+          <a:p>
+            <a:r>
+              <a:rPr lang="en-DK" dirty="0">
+                <a:solidFill>
+                  <a:srgbClr val="000000"/>
+                </a:solidFill>
+                <a:latin typeface="Consolas" panose="020B0609020204030204" pitchFamily="49" charset="0"/>
+              </a:rPr>
+              <a:t>{</a:t>
+            </a:r>
+          </a:p>
+          <a:p>
+            <a:r>
+              <a:rPr lang="da-DK" dirty="0">
+                <a:solidFill>
+                  <a:srgbClr val="000000"/>
+                </a:solidFill>
+                <a:latin typeface="Consolas" panose="020B0609020204030204" pitchFamily="49" charset="0"/>
+              </a:rPr>
+              <a:t>    </a:t>
+            </a:r>
+            <a:r>
+              <a:rPr lang="da-DK" dirty="0">
+                <a:solidFill>
+                  <a:srgbClr val="0000FF"/>
+                </a:solidFill>
+                <a:latin typeface="Consolas" panose="020B0609020204030204" pitchFamily="49" charset="0"/>
+              </a:rPr>
+              <a:t>private</a:t>
+            </a:r>
+            <a:r>
+              <a:rPr lang="da-DK" dirty="0">
+                <a:solidFill>
+                  <a:srgbClr val="000000"/>
+                </a:solidFill>
+                <a:latin typeface="Consolas" panose="020B0609020204030204" pitchFamily="49" charset="0"/>
+              </a:rPr>
+              <a:t> </a:t>
+            </a:r>
+            <a:r>
+              <a:rPr lang="da-DK" dirty="0">
+                <a:solidFill>
+                  <a:srgbClr val="0000FF"/>
+                </a:solidFill>
+                <a:latin typeface="Consolas" panose="020B0609020204030204" pitchFamily="49" charset="0"/>
+              </a:rPr>
+              <a:t>int</a:t>
+            </a:r>
+            <a:r>
+              <a:rPr lang="da-DK" dirty="0">
+                <a:solidFill>
+                  <a:srgbClr val="000000"/>
+                </a:solidFill>
+                <a:latin typeface="Consolas" panose="020B0609020204030204" pitchFamily="49" charset="0"/>
+              </a:rPr>
+              <a:t> _id;</a:t>
+            </a:r>
+          </a:p>
+          <a:p>
+            <a:r>
+              <a:rPr lang="da-DK" dirty="0">
+                <a:solidFill>
+                  <a:srgbClr val="000000"/>
+                </a:solidFill>
+                <a:latin typeface="Consolas" panose="020B0609020204030204" pitchFamily="49" charset="0"/>
+              </a:rPr>
+              <a:t>    </a:t>
+            </a:r>
+            <a:r>
+              <a:rPr lang="da-DK" dirty="0">
+                <a:solidFill>
+                  <a:srgbClr val="0000FF"/>
+                </a:solidFill>
+                <a:latin typeface="Consolas" panose="020B0609020204030204" pitchFamily="49" charset="0"/>
+              </a:rPr>
+              <a:t>public</a:t>
+            </a:r>
+            <a:r>
+              <a:rPr lang="da-DK" dirty="0">
+                <a:solidFill>
+                  <a:srgbClr val="000000"/>
+                </a:solidFill>
+                <a:latin typeface="Consolas" panose="020B0609020204030204" pitchFamily="49" charset="0"/>
+              </a:rPr>
+              <a:t> </a:t>
+            </a:r>
+            <a:r>
+              <a:rPr lang="da-DK" dirty="0">
+                <a:solidFill>
+                  <a:srgbClr val="0000FF"/>
+                </a:solidFill>
+                <a:latin typeface="Consolas" panose="020B0609020204030204" pitchFamily="49" charset="0"/>
+              </a:rPr>
+              <a:t>int</a:t>
+            </a:r>
+            <a:r>
+              <a:rPr lang="da-DK" dirty="0">
+                <a:solidFill>
+                  <a:srgbClr val="000000"/>
+                </a:solidFill>
+                <a:latin typeface="Consolas" panose="020B0609020204030204" pitchFamily="49" charset="0"/>
+              </a:rPr>
+              <a:t> Id</a:t>
+            </a:r>
+          </a:p>
+          <a:p>
+            <a:r>
+              <a:rPr lang="en-DK" dirty="0">
+                <a:solidFill>
+                  <a:srgbClr val="000000"/>
+                </a:solidFill>
+                <a:latin typeface="Consolas" panose="020B0609020204030204" pitchFamily="49" charset="0"/>
+              </a:rPr>
+              <a:t>    {</a:t>
+            </a:r>
+          </a:p>
+          <a:p>
+            <a:r>
+              <a:rPr lang="da-DK" dirty="0">
+                <a:solidFill>
+                  <a:srgbClr val="000000"/>
+                </a:solidFill>
+                <a:latin typeface="Consolas" panose="020B0609020204030204" pitchFamily="49" charset="0"/>
+              </a:rPr>
+              <a:t>        </a:t>
+            </a:r>
+            <a:r>
+              <a:rPr lang="da-DK" dirty="0">
+                <a:solidFill>
+                  <a:srgbClr val="0000FF"/>
+                </a:solidFill>
+                <a:latin typeface="Consolas" panose="020B0609020204030204" pitchFamily="49" charset="0"/>
+              </a:rPr>
+              <a:t>get</a:t>
+            </a:r>
+            <a:endParaRPr lang="da-DK" dirty="0">
+              <a:solidFill>
+                <a:srgbClr val="000000"/>
+              </a:solidFill>
+              <a:latin typeface="Consolas" panose="020B0609020204030204" pitchFamily="49" charset="0"/>
+            </a:endParaRPr>
+          </a:p>
+          <a:p>
+            <a:r>
+              <a:rPr lang="en-DK" dirty="0">
+                <a:solidFill>
+                  <a:srgbClr val="000000"/>
+                </a:solidFill>
+                <a:latin typeface="Consolas" panose="020B0609020204030204" pitchFamily="49" charset="0"/>
+              </a:rPr>
+              <a:t>        {</a:t>
+            </a:r>
+          </a:p>
+          <a:p>
+            <a:r>
+              <a:rPr lang="da-DK" dirty="0">
+                <a:solidFill>
+                  <a:srgbClr val="000000"/>
+                </a:solidFill>
+                <a:latin typeface="Consolas" panose="020B0609020204030204" pitchFamily="49" charset="0"/>
+              </a:rPr>
+              <a:t>            </a:t>
+            </a:r>
+            <a:r>
+              <a:rPr lang="da-DK" dirty="0">
+                <a:solidFill>
+                  <a:srgbClr val="0000FF"/>
+                </a:solidFill>
+                <a:latin typeface="Consolas" panose="020B0609020204030204" pitchFamily="49" charset="0"/>
+              </a:rPr>
+              <a:t>return</a:t>
+            </a:r>
+            <a:r>
+              <a:rPr lang="da-DK" dirty="0">
+                <a:solidFill>
+                  <a:srgbClr val="000000"/>
+                </a:solidFill>
+                <a:latin typeface="Consolas" panose="020B0609020204030204" pitchFamily="49" charset="0"/>
+              </a:rPr>
+              <a:t> _id;</a:t>
+            </a:r>
+          </a:p>
+          <a:p>
+            <a:r>
+              <a:rPr lang="en-DK" dirty="0">
+                <a:solidFill>
+                  <a:srgbClr val="000000"/>
+                </a:solidFill>
+                <a:latin typeface="Consolas" panose="020B0609020204030204" pitchFamily="49" charset="0"/>
+              </a:rPr>
+              <a:t>        }</a:t>
+            </a:r>
+          </a:p>
+          <a:p>
+            <a:r>
+              <a:rPr lang="da-DK" dirty="0">
+                <a:solidFill>
+                  <a:srgbClr val="000000"/>
+                </a:solidFill>
+                <a:latin typeface="Consolas" panose="020B0609020204030204" pitchFamily="49" charset="0"/>
+              </a:rPr>
+              <a:t>        </a:t>
+            </a:r>
+            <a:r>
+              <a:rPr lang="da-DK" dirty="0">
+                <a:solidFill>
+                  <a:srgbClr val="0000FF"/>
+                </a:solidFill>
+                <a:latin typeface="Consolas" panose="020B0609020204030204" pitchFamily="49" charset="0"/>
+              </a:rPr>
+              <a:t>set</a:t>
+            </a:r>
+            <a:endParaRPr lang="da-DK" dirty="0">
+              <a:solidFill>
+                <a:srgbClr val="000000"/>
+              </a:solidFill>
+              <a:latin typeface="Consolas" panose="020B0609020204030204" pitchFamily="49" charset="0"/>
+            </a:endParaRPr>
+          </a:p>
+          <a:p>
+            <a:r>
+              <a:rPr lang="en-DK" dirty="0">
+                <a:solidFill>
+                  <a:srgbClr val="000000"/>
+                </a:solidFill>
+                <a:latin typeface="Consolas" panose="020B0609020204030204" pitchFamily="49" charset="0"/>
+              </a:rPr>
+              <a:t>        {</a:t>
+            </a:r>
+          </a:p>
+          <a:p>
+            <a:r>
+              <a:rPr lang="en-US" dirty="0">
+                <a:solidFill>
+                  <a:srgbClr val="000000"/>
+                </a:solidFill>
+                <a:latin typeface="Consolas" panose="020B0609020204030204" pitchFamily="49" charset="0"/>
+              </a:rPr>
+              <a:t>            </a:t>
+            </a:r>
+            <a:r>
+              <a:rPr lang="en-US" dirty="0">
+                <a:solidFill>
+                  <a:srgbClr val="008000"/>
+                </a:solidFill>
+                <a:latin typeface="Consolas" panose="020B0609020204030204" pitchFamily="49" charset="0"/>
+              </a:rPr>
+              <a:t>// Place setter validation logic here if required</a:t>
+            </a:r>
+            <a:endParaRPr lang="en-US" dirty="0">
+              <a:solidFill>
+                <a:srgbClr val="000000"/>
+              </a:solidFill>
+              <a:latin typeface="Consolas" panose="020B0609020204030204" pitchFamily="49" charset="0"/>
+            </a:endParaRPr>
+          </a:p>
+          <a:p>
+            <a:r>
+              <a:rPr lang="da-DK" dirty="0">
+                <a:solidFill>
+                  <a:srgbClr val="000000"/>
+                </a:solidFill>
+                <a:latin typeface="Consolas" panose="020B0609020204030204" pitchFamily="49" charset="0"/>
+              </a:rPr>
+              <a:t>            _id = value;</a:t>
+            </a:r>
+          </a:p>
+          <a:p>
+            <a:r>
+              <a:rPr lang="en-DK" dirty="0">
+                <a:solidFill>
+                  <a:srgbClr val="000000"/>
+                </a:solidFill>
+                <a:latin typeface="Consolas" panose="020B0609020204030204" pitchFamily="49" charset="0"/>
+              </a:rPr>
+              <a:t>        }</a:t>
+            </a:r>
+          </a:p>
+          <a:p>
+            <a:r>
+              <a:rPr lang="en-DK" dirty="0">
+                <a:solidFill>
+                  <a:srgbClr val="000000"/>
+                </a:solidFill>
+                <a:latin typeface="Consolas" panose="020B0609020204030204" pitchFamily="49" charset="0"/>
+              </a:rPr>
+              <a:t>    }</a:t>
+            </a:r>
+          </a:p>
+          <a:p>
+            <a:r>
+              <a:rPr lang="en-DK" dirty="0">
+                <a:solidFill>
+                  <a:srgbClr val="000000"/>
+                </a:solidFill>
+                <a:latin typeface="Consolas" panose="020B0609020204030204" pitchFamily="49" charset="0"/>
+              </a:rPr>
+              <a:t>}</a:t>
+            </a:r>
+            <a:endParaRPr lang="en-DK" dirty="0"/>
+          </a:p>
+        </p:txBody>
+      </p:sp>
+    </p:spTree>
+    <p:extLst>
+      <p:ext uri="{BB962C8B-B14F-4D97-AF65-F5344CB8AC3E}">
+        <p14:creationId xmlns:p14="http://schemas.microsoft.com/office/powerpoint/2010/main" val="2545443357"/>
+      </p:ext>
+    </p:extLst>
+  </p:cSld>
+  <p:clrMapOvr>
+    <a:masterClrMapping/>
+  </p:clrMapOvr>
+  <p:transition>
+    <p:fade/>
+  </p:transition>
+</p:sld>
+</file>
+
+<file path=ppt/slides/slide7.xml><?xml version="1.0" encoding="utf-8"?>
 <p:sld xmlns:a="http://schemas.openxmlformats.org/drawingml/2006/main" xmlns:r="http://schemas.openxmlformats.org/officeDocument/2006/relationships" xmlns:p="http://schemas.openxmlformats.org/presentationml/2006/main">
   <p:cSld>
     <p:bg>
@@ -5230,7 +10349,7 @@
 </p:sld>
 </file>
 
-<file path=ppt/slides/slide4.xml><?xml version="1.0" encoding="utf-8"?>
+<file path=ppt/slides/slide8.xml><?xml version="1.0" encoding="utf-8"?>
 <p:sld xmlns:a="http://schemas.openxmlformats.org/drawingml/2006/main" xmlns:r="http://schemas.openxmlformats.org/officeDocument/2006/relationships" xmlns:p="http://schemas.openxmlformats.org/presentationml/2006/main">
   <p:cSld>
     <p:spTree>
@@ -5645,7 +10764,7 @@
 </p:sld>
 </file>
 
-<file path=ppt/slides/slide5.xml><?xml version="1.0" encoding="utf-8"?>
+<file path=ppt/slides/slide9.xml><?xml version="1.0" encoding="utf-8"?>
 <p:sld xmlns:a="http://schemas.openxmlformats.org/drawingml/2006/main" xmlns:r="http://schemas.openxmlformats.org/officeDocument/2006/relationships" xmlns:p="http://schemas.openxmlformats.org/presentationml/2006/main">
   <p:cSld>
     <p:bg>
@@ -5694,44 +10813,23 @@
             <a:r>
               <a:rPr lang="en-US" dirty="0">
                 <a:solidFill>
-                  <a:schemeClr val="bg1"/>
-                </a:solidFill>
-              </a:rPr>
-              <a:t>Anonymous methods</a:t>
+                  <a:schemeClr val="tx1"/>
+                </a:solidFill>
+              </a:rPr>
+              <a:t>Enumeration demo</a:t>
             </a:r>
             <a:br>
               <a:rPr lang="en-US" dirty="0">
                 <a:solidFill>
-                  <a:schemeClr val="bg1"/>
+                  <a:schemeClr val="tx1"/>
                 </a:solidFill>
               </a:rPr>
             </a:br>
-            <a:endParaRPr lang="en-DK" dirty="0"/>
-          </a:p>
-        </p:txBody>
-      </p:sp>
-      <p:sp>
-        <p:nvSpPr>
-          <p:cNvPr id="3" name="Text Placeholder 2">
-            <a:extLst>
-              <a:ext uri="{FF2B5EF4-FFF2-40B4-BE49-F238E27FC236}">
-                <a16:creationId xmlns:a16="http://schemas.microsoft.com/office/drawing/2014/main" id="{EA82297D-2677-4999-A5B1-E62E1971D450}"/>
-              </a:ext>
-            </a:extLst>
-          </p:cNvPr>
-          <p:cNvSpPr>
-            <a:spLocks noGrp="1"/>
-          </p:cNvSpPr>
-          <p:nvPr>
-            <p:ph type="body" sz="quarter" idx="10"/>
-          </p:nvPr>
-        </p:nvSpPr>
-        <p:spPr/>
-        <p:txBody>
-          <a:bodyPr/>
-          <a:lstStyle/>
-          <a:p>
-            <a:endParaRPr lang="en-DK" dirty="0"/>
+            <a:endParaRPr lang="en-DK" dirty="0">
+              <a:solidFill>
+                <a:schemeClr val="tx1"/>
+              </a:solidFill>
+            </a:endParaRPr>
           </a:p>
         </p:txBody>
       </p:sp>
@@ -5739,437 +10837,6 @@
     <p:extLst>
       <p:ext uri="{BB962C8B-B14F-4D97-AF65-F5344CB8AC3E}">
         <p14:creationId xmlns:p14="http://schemas.microsoft.com/office/powerpoint/2010/main" val="2807822451"/>
-      </p:ext>
-    </p:extLst>
-  </p:cSld>
-  <p:clrMapOvr>
-    <a:masterClrMapping/>
-  </p:clrMapOvr>
-  <p:transition>
-    <p:fade/>
-  </p:transition>
-</p:sld>
-</file>
-
-<file path=ppt/slides/slide6.xml><?xml version="1.0" encoding="utf-8"?>
-<p:sld xmlns:a="http://schemas.openxmlformats.org/drawingml/2006/main" xmlns:r="http://schemas.openxmlformats.org/officeDocument/2006/relationships" xmlns:p="http://schemas.openxmlformats.org/presentationml/2006/main">
-  <p:cSld>
-    <p:bg>
-      <p:bgPr>
-        <a:solidFill>
-          <a:srgbClr val="442359"/>
-        </a:solidFill>
-        <a:effectLst/>
-      </p:bgPr>
-    </p:bg>
-    <p:spTree>
-      <p:nvGrpSpPr>
-        <p:cNvPr id="1" name=""/>
-        <p:cNvGrpSpPr/>
-        <p:nvPr/>
-      </p:nvGrpSpPr>
-      <p:grpSpPr>
-        <a:xfrm>
-          <a:off x="0" y="0"/>
-          <a:ext cx="0" cy="0"/>
-          <a:chOff x="0" y="0"/>
-          <a:chExt cx="0" cy="0"/>
-        </a:xfrm>
-      </p:grpSpPr>
-      <p:sp>
-        <p:nvSpPr>
-          <p:cNvPr id="2" name="Title 1">
-            <a:extLst>
-              <a:ext uri="{FF2B5EF4-FFF2-40B4-BE49-F238E27FC236}">
-                <a16:creationId xmlns:a16="http://schemas.microsoft.com/office/drawing/2014/main" id="{6C181AFD-B920-4857-97AF-D8602EF83934}"/>
-              </a:ext>
-            </a:extLst>
-          </p:cNvPr>
-          <p:cNvSpPr>
-            <a:spLocks noGrp="1"/>
-          </p:cNvSpPr>
-          <p:nvPr>
-            <p:ph type="title"/>
-          </p:nvPr>
-        </p:nvSpPr>
-        <p:spPr/>
-        <p:txBody>
-          <a:bodyPr/>
-          <a:lstStyle/>
-          <a:p>
-            <a:r>
-              <a:rPr lang="da-DK" dirty="0">
-                <a:solidFill>
-                  <a:schemeClr val="bg1"/>
-                </a:solidFill>
-              </a:rPr>
-              <a:t>Anonymous types</a:t>
-            </a:r>
-            <a:endParaRPr lang="en-DK" dirty="0">
-              <a:solidFill>
-                <a:schemeClr val="bg1"/>
-              </a:solidFill>
-            </a:endParaRPr>
-          </a:p>
-        </p:txBody>
-      </p:sp>
-      <p:sp>
-        <p:nvSpPr>
-          <p:cNvPr id="3" name="Text Placeholder 2">
-            <a:extLst>
-              <a:ext uri="{FF2B5EF4-FFF2-40B4-BE49-F238E27FC236}">
-                <a16:creationId xmlns:a16="http://schemas.microsoft.com/office/drawing/2014/main" id="{6156A684-45C6-4317-A951-29E4D9C2536C}"/>
-              </a:ext>
-            </a:extLst>
-          </p:cNvPr>
-          <p:cNvSpPr>
-            <a:spLocks noGrp="1"/>
-          </p:cNvSpPr>
-          <p:nvPr>
-            <p:ph type="body" sz="quarter" idx="10"/>
-          </p:nvPr>
-        </p:nvSpPr>
-        <p:spPr>
-          <a:xfrm>
-            <a:off x="274209" y="1212850"/>
-            <a:ext cx="8778240" cy="683264"/>
-          </a:xfrm>
-        </p:spPr>
-        <p:txBody>
-          <a:bodyPr/>
-          <a:lstStyle/>
-          <a:p>
-            <a:endParaRPr lang="en-DK">
-              <a:solidFill>
-                <a:schemeClr val="bg1"/>
-              </a:solidFill>
-            </a:endParaRPr>
-          </a:p>
-        </p:txBody>
-      </p:sp>
-    </p:spTree>
-    <p:extLst>
-      <p:ext uri="{BB962C8B-B14F-4D97-AF65-F5344CB8AC3E}">
-        <p14:creationId xmlns:p14="http://schemas.microsoft.com/office/powerpoint/2010/main" val="1682119562"/>
-      </p:ext>
-    </p:extLst>
-  </p:cSld>
-  <p:clrMapOvr>
-    <a:masterClrMapping/>
-  </p:clrMapOvr>
-  <p:transition>
-    <p:fade/>
-  </p:transition>
-</p:sld>
-</file>
-
-<file path=ppt/slides/slide7.xml><?xml version="1.0" encoding="utf-8"?>
-<p:sld xmlns:a="http://schemas.openxmlformats.org/drawingml/2006/main" xmlns:r="http://schemas.openxmlformats.org/officeDocument/2006/relationships" xmlns:p="http://schemas.openxmlformats.org/presentationml/2006/main">
-  <p:cSld>
-    <p:bg>
-      <p:bgPr>
-        <a:solidFill>
-          <a:srgbClr val="00188F"/>
-        </a:solidFill>
-        <a:effectLst/>
-      </p:bgPr>
-    </p:bg>
-    <p:spTree>
-      <p:nvGrpSpPr>
-        <p:cNvPr id="1" name=""/>
-        <p:cNvGrpSpPr/>
-        <p:nvPr/>
-      </p:nvGrpSpPr>
-      <p:grpSpPr>
-        <a:xfrm>
-          <a:off x="0" y="0"/>
-          <a:ext cx="0" cy="0"/>
-          <a:chOff x="0" y="0"/>
-          <a:chExt cx="0" cy="0"/>
-        </a:xfrm>
-      </p:grpSpPr>
-      <p:sp>
-        <p:nvSpPr>
-          <p:cNvPr id="2" name="Title 1">
-            <a:extLst>
-              <a:ext uri="{FF2B5EF4-FFF2-40B4-BE49-F238E27FC236}">
-                <a16:creationId xmlns:a16="http://schemas.microsoft.com/office/drawing/2014/main" id="{6BD41A11-0D1D-4DC0-B06E-1D720CEE2C74}"/>
-              </a:ext>
-            </a:extLst>
-          </p:cNvPr>
-          <p:cNvSpPr>
-            <a:spLocks noGrp="1"/>
-          </p:cNvSpPr>
-          <p:nvPr>
-            <p:ph type="title"/>
-          </p:nvPr>
-        </p:nvSpPr>
-        <p:spPr/>
-        <p:txBody>
-          <a:bodyPr/>
-          <a:lstStyle/>
-          <a:p>
-            <a:r>
-              <a:rPr lang="da-DK" dirty="0">
-                <a:solidFill>
-                  <a:schemeClr val="bg1"/>
-                </a:solidFill>
-              </a:rPr>
-              <a:t>Delegates</a:t>
-            </a:r>
-            <a:endParaRPr lang="en-DK" dirty="0">
-              <a:solidFill>
-                <a:schemeClr val="bg1"/>
-              </a:solidFill>
-            </a:endParaRPr>
-          </a:p>
-        </p:txBody>
-      </p:sp>
-      <p:sp>
-        <p:nvSpPr>
-          <p:cNvPr id="3" name="Text Placeholder 2">
-            <a:extLst>
-              <a:ext uri="{FF2B5EF4-FFF2-40B4-BE49-F238E27FC236}">
-                <a16:creationId xmlns:a16="http://schemas.microsoft.com/office/drawing/2014/main" id="{F4CE1839-ADD5-4974-A408-B784B82F4D3D}"/>
-              </a:ext>
-            </a:extLst>
-          </p:cNvPr>
-          <p:cNvSpPr>
-            <a:spLocks noGrp="1"/>
-          </p:cNvSpPr>
-          <p:nvPr>
-            <p:ph type="body" sz="quarter" idx="10"/>
-          </p:nvPr>
-        </p:nvSpPr>
-        <p:spPr>
-          <a:xfrm>
-            <a:off x="274209" y="1212850"/>
-            <a:ext cx="8778240" cy="683264"/>
-          </a:xfrm>
-        </p:spPr>
-        <p:txBody>
-          <a:bodyPr/>
-          <a:lstStyle/>
-          <a:p>
-            <a:endParaRPr lang="en-DK">
-              <a:solidFill>
-                <a:schemeClr val="bg1"/>
-              </a:solidFill>
-            </a:endParaRPr>
-          </a:p>
-        </p:txBody>
-      </p:sp>
-    </p:spTree>
-    <p:extLst>
-      <p:ext uri="{BB962C8B-B14F-4D97-AF65-F5344CB8AC3E}">
-        <p14:creationId xmlns:p14="http://schemas.microsoft.com/office/powerpoint/2010/main" val="2461452583"/>
-      </p:ext>
-    </p:extLst>
-  </p:cSld>
-  <p:clrMapOvr>
-    <a:masterClrMapping/>
-  </p:clrMapOvr>
-  <p:transition>
-    <p:fade/>
-  </p:transition>
-</p:sld>
-</file>
-
-<file path=ppt/slides/slide8.xml><?xml version="1.0" encoding="utf-8"?>
-<p:sld xmlns:a="http://schemas.openxmlformats.org/drawingml/2006/main" xmlns:r="http://schemas.openxmlformats.org/officeDocument/2006/relationships" xmlns:p="http://schemas.openxmlformats.org/presentationml/2006/main">
-  <p:cSld>
-    <p:bg>
-      <p:bgPr>
-        <a:solidFill>
-          <a:srgbClr val="FF8C00"/>
-        </a:solidFill>
-        <a:effectLst/>
-      </p:bgPr>
-    </p:bg>
-    <p:spTree>
-      <p:nvGrpSpPr>
-        <p:cNvPr id="1" name=""/>
-        <p:cNvGrpSpPr/>
-        <p:nvPr/>
-      </p:nvGrpSpPr>
-      <p:grpSpPr>
-        <a:xfrm>
-          <a:off x="0" y="0"/>
-          <a:ext cx="0" cy="0"/>
-          <a:chOff x="0" y="0"/>
-          <a:chExt cx="0" cy="0"/>
-        </a:xfrm>
-      </p:grpSpPr>
-      <p:sp>
-        <p:nvSpPr>
-          <p:cNvPr id="2" name="Title 1">
-            <a:extLst>
-              <a:ext uri="{FF2B5EF4-FFF2-40B4-BE49-F238E27FC236}">
-                <a16:creationId xmlns:a16="http://schemas.microsoft.com/office/drawing/2014/main" id="{F29B9600-9203-481B-B154-3EE4E626E2E8}"/>
-              </a:ext>
-            </a:extLst>
-          </p:cNvPr>
-          <p:cNvSpPr>
-            <a:spLocks noGrp="1"/>
-          </p:cNvSpPr>
-          <p:nvPr>
-            <p:ph type="title"/>
-          </p:nvPr>
-        </p:nvSpPr>
-        <p:spPr/>
-        <p:txBody>
-          <a:bodyPr/>
-          <a:lstStyle/>
-          <a:p>
-            <a:r>
-              <a:rPr lang="da-DK" dirty="0"/>
-              <a:t>Lambda expressions</a:t>
-            </a:r>
-            <a:endParaRPr lang="en-DK" dirty="0"/>
-          </a:p>
-        </p:txBody>
-      </p:sp>
-      <p:sp>
-        <p:nvSpPr>
-          <p:cNvPr id="3" name="Text Placeholder 2">
-            <a:extLst>
-              <a:ext uri="{FF2B5EF4-FFF2-40B4-BE49-F238E27FC236}">
-                <a16:creationId xmlns:a16="http://schemas.microsoft.com/office/drawing/2014/main" id="{B3F88BEC-2260-4A35-8633-95B393F88E9D}"/>
-              </a:ext>
-            </a:extLst>
-          </p:cNvPr>
-          <p:cNvSpPr>
-            <a:spLocks noGrp="1"/>
-          </p:cNvSpPr>
-          <p:nvPr>
-            <p:ph type="body" sz="quarter" idx="10"/>
-          </p:nvPr>
-        </p:nvSpPr>
-        <p:spPr/>
-        <p:txBody>
-          <a:bodyPr/>
-          <a:lstStyle/>
-          <a:p>
-            <a:endParaRPr lang="en-DK"/>
-          </a:p>
-        </p:txBody>
-      </p:sp>
-    </p:spTree>
-    <p:extLst>
-      <p:ext uri="{BB962C8B-B14F-4D97-AF65-F5344CB8AC3E}">
-        <p14:creationId xmlns:p14="http://schemas.microsoft.com/office/powerpoint/2010/main" val="1469158565"/>
-      </p:ext>
-    </p:extLst>
-  </p:cSld>
-  <p:clrMapOvr>
-    <a:masterClrMapping/>
-  </p:clrMapOvr>
-  <p:transition>
-    <p:fade/>
-  </p:transition>
-</p:sld>
-</file>
-
-<file path=ppt/slides/slide9.xml><?xml version="1.0" encoding="utf-8"?>
-<p:sld xmlns:a="http://schemas.openxmlformats.org/drawingml/2006/main" xmlns:r="http://schemas.openxmlformats.org/officeDocument/2006/relationships" xmlns:p="http://schemas.openxmlformats.org/presentationml/2006/main">
-  <p:cSld>
-    <p:bg>
-      <p:bgPr>
-        <a:solidFill>
-          <a:srgbClr val="000000"/>
-        </a:solidFill>
-        <a:effectLst/>
-      </p:bgPr>
-    </p:bg>
-    <p:spTree>
-      <p:nvGrpSpPr>
-        <p:cNvPr id="1" name=""/>
-        <p:cNvGrpSpPr/>
-        <p:nvPr/>
-      </p:nvGrpSpPr>
-      <p:grpSpPr>
-        <a:xfrm>
-          <a:off x="0" y="0"/>
-          <a:ext cx="0" cy="0"/>
-          <a:chOff x="0" y="0"/>
-          <a:chExt cx="0" cy="0"/>
-        </a:xfrm>
-      </p:grpSpPr>
-      <p:sp>
-        <p:nvSpPr>
-          <p:cNvPr id="2" name="Title 1">
-            <a:extLst>
-              <a:ext uri="{FF2B5EF4-FFF2-40B4-BE49-F238E27FC236}">
-                <a16:creationId xmlns:a16="http://schemas.microsoft.com/office/drawing/2014/main" id="{DFD07818-683D-4EEA-A10C-10356ADE157F}"/>
-              </a:ext>
-            </a:extLst>
-          </p:cNvPr>
-          <p:cNvSpPr>
-            <a:spLocks noGrp="1"/>
-          </p:cNvSpPr>
-          <p:nvPr>
-            <p:ph type="title"/>
-          </p:nvPr>
-        </p:nvSpPr>
-        <p:spPr/>
-        <p:txBody>
-          <a:bodyPr/>
-          <a:lstStyle/>
-          <a:p>
-            <a:r>
-              <a:rPr lang="da-DK" dirty="0">
-                <a:solidFill>
-                  <a:schemeClr val="bg1"/>
-                </a:solidFill>
-              </a:rPr>
-              <a:t>Extension methods</a:t>
-            </a:r>
-            <a:endParaRPr lang="en-DK" dirty="0">
-              <a:solidFill>
-                <a:schemeClr val="bg1"/>
-              </a:solidFill>
-            </a:endParaRPr>
-          </a:p>
-        </p:txBody>
-      </p:sp>
-      <p:sp>
-        <p:nvSpPr>
-          <p:cNvPr id="3" name="Text Placeholder 2">
-            <a:extLst>
-              <a:ext uri="{FF2B5EF4-FFF2-40B4-BE49-F238E27FC236}">
-                <a16:creationId xmlns:a16="http://schemas.microsoft.com/office/drawing/2014/main" id="{2FCC19E9-884C-4C4B-9F02-8999F4FD2755}"/>
-              </a:ext>
-            </a:extLst>
-          </p:cNvPr>
-          <p:cNvSpPr>
-            <a:spLocks noGrp="1"/>
-          </p:cNvSpPr>
-          <p:nvPr>
-            <p:ph type="body" sz="quarter" idx="10"/>
-          </p:nvPr>
-        </p:nvSpPr>
-        <p:spPr>
-          <a:xfrm>
-            <a:off x="274209" y="1212850"/>
-            <a:ext cx="8778240" cy="683264"/>
-          </a:xfrm>
-        </p:spPr>
-        <p:txBody>
-          <a:bodyPr/>
-          <a:lstStyle/>
-          <a:p>
-            <a:endParaRPr lang="en-DK">
-              <a:solidFill>
-                <a:schemeClr val="bg1"/>
-              </a:solidFill>
-            </a:endParaRPr>
-          </a:p>
-        </p:txBody>
-      </p:sp>
-    </p:spTree>
-    <p:extLst>
-      <p:ext uri="{BB962C8B-B14F-4D97-AF65-F5344CB8AC3E}">
-        <p14:creationId xmlns:p14="http://schemas.microsoft.com/office/powerpoint/2010/main" val="2599729435"/>
       </p:ext>
     </p:extLst>
   </p:cSld>
@@ -7322,15 +11989,6 @@
 </file>
 
 <file path=customXml/item2.xml><?xml version="1.0" encoding="utf-8"?>
-<?mso-contentType ?>
-<FormTemplates xmlns="http://schemas.microsoft.com/sharepoint/v3/contenttype/forms">
-  <Display>DocumentLibraryForm</Display>
-  <Edit>DocumentLibraryForm</Edit>
-  <New>DocumentLibraryForm</New>
-</FormTemplates>
-</file>
-
-<file path=customXml/item3.xml><?xml version="1.0" encoding="utf-8"?>
 <p:properties xmlns:p="http://schemas.microsoft.com/office/2006/metadata/properties" xmlns:xsi="http://www.w3.org/2001/XMLSchema-instance" xmlns:pc="http://schemas.microsoft.com/office/infopath/2007/PartnerControls">
   <documentManagement>
     <TrackTaxHTField0 xmlns="2295e2e7-0eeb-498e-8716-217bb2ee6ee3">
@@ -7385,6 +12043,15 @@
 </p:properties>
 </file>
 
+<file path=customXml/item3.xml><?xml version="1.0" encoding="utf-8"?>
+<?mso-contentType ?>
+<FormTemplates xmlns="http://schemas.microsoft.com/sharepoint/v3/contenttype/forms">
+  <Display>DocumentLibraryForm</Display>
+  <Edit>DocumentLibraryForm</Edit>
+  <New>DocumentLibraryForm</New>
+</FormTemplates>
+</file>
+
 <file path=customXml/itemProps1.xml><?xml version="1.0" encoding="utf-8"?>
 <ds:datastoreItem xmlns:ds="http://schemas.openxmlformats.org/officeDocument/2006/customXml" ds:itemID="{A4A71FB1-3FB8-468F-9C64-2246CB74C7D9}">
   <ds:schemaRefs>
@@ -7405,14 +12072,6 @@
 </file>
 
 <file path=customXml/itemProps2.xml><?xml version="1.0" encoding="utf-8"?>
-<ds:datastoreItem xmlns:ds="http://schemas.openxmlformats.org/officeDocument/2006/customXml" ds:itemID="{758FDAC0-319D-4A54-8D8E-1D42CB1F8004}">
-  <ds:schemaRefs>
-    <ds:schemaRef ds:uri="http://schemas.microsoft.com/sharepoint/v3/contenttype/forms"/>
-  </ds:schemaRefs>
-</ds:datastoreItem>
-</file>
-
-<file path=customXml/itemProps3.xml><?xml version="1.0" encoding="utf-8"?>
 <ds:datastoreItem xmlns:ds="http://schemas.openxmlformats.org/officeDocument/2006/customXml" ds:itemID="{F990F116-B58F-4255-B05B-DA3808E0E5C6}">
   <ds:schemaRefs>
     <ds:schemaRef ds:uri="http://schemas.microsoft.com/office/2006/documentManagement/types"/>
@@ -7427,4 +12086,12 @@
     <ds:schemaRef ds:uri="http://purl.org/dc/terms/"/>
   </ds:schemaRefs>
 </ds:datastoreItem>
+</file>
+
+<file path=customXml/itemProps3.xml><?xml version="1.0" encoding="utf-8"?>
+<ds:datastoreItem xmlns:ds="http://schemas.openxmlformats.org/officeDocument/2006/customXml" ds:itemID="{758FDAC0-319D-4A54-8D8E-1D42CB1F8004}">
+  <ds:schemaRefs>
+    <ds:schemaRef ds:uri="http://schemas.microsoft.com/sharepoint/v3/contenttype/forms"/>
+  </ds:schemaRefs>
+</ds:datastoreItem>
 </file>